--- a/其他ppt等/区块链介绍及个人项目介绍.pptx
+++ b/其他ppt等/区块链介绍及个人项目介绍.pptx
@@ -13724,7 +13724,7 @@
         <p:spPr>
           <a:xfrm>
             <a:off x="294005" y="1358900"/>
-            <a:ext cx="3213100" cy="4246245"/>
+            <a:ext cx="3213100" cy="5077460"/>
           </a:xfrm>
           <a:prstGeom prst="rect">
             <a:avLst/>
@@ -13742,22 +13742,37 @@
             </a:r>
             <a:r>
               <a:rPr lang="zh-CN" altLang="en-US"/>
-              <a:t>双层merkle patricia tree记录数据。</a:t>
+              <a:t>双层merkle patricia tree记录数据。每次有订单变化时，都会导致树根变化。该变化历史是可以追溯的，即可以恢复任意状态的</a:t>
+            </a:r>
+            <a:r>
+              <a:rPr lang="zh-CN" altLang="en-US"/>
+              <a:t>数据。</a:t>
             </a:r>
             <a:endParaRPr lang="zh-CN" altLang="en-US"/>
           </a:p>
           <a:p>
+            <a:endParaRPr lang="zh-CN" altLang="en-US"/>
+          </a:p>
+          <a:p>
             <a:r>
               <a:rPr lang="zh-CN" altLang="en-US"/>
-              <a:t>每次有订单变化时，都会导致树根变化。该变化历史是可以追溯的，即可以恢复任意状态的</a:t>
+              <a:t>每个订单的历史被完整记录和追溯</a:t>
             </a:r>
             <a:r>
               <a:rPr lang="zh-CN" altLang="en-US"/>
-              <a:t>数据。每个订单的历史也是被完整记录和可追溯</a:t>
+              <a:t>。注意订单历史是只可增加，不可删除和修改的。使用类似</a:t>
+            </a:r>
+            <a:r>
+              <a:rPr lang="en-US" altLang="zh-CN"/>
+              <a:t>UTXO</a:t>
             </a:r>
             <a:r>
               <a:rPr lang="zh-CN" altLang="en-US"/>
-              <a:t>的。</a:t>
+              <a:t>的方式保存成</a:t>
+            </a:r>
+            <a:r>
+              <a:rPr lang="zh-CN" altLang="en-US"/>
+              <a:t>链条。</a:t>
             </a:r>
             <a:endParaRPr lang="zh-CN" altLang="en-US"/>
           </a:p>
@@ -13809,7 +13824,7 @@
       </p:sp>
       <p:pic>
         <p:nvPicPr>
-          <p:cNvPr id="4" name="图片 3"/>
+          <p:cNvPr id="2" name="图片 1"/>
           <p:cNvPicPr>
             <a:picLocks noChangeAspect="1"/>
           </p:cNvPicPr>
@@ -13823,8 +13838,8 @@
         </p:blipFill>
         <p:spPr>
           <a:xfrm>
-            <a:off x="3792855" y="90170"/>
-            <a:ext cx="8310880" cy="6499225"/>
+            <a:off x="3792855" y="283210"/>
+            <a:ext cx="8399145" cy="6574790"/>
           </a:xfrm>
           <a:prstGeom prst="rect">
             <a:avLst/>
@@ -13929,7 +13944,7 @@
                                         <p:tgtEl>
                                           <p:spTgt spid="8">
                                             <p:txEl>
-                                              <p:pRg st="1" end="1"/>
+                                              <p:pRg st="2" end="2"/>
                                             </p:txEl>
                                           </p:spTgt>
                                         </p:tgtEl>
@@ -13978,7 +13993,7 @@
                                         <p:tgtEl>
                                           <p:spTgt spid="8">
                                             <p:txEl>
-                                              <p:pRg st="3" end="3"/>
+                                              <p:pRg st="4" end="4"/>
                                             </p:txEl>
                                           </p:spTgt>
                                         </p:tgtEl>
@@ -14027,7 +14042,7 @@
                                         <p:tgtEl>
                                           <p:spTgt spid="8">
                                             <p:txEl>
-                                              <p:pRg st="5" end="5"/>
+                                              <p:pRg st="6" end="6"/>
                                             </p:txEl>
                                           </p:spTgt>
                                         </p:tgtEl>

--- a/其他ppt等/区块链介绍及个人项目介绍.pptx
+++ b/其他ppt等/区块链介绍及个人项目介绍.pptx
@@ -7789,7 +7789,7 @@
                 <a:cs typeface="Arial" panose="020B0604020202020204" pitchFamily="34" charset="0"/>
                 <a:sym typeface="Calibri" panose="020F0502020204030204" charset="0"/>
               </a:rPr>
-              <a:t>数字福建区块链</a:t>
+              <a:t>数字福建区块链平台：</a:t>
             </a:r>
             <a:r>
               <a:rPr lang="zh-CN" altLang="en-US" sz="2400" b="1" dirty="0">
@@ -7800,7 +7800,7 @@
                 <a:cs typeface="Arial" panose="020B0604020202020204" pitchFamily="34" charset="0"/>
                 <a:sym typeface="Calibri" panose="020F0502020204030204" charset="0"/>
               </a:rPr>
-              <a:t>平台</a:t>
+              <a:t>介绍</a:t>
             </a:r>
             <a:endParaRPr lang="zh-CN" altLang="en-US" sz="2400" b="1" dirty="0">
               <a:solidFill>
@@ -7846,7 +7846,7 @@
         <p:spPr>
           <a:xfrm>
             <a:off x="499745" y="1104265"/>
-            <a:ext cx="11177270" cy="3415030"/>
+            <a:ext cx="11177270" cy="5077460"/>
           </a:xfrm>
           <a:prstGeom prst="rect">
             <a:avLst/>
@@ -7858,21 +7858,32 @@
             <a:spAutoFit/>
           </a:bodyPr>
           <a:p>
+            <a:pPr indent="0">
+              <a:buFont typeface="Arial" panose="020B0604020202020204" pitchFamily="34" charset="0"/>
+              <a:buNone/>
+            </a:pPr>
+            <a:r>
+              <a:rPr lang="zh-CN" altLang="en-US" b="1"/>
+              <a:t>目标：</a:t>
+            </a:r>
+            <a:endParaRPr lang="zh-CN" altLang="en-US" b="1"/>
+          </a:p>
+          <a:p>
             <a:pPr marL="285750" indent="-285750">
               <a:buFont typeface="Arial" panose="020B0604020202020204" pitchFamily="34" charset="0"/>
               <a:buChar char="•"/>
             </a:pPr>
             <a:r>
               <a:rPr lang="zh-CN" altLang="en-US"/>
-              <a:t>基于</a:t>
-            </a:r>
-            <a:r>
-              <a:rPr lang="en-US" altLang="zh-CN"/>
-              <a:t>Fabric</a:t>
+              <a:t>打造</a:t>
             </a:r>
             <a:r>
               <a:rPr lang="zh-CN" altLang="en-US"/>
-              <a:t>开发</a:t>
+              <a:t>福建省政府通用区块链底层平台，各部门可基于该平台快速、低成本将业务上链，防止</a:t>
+            </a:r>
+            <a:r>
+              <a:rPr lang="zh-CN" altLang="en-US"/>
+              <a:t>重复投资。</a:t>
             </a:r>
             <a:endParaRPr lang="zh-CN" altLang="en-US"/>
           </a:p>
@@ -7883,25 +7894,11 @@
             </a:pPr>
             <a:r>
               <a:rPr lang="zh-CN" altLang="en-US"/>
-              <a:t>主子链体系</a:t>
-            </a:r>
-            <a:br>
+              <a:t>不同业务部门间可跨链完成业务</a:t>
+            </a:r>
+            <a:r>
               <a:rPr lang="zh-CN" altLang="en-US"/>
-            </a:br>
-            <a:r>
-              <a:rPr lang="zh-CN" altLang="en-US"/>
-              <a:t>主链完成对整个链的管理，如组织参与、子链创建、子链监控等</a:t>
-            </a:r>
-            <a:br>
-              <a:rPr lang="zh-CN" altLang="en-US"/>
-            </a:br>
-            <a:r>
-              <a:rPr lang="zh-CN" altLang="en-US"/>
-              <a:t>子链完成业务</a:t>
-            </a:r>
-            <a:r>
-              <a:rPr lang="zh-CN" altLang="en-US"/>
-              <a:t>处理</a:t>
+              <a:t>协作</a:t>
             </a:r>
             <a:endParaRPr lang="zh-CN" altLang="en-US"/>
           </a:p>
@@ -7912,15 +7909,52 @@
             </a:pPr>
             <a:r>
               <a:rPr lang="zh-CN" altLang="en-US"/>
-              <a:t>可视化链管理，如链上组织管理、合约管理、节点监控和管理、证书</a:t>
+              <a:t>安全、可监管、</a:t>
             </a:r>
             <a:r>
               <a:rPr lang="zh-CN" altLang="en-US"/>
-              <a:t>管理、区块链浏览器</a:t>
-            </a:r>
+              <a:t>易用</a:t>
+            </a:r>
+            <a:endParaRPr lang="zh-CN" altLang="en-US"/>
+          </a:p>
+          <a:p>
+            <a:pPr indent="0">
+              <a:buFont typeface="Arial" panose="020B0604020202020204" pitchFamily="34" charset="0"/>
+              <a:buNone/>
+            </a:pPr>
+            <a:endParaRPr lang="zh-CN" altLang="en-US"/>
+          </a:p>
+          <a:p>
+            <a:pPr indent="0">
+              <a:buFont typeface="Arial" panose="020B0604020202020204" pitchFamily="34" charset="0"/>
+              <a:buNone/>
+            </a:pPr>
+            <a:r>
+              <a:rPr lang="zh-CN" altLang="en-US" b="1"/>
+              <a:t>方案和</a:t>
+            </a:r>
+            <a:r>
+              <a:rPr lang="zh-CN" altLang="en-US" b="1"/>
+              <a:t>特色：</a:t>
+            </a:r>
+            <a:endParaRPr lang="zh-CN" altLang="en-US" b="1"/>
+          </a:p>
+          <a:p>
+            <a:pPr marL="285750" indent="-285750">
+              <a:buFont typeface="Arial" panose="020B0604020202020204" pitchFamily="34" charset="0"/>
+              <a:buChar char="•"/>
+            </a:pPr>
             <a:r>
               <a:rPr lang="zh-CN" altLang="en-US"/>
-              <a:t>等</a:t>
+              <a:t>基于</a:t>
+            </a:r>
+            <a:r>
+              <a:rPr lang="en-US" altLang="zh-CN"/>
+              <a:t>Fabric</a:t>
+            </a:r>
+            <a:r>
+              <a:rPr lang="zh-CN" altLang="en-US"/>
+              <a:t>开发</a:t>
             </a:r>
             <a:endParaRPr lang="zh-CN" altLang="en-US"/>
           </a:p>
@@ -7931,11 +7965,25 @@
             </a:pPr>
             <a:r>
               <a:rPr lang="zh-CN" altLang="en-US"/>
-              <a:t>数据锚定服务，子链数据定期锚定到主链，让主链对子链数据完成监管和</a:t>
-            </a:r>
-            <a:r>
+              <a:t>主子链体系</a:t>
+            </a:r>
+            <a:br>
               <a:rPr lang="zh-CN" altLang="en-US"/>
-              <a:t>验证</a:t>
+            </a:br>
+            <a:r>
+              <a:rPr lang="zh-CN" altLang="en-US"/>
+              <a:t>主链完成对整个链的管理，如组织参与、子链创建、子链监控等</a:t>
+            </a:r>
+            <a:br>
+              <a:rPr lang="zh-CN" altLang="en-US"/>
+            </a:br>
+            <a:r>
+              <a:rPr lang="zh-CN" altLang="en-US"/>
+              <a:t>子链完成业务</a:t>
+            </a:r>
+            <a:r>
+              <a:rPr lang="zh-CN" altLang="en-US"/>
+              <a:t>处理</a:t>
             </a:r>
             <a:endParaRPr lang="zh-CN" altLang="en-US"/>
           </a:p>
@@ -7946,7 +7994,15 @@
             </a:pPr>
             <a:r>
               <a:rPr lang="zh-CN" altLang="en-US"/>
-              <a:t>跨链：不同子链间数据可以跨链，协同工作。</a:t>
+              <a:t>可视化链管理，如链上组织管理、合约管理、节点监控和管理、证书</a:t>
+            </a:r>
+            <a:r>
+              <a:rPr lang="zh-CN" altLang="en-US"/>
+              <a:t>管理、区块链浏览器</a:t>
+            </a:r>
+            <a:r>
+              <a:rPr lang="zh-CN" altLang="en-US"/>
+              <a:t>等</a:t>
             </a:r>
             <a:endParaRPr lang="zh-CN" altLang="en-US"/>
           </a:p>
@@ -7957,7 +8013,37 @@
             </a:pPr>
             <a:r>
               <a:rPr lang="zh-CN" altLang="en-US"/>
-              <a:t>网关服务：合理设计内置服务和接口，最大化减轻</a:t>
+              <a:t>数据锚定服务，子链数据定期锚定到主链，让主链对子链数据完成监管和</a:t>
+            </a:r>
+            <a:r>
+              <a:rPr lang="zh-CN" altLang="en-US"/>
+              <a:t>验证</a:t>
+            </a:r>
+            <a:endParaRPr lang="zh-CN" altLang="en-US"/>
+          </a:p>
+          <a:p>
+            <a:pPr marL="285750" indent="-285750">
+              <a:buFont typeface="Arial" panose="020B0604020202020204" pitchFamily="34" charset="0"/>
+              <a:buChar char="•"/>
+            </a:pPr>
+            <a:r>
+              <a:rPr lang="zh-CN" altLang="en-US"/>
+              <a:t>跨链：不同子链间数据可以跨链，协同工作。</a:t>
+            </a:r>
+            <a:endParaRPr lang="zh-CN" altLang="en-US"/>
+          </a:p>
+          <a:p>
+            <a:pPr marL="285750" indent="-285750">
+              <a:buFont typeface="Arial" panose="020B0604020202020204" pitchFamily="34" charset="0"/>
+              <a:buChar char="•"/>
+            </a:pPr>
+            <a:r>
+              <a:rPr lang="zh-CN" altLang="en-US"/>
+              <a:t>网关服务：提供内置合约、各种</a:t>
+            </a:r>
+            <a:r>
+              <a:rPr lang="zh-CN" altLang="en-US"/>
+              <a:t>接口服务，最大化减轻</a:t>
             </a:r>
             <a:r>
               <a:rPr lang="zh-CN" altLang="en-US"/>
@@ -8021,9 +8107,668 @@
   <p:timing>
     <p:tnLst>
       <p:par>
-        <p:cTn id="1" dur="indefinite" restart="never" nodeType="tmRoot"/>
+        <p:cTn id="1" dur="indefinite" restart="never" nodeType="tmRoot">
+          <p:childTnLst>
+            <p:seq concurrent="1" nextAc="seek">
+              <p:cTn id="2" dur="indefinite" nodeType="mainSeq">
+                <p:childTnLst>
+                  <p:par>
+                    <p:cTn id="3" fill="hold">
+                      <p:stCondLst>
+                        <p:cond delay="indefinite"/>
+                      </p:stCondLst>
+                      <p:childTnLst>
+                        <p:par>
+                          <p:cTn id="4" fill="hold">
+                            <p:stCondLst>
+                              <p:cond delay="0"/>
+                            </p:stCondLst>
+                            <p:childTnLst>
+                              <p:par>
+                                <p:cTn id="5" presetID="1" presetClass="entr" presetSubtype="0" fill="hold" grpId="0" nodeType="clickEffect">
+                                  <p:stCondLst>
+                                    <p:cond delay="0"/>
+                                  </p:stCondLst>
+                                  <p:childTnLst>
+                                    <p:set>
+                                      <p:cBhvr>
+                                        <p:cTn id="6" dur="1" fill="hold">
+                                          <p:stCondLst>
+                                            <p:cond delay="0"/>
+                                          </p:stCondLst>
+                                        </p:cTn>
+                                        <p:tgtEl>
+                                          <p:spTgt spid="84"/>
+                                        </p:tgtEl>
+                                        <p:attrNameLst>
+                                          <p:attrName>style.visibility</p:attrName>
+                                        </p:attrNameLst>
+                                      </p:cBhvr>
+                                      <p:to>
+                                        <p:strVal val="visible"/>
+                                      </p:to>
+                                    </p:set>
+                                  </p:childTnLst>
+                                </p:cTn>
+                              </p:par>
+                            </p:childTnLst>
+                          </p:cTn>
+                        </p:par>
+                      </p:childTnLst>
+                    </p:cTn>
+                  </p:par>
+                  <p:par>
+                    <p:cTn id="7" fill="hold">
+                      <p:stCondLst>
+                        <p:cond delay="indefinite"/>
+                      </p:stCondLst>
+                      <p:childTnLst>
+                        <p:par>
+                          <p:cTn id="8" fill="hold">
+                            <p:stCondLst>
+                              <p:cond delay="0"/>
+                            </p:stCondLst>
+                            <p:childTnLst>
+                              <p:par>
+                                <p:cTn id="9" presetID="1" presetClass="entr" presetSubtype="0" fill="hold" nodeType="clickEffect">
+                                  <p:stCondLst>
+                                    <p:cond delay="0"/>
+                                  </p:stCondLst>
+                                  <p:childTnLst>
+                                    <p:set>
+                                      <p:cBhvr>
+                                        <p:cTn id="10" dur="1" fill="hold">
+                                          <p:stCondLst>
+                                            <p:cond delay="0"/>
+                                          </p:stCondLst>
+                                        </p:cTn>
+                                        <p:tgtEl>
+                                          <p:spTgt spid="84">
+                                            <p:txEl>
+                                              <p:pRg st="1" end="1"/>
+                                            </p:txEl>
+                                          </p:spTgt>
+                                        </p:tgtEl>
+                                        <p:attrNameLst>
+                                          <p:attrName>style.visibility</p:attrName>
+                                        </p:attrNameLst>
+                                      </p:cBhvr>
+                                      <p:to>
+                                        <p:strVal val="visible"/>
+                                      </p:to>
+                                    </p:set>
+                                  </p:childTnLst>
+                                </p:cTn>
+                              </p:par>
+                            </p:childTnLst>
+                          </p:cTn>
+                        </p:par>
+                      </p:childTnLst>
+                    </p:cTn>
+                  </p:par>
+                  <p:par>
+                    <p:cTn id="11" fill="hold">
+                      <p:stCondLst>
+                        <p:cond delay="indefinite"/>
+                      </p:stCondLst>
+                      <p:childTnLst>
+                        <p:par>
+                          <p:cTn id="12" fill="hold">
+                            <p:stCondLst>
+                              <p:cond delay="0"/>
+                            </p:stCondLst>
+                            <p:childTnLst>
+                              <p:par>
+                                <p:cTn id="13" presetID="1" presetClass="entr" presetSubtype="0" fill="hold" nodeType="clickEffect">
+                                  <p:stCondLst>
+                                    <p:cond delay="0"/>
+                                  </p:stCondLst>
+                                  <p:childTnLst>
+                                    <p:set>
+                                      <p:cBhvr>
+                                        <p:cTn id="14" dur="1" fill="hold">
+                                          <p:stCondLst>
+                                            <p:cond delay="0"/>
+                                          </p:stCondLst>
+                                        </p:cTn>
+                                        <p:tgtEl>
+                                          <p:spTgt spid="84">
+                                            <p:txEl>
+                                              <p:pRg st="2" end="2"/>
+                                            </p:txEl>
+                                          </p:spTgt>
+                                        </p:tgtEl>
+                                        <p:attrNameLst>
+                                          <p:attrName>style.visibility</p:attrName>
+                                        </p:attrNameLst>
+                                      </p:cBhvr>
+                                      <p:to>
+                                        <p:strVal val="visible"/>
+                                      </p:to>
+                                    </p:set>
+                                  </p:childTnLst>
+                                </p:cTn>
+                              </p:par>
+                            </p:childTnLst>
+                          </p:cTn>
+                        </p:par>
+                      </p:childTnLst>
+                    </p:cTn>
+                  </p:par>
+                  <p:par>
+                    <p:cTn id="15" fill="hold">
+                      <p:stCondLst>
+                        <p:cond delay="indefinite"/>
+                      </p:stCondLst>
+                      <p:childTnLst>
+                        <p:par>
+                          <p:cTn id="16" fill="hold">
+                            <p:stCondLst>
+                              <p:cond delay="0"/>
+                            </p:stCondLst>
+                            <p:childTnLst>
+                              <p:par>
+                                <p:cTn id="17" presetID="1" presetClass="entr" presetSubtype="0" fill="hold" nodeType="clickEffect">
+                                  <p:stCondLst>
+                                    <p:cond delay="0"/>
+                                  </p:stCondLst>
+                                  <p:childTnLst>
+                                    <p:set>
+                                      <p:cBhvr>
+                                        <p:cTn id="18" dur="1" fill="hold">
+                                          <p:stCondLst>
+                                            <p:cond delay="0"/>
+                                          </p:stCondLst>
+                                        </p:cTn>
+                                        <p:tgtEl>
+                                          <p:spTgt spid="84">
+                                            <p:txEl>
+                                              <p:pRg st="3" end="3"/>
+                                            </p:txEl>
+                                          </p:spTgt>
+                                        </p:tgtEl>
+                                        <p:attrNameLst>
+                                          <p:attrName>style.visibility</p:attrName>
+                                        </p:attrNameLst>
+                                      </p:cBhvr>
+                                      <p:to>
+                                        <p:strVal val="visible"/>
+                                      </p:to>
+                                    </p:set>
+                                  </p:childTnLst>
+                                </p:cTn>
+                              </p:par>
+                            </p:childTnLst>
+                          </p:cTn>
+                        </p:par>
+                      </p:childTnLst>
+                    </p:cTn>
+                  </p:par>
+                  <p:par>
+                    <p:cTn id="19" fill="hold">
+                      <p:stCondLst>
+                        <p:cond delay="indefinite"/>
+                      </p:stCondLst>
+                      <p:childTnLst>
+                        <p:par>
+                          <p:cTn id="20" fill="hold">
+                            <p:stCondLst>
+                              <p:cond delay="0"/>
+                            </p:stCondLst>
+                            <p:childTnLst>
+                              <p:par>
+                                <p:cTn id="21" presetID="1" presetClass="entr" presetSubtype="0" fill="hold" nodeType="clickEffect">
+                                  <p:stCondLst>
+                                    <p:cond delay="0"/>
+                                  </p:stCondLst>
+                                  <p:childTnLst>
+                                    <p:set>
+                                      <p:cBhvr>
+                                        <p:cTn id="22" dur="1" fill="hold">
+                                          <p:stCondLst>
+                                            <p:cond delay="0"/>
+                                          </p:stCondLst>
+                                        </p:cTn>
+                                        <p:tgtEl>
+                                          <p:spTgt spid="84">
+                                            <p:txEl>
+                                              <p:pRg st="5" end="5"/>
+                                            </p:txEl>
+                                          </p:spTgt>
+                                        </p:tgtEl>
+                                        <p:attrNameLst>
+                                          <p:attrName>style.visibility</p:attrName>
+                                        </p:attrNameLst>
+                                      </p:cBhvr>
+                                      <p:to>
+                                        <p:strVal val="visible"/>
+                                      </p:to>
+                                    </p:set>
+                                  </p:childTnLst>
+                                </p:cTn>
+                              </p:par>
+                            </p:childTnLst>
+                          </p:cTn>
+                        </p:par>
+                      </p:childTnLst>
+                    </p:cTn>
+                  </p:par>
+                  <p:par>
+                    <p:cTn id="23" fill="hold">
+                      <p:stCondLst>
+                        <p:cond delay="indefinite"/>
+                      </p:stCondLst>
+                      <p:childTnLst>
+                        <p:par>
+                          <p:cTn id="24" fill="hold">
+                            <p:stCondLst>
+                              <p:cond delay="0"/>
+                            </p:stCondLst>
+                            <p:childTnLst>
+                              <p:par>
+                                <p:cTn id="25" presetID="1" presetClass="entr" presetSubtype="0" fill="hold" nodeType="clickEffect">
+                                  <p:stCondLst>
+                                    <p:cond delay="0"/>
+                                  </p:stCondLst>
+                                  <p:childTnLst>
+                                    <p:set>
+                                      <p:cBhvr>
+                                        <p:cTn id="26" dur="1" fill="hold">
+                                          <p:stCondLst>
+                                            <p:cond delay="0"/>
+                                          </p:stCondLst>
+                                        </p:cTn>
+                                        <p:tgtEl>
+                                          <p:spTgt spid="84">
+                                            <p:txEl>
+                                              <p:pRg st="6" end="6"/>
+                                            </p:txEl>
+                                          </p:spTgt>
+                                        </p:tgtEl>
+                                        <p:attrNameLst>
+                                          <p:attrName>style.visibility</p:attrName>
+                                        </p:attrNameLst>
+                                      </p:cBhvr>
+                                      <p:to>
+                                        <p:strVal val="visible"/>
+                                      </p:to>
+                                    </p:set>
+                                  </p:childTnLst>
+                                </p:cTn>
+                              </p:par>
+                            </p:childTnLst>
+                          </p:cTn>
+                        </p:par>
+                      </p:childTnLst>
+                    </p:cTn>
+                  </p:par>
+                  <p:par>
+                    <p:cTn id="27" fill="hold">
+                      <p:stCondLst>
+                        <p:cond delay="indefinite"/>
+                      </p:stCondLst>
+                      <p:childTnLst>
+                        <p:par>
+                          <p:cTn id="28" fill="hold">
+                            <p:stCondLst>
+                              <p:cond delay="0"/>
+                            </p:stCondLst>
+                            <p:childTnLst>
+                              <p:par>
+                                <p:cTn id="29" presetID="1" presetClass="entr" presetSubtype="0" fill="hold" nodeType="clickEffect">
+                                  <p:stCondLst>
+                                    <p:cond delay="0"/>
+                                  </p:stCondLst>
+                                  <p:childTnLst>
+                                    <p:set>
+                                      <p:cBhvr>
+                                        <p:cTn id="30" dur="1" fill="hold">
+                                          <p:stCondLst>
+                                            <p:cond delay="0"/>
+                                          </p:stCondLst>
+                                        </p:cTn>
+                                        <p:tgtEl>
+                                          <p:spTgt spid="84">
+                                            <p:txEl>
+                                              <p:pRg st="7" end="7"/>
+                                            </p:txEl>
+                                          </p:spTgt>
+                                        </p:tgtEl>
+                                        <p:attrNameLst>
+                                          <p:attrName>style.visibility</p:attrName>
+                                        </p:attrNameLst>
+                                      </p:cBhvr>
+                                      <p:to>
+                                        <p:strVal val="visible"/>
+                                      </p:to>
+                                    </p:set>
+                                  </p:childTnLst>
+                                </p:cTn>
+                              </p:par>
+                            </p:childTnLst>
+                          </p:cTn>
+                        </p:par>
+                      </p:childTnLst>
+                    </p:cTn>
+                  </p:par>
+                  <p:par>
+                    <p:cTn id="31" fill="hold">
+                      <p:stCondLst>
+                        <p:cond delay="indefinite"/>
+                      </p:stCondLst>
+                      <p:childTnLst>
+                        <p:par>
+                          <p:cTn id="32" fill="hold">
+                            <p:stCondLst>
+                              <p:cond delay="0"/>
+                            </p:stCondLst>
+                            <p:childTnLst>
+                              <p:par>
+                                <p:cTn id="33" presetID="1" presetClass="entr" presetSubtype="0" fill="hold" nodeType="clickEffect">
+                                  <p:stCondLst>
+                                    <p:cond delay="0"/>
+                                  </p:stCondLst>
+                                  <p:childTnLst>
+                                    <p:set>
+                                      <p:cBhvr>
+                                        <p:cTn id="34" dur="1" fill="hold">
+                                          <p:stCondLst>
+                                            <p:cond delay="0"/>
+                                          </p:stCondLst>
+                                        </p:cTn>
+                                        <p:tgtEl>
+                                          <p:spTgt spid="84">
+                                            <p:txEl>
+                                              <p:pRg st="8" end="8"/>
+                                            </p:txEl>
+                                          </p:spTgt>
+                                        </p:tgtEl>
+                                        <p:attrNameLst>
+                                          <p:attrName>style.visibility</p:attrName>
+                                        </p:attrNameLst>
+                                      </p:cBhvr>
+                                      <p:to>
+                                        <p:strVal val="visible"/>
+                                      </p:to>
+                                    </p:set>
+                                  </p:childTnLst>
+                                </p:cTn>
+                              </p:par>
+                            </p:childTnLst>
+                          </p:cTn>
+                        </p:par>
+                      </p:childTnLst>
+                    </p:cTn>
+                  </p:par>
+                  <p:par>
+                    <p:cTn id="35" fill="hold">
+                      <p:stCondLst>
+                        <p:cond delay="indefinite"/>
+                      </p:stCondLst>
+                      <p:childTnLst>
+                        <p:par>
+                          <p:cTn id="36" fill="hold">
+                            <p:stCondLst>
+                              <p:cond delay="0"/>
+                            </p:stCondLst>
+                            <p:childTnLst>
+                              <p:par>
+                                <p:cTn id="37" presetID="1" presetClass="entr" presetSubtype="0" fill="hold" nodeType="clickEffect">
+                                  <p:stCondLst>
+                                    <p:cond delay="0"/>
+                                  </p:stCondLst>
+                                  <p:childTnLst>
+                                    <p:set>
+                                      <p:cBhvr>
+                                        <p:cTn id="38" dur="1" fill="hold">
+                                          <p:stCondLst>
+                                            <p:cond delay="0"/>
+                                          </p:stCondLst>
+                                        </p:cTn>
+                                        <p:tgtEl>
+                                          <p:spTgt spid="84">
+                                            <p:txEl>
+                                              <p:pRg st="9" end="9"/>
+                                            </p:txEl>
+                                          </p:spTgt>
+                                        </p:tgtEl>
+                                        <p:attrNameLst>
+                                          <p:attrName>style.visibility</p:attrName>
+                                        </p:attrNameLst>
+                                      </p:cBhvr>
+                                      <p:to>
+                                        <p:strVal val="visible"/>
+                                      </p:to>
+                                    </p:set>
+                                  </p:childTnLst>
+                                </p:cTn>
+                              </p:par>
+                            </p:childTnLst>
+                          </p:cTn>
+                        </p:par>
+                      </p:childTnLst>
+                    </p:cTn>
+                  </p:par>
+                  <p:par>
+                    <p:cTn id="39" fill="hold">
+                      <p:stCondLst>
+                        <p:cond delay="indefinite"/>
+                      </p:stCondLst>
+                      <p:childTnLst>
+                        <p:par>
+                          <p:cTn id="40" fill="hold">
+                            <p:stCondLst>
+                              <p:cond delay="0"/>
+                            </p:stCondLst>
+                            <p:childTnLst>
+                              <p:par>
+                                <p:cTn id="41" presetID="1" presetClass="entr" presetSubtype="0" fill="hold" nodeType="clickEffect">
+                                  <p:stCondLst>
+                                    <p:cond delay="0"/>
+                                  </p:stCondLst>
+                                  <p:childTnLst>
+                                    <p:set>
+                                      <p:cBhvr>
+                                        <p:cTn id="42" dur="1" fill="hold">
+                                          <p:stCondLst>
+                                            <p:cond delay="0"/>
+                                          </p:stCondLst>
+                                        </p:cTn>
+                                        <p:tgtEl>
+                                          <p:spTgt spid="84">
+                                            <p:txEl>
+                                              <p:pRg st="10" end="10"/>
+                                            </p:txEl>
+                                          </p:spTgt>
+                                        </p:tgtEl>
+                                        <p:attrNameLst>
+                                          <p:attrName>style.visibility</p:attrName>
+                                        </p:attrNameLst>
+                                      </p:cBhvr>
+                                      <p:to>
+                                        <p:strVal val="visible"/>
+                                      </p:to>
+                                    </p:set>
+                                  </p:childTnLst>
+                                </p:cTn>
+                              </p:par>
+                            </p:childTnLst>
+                          </p:cTn>
+                        </p:par>
+                      </p:childTnLst>
+                    </p:cTn>
+                  </p:par>
+                  <p:par>
+                    <p:cTn id="43" fill="hold">
+                      <p:stCondLst>
+                        <p:cond delay="indefinite"/>
+                      </p:stCondLst>
+                      <p:childTnLst>
+                        <p:par>
+                          <p:cTn id="44" fill="hold">
+                            <p:stCondLst>
+                              <p:cond delay="0"/>
+                            </p:stCondLst>
+                            <p:childTnLst>
+                              <p:par>
+                                <p:cTn id="45" presetID="1" presetClass="entr" presetSubtype="0" fill="hold" nodeType="clickEffect">
+                                  <p:stCondLst>
+                                    <p:cond delay="0"/>
+                                  </p:stCondLst>
+                                  <p:childTnLst>
+                                    <p:set>
+                                      <p:cBhvr>
+                                        <p:cTn id="46" dur="1" fill="hold">
+                                          <p:stCondLst>
+                                            <p:cond delay="0"/>
+                                          </p:stCondLst>
+                                        </p:cTn>
+                                        <p:tgtEl>
+                                          <p:spTgt spid="84">
+                                            <p:txEl>
+                                              <p:pRg st="11" end="11"/>
+                                            </p:txEl>
+                                          </p:spTgt>
+                                        </p:tgtEl>
+                                        <p:attrNameLst>
+                                          <p:attrName>style.visibility</p:attrName>
+                                        </p:attrNameLst>
+                                      </p:cBhvr>
+                                      <p:to>
+                                        <p:strVal val="visible"/>
+                                      </p:to>
+                                    </p:set>
+                                  </p:childTnLst>
+                                </p:cTn>
+                              </p:par>
+                            </p:childTnLst>
+                          </p:cTn>
+                        </p:par>
+                      </p:childTnLst>
+                    </p:cTn>
+                  </p:par>
+                  <p:par>
+                    <p:cTn id="47" fill="hold">
+                      <p:stCondLst>
+                        <p:cond delay="indefinite"/>
+                      </p:stCondLst>
+                      <p:childTnLst>
+                        <p:par>
+                          <p:cTn id="48" fill="hold">
+                            <p:stCondLst>
+                              <p:cond delay="0"/>
+                            </p:stCondLst>
+                            <p:childTnLst>
+                              <p:par>
+                                <p:cTn id="49" presetID="1" presetClass="entr" presetSubtype="0" fill="hold" nodeType="clickEffect">
+                                  <p:stCondLst>
+                                    <p:cond delay="0"/>
+                                  </p:stCondLst>
+                                  <p:childTnLst>
+                                    <p:set>
+                                      <p:cBhvr>
+                                        <p:cTn id="50" dur="1" fill="hold">
+                                          <p:stCondLst>
+                                            <p:cond delay="0"/>
+                                          </p:stCondLst>
+                                        </p:cTn>
+                                        <p:tgtEl>
+                                          <p:spTgt spid="84">
+                                            <p:txEl>
+                                              <p:pRg st="12" end="12"/>
+                                            </p:txEl>
+                                          </p:spTgt>
+                                        </p:tgtEl>
+                                        <p:attrNameLst>
+                                          <p:attrName>style.visibility</p:attrName>
+                                        </p:attrNameLst>
+                                      </p:cBhvr>
+                                      <p:to>
+                                        <p:strVal val="visible"/>
+                                      </p:to>
+                                    </p:set>
+                                  </p:childTnLst>
+                                </p:cTn>
+                              </p:par>
+                            </p:childTnLst>
+                          </p:cTn>
+                        </p:par>
+                      </p:childTnLst>
+                    </p:cTn>
+                  </p:par>
+                  <p:par>
+                    <p:cTn id="51" fill="hold">
+                      <p:stCondLst>
+                        <p:cond delay="indefinite"/>
+                      </p:stCondLst>
+                      <p:childTnLst>
+                        <p:par>
+                          <p:cTn id="52" fill="hold">
+                            <p:stCondLst>
+                              <p:cond delay="0"/>
+                            </p:stCondLst>
+                            <p:childTnLst>
+                              <p:par>
+                                <p:cTn id="53" presetID="1" presetClass="entr" presetSubtype="0" fill="hold" nodeType="clickEffect">
+                                  <p:stCondLst>
+                                    <p:cond delay="0"/>
+                                  </p:stCondLst>
+                                  <p:childTnLst>
+                                    <p:set>
+                                      <p:cBhvr>
+                                        <p:cTn id="54" dur="1" fill="hold">
+                                          <p:stCondLst>
+                                            <p:cond delay="0"/>
+                                          </p:stCondLst>
+                                        </p:cTn>
+                                        <p:tgtEl>
+                                          <p:spTgt spid="84">
+                                            <p:txEl>
+                                              <p:pRg st="13" end="13"/>
+                                            </p:txEl>
+                                          </p:spTgt>
+                                        </p:tgtEl>
+                                        <p:attrNameLst>
+                                          <p:attrName>style.visibility</p:attrName>
+                                        </p:attrNameLst>
+                                      </p:cBhvr>
+                                      <p:to>
+                                        <p:strVal val="visible"/>
+                                      </p:to>
+                                    </p:set>
+                                  </p:childTnLst>
+                                </p:cTn>
+                              </p:par>
+                            </p:childTnLst>
+                          </p:cTn>
+                        </p:par>
+                      </p:childTnLst>
+                    </p:cTn>
+                  </p:par>
+                </p:childTnLst>
+              </p:cTn>
+              <p:prevCondLst>
+                <p:cond evt="onPrev" delay="0">
+                  <p:tgtEl>
+                    <p:sldTgt/>
+                  </p:tgtEl>
+                </p:cond>
+              </p:prevCondLst>
+              <p:nextCondLst>
+                <p:cond evt="onNext" delay="0">
+                  <p:tgtEl>
+                    <p:sldTgt/>
+                  </p:tgtEl>
+                </p:cond>
+              </p:nextCondLst>
+            </p:seq>
+          </p:childTnLst>
+        </p:cTn>
       </p:par>
     </p:tnLst>
+    <p:bldLst>
+      <p:bldP spid="84" grpId="0"/>
+    </p:bldLst>
   </p:timing>
 </p:sld>
 </file>
@@ -8081,18 +8826,7 @@
                 <a:cs typeface="Arial" panose="020B0604020202020204" pitchFamily="34" charset="0"/>
                 <a:sym typeface="Calibri" panose="020F0502020204030204" charset="0"/>
               </a:rPr>
-              <a:t>数字福建区块链</a:t>
-            </a:r>
-            <a:r>
-              <a:rPr lang="zh-CN" altLang="en-US" sz="2400" b="1" dirty="0">
-                <a:solidFill>
-                  <a:srgbClr val="3D5F6B"/>
-                </a:solidFill>
-                <a:ea typeface="微软雅黑" panose="020B0503020204020204" pitchFamily="34" charset="-122"/>
-                <a:cs typeface="Arial" panose="020B0604020202020204" pitchFamily="34" charset="0"/>
-                <a:sym typeface="Calibri" panose="020F0502020204030204" charset="0"/>
-              </a:rPr>
-              <a:t>平台</a:t>
+              <a:t>数字福建区块链平台：系统框架</a:t>
             </a:r>
             <a:endParaRPr lang="zh-CN" altLang="en-US" sz="2400" b="1" dirty="0">
               <a:solidFill>
@@ -12698,10 +13432,10 @@
                 <a:cs typeface="Arial" panose="020B0604020202020204" pitchFamily="34" charset="0"/>
                 <a:sym typeface="Calibri" panose="020F0502020204030204" charset="0"/>
               </a:rPr>
-              <a:t>数字福建区块链</a:t>
-            </a:r>
-            <a:r>
-              <a:rPr lang="zh-CN" altLang="en-US" sz="2400" b="1" dirty="0">
+              <a:t>数字福建区块链平台：跨市部署</a:t>
+            </a:r>
+            <a:r>
+              <a:rPr lang="en-US" altLang="zh-CN" sz="2400" b="1" dirty="0">
                 <a:solidFill>
                   <a:srgbClr val="3D5F6B"/>
                 </a:solidFill>
@@ -12709,9 +13443,9 @@
                 <a:cs typeface="Arial" panose="020B0604020202020204" pitchFamily="34" charset="0"/>
                 <a:sym typeface="Calibri" panose="020F0502020204030204" charset="0"/>
               </a:rPr>
-              <a:t>平台</a:t>
-            </a:r>
-            <a:endParaRPr lang="zh-CN" altLang="en-US" sz="2400" b="1" dirty="0">
+              <a:t>+IPFS</a:t>
+            </a:r>
+            <a:endParaRPr lang="en-US" altLang="zh-CN" sz="2400" b="1" dirty="0">
               <a:solidFill>
                 <a:srgbClr val="3D5F6B"/>
               </a:solidFill>
@@ -12846,7 +13580,18 @@
                 <a:cs typeface="Arial" panose="020B0604020202020204" pitchFamily="34" charset="0"/>
                 <a:sym typeface="Calibri" panose="020F0502020204030204" charset="0"/>
               </a:rPr>
-              <a:t>海关区块链</a:t>
+              <a:t>海关区块链：</a:t>
+            </a:r>
+            <a:r>
+              <a:rPr lang="zh-CN" altLang="en-US" sz="2400" b="1" dirty="0">
+                <a:solidFill>
+                  <a:srgbClr val="3D5F6B"/>
+                </a:solidFill>
+                <a:ea typeface="微软雅黑" panose="020B0503020204020204" pitchFamily="34" charset="-122"/>
+                <a:cs typeface="Arial" panose="020B0604020202020204" pitchFamily="34" charset="0"/>
+                <a:sym typeface="Calibri" panose="020F0502020204030204" charset="0"/>
+              </a:rPr>
+              <a:t>需求分析</a:t>
             </a:r>
             <a:endParaRPr lang="zh-CN" altLang="en-US" sz="2400" b="1" dirty="0">
               <a:solidFill>
@@ -13632,7 +14377,7 @@
         </p:nvSpPr>
         <p:spPr>
           <a:xfrm>
-            <a:off x="931073" y="327719"/>
+            <a:off x="558328" y="357564"/>
             <a:ext cx="5908345" cy="460375"/>
           </a:xfrm>
           <a:prstGeom prst="rect">
@@ -13678,7 +14423,7 @@
                 <a:cs typeface="Arial" panose="020B0604020202020204" pitchFamily="34" charset="0"/>
                 <a:sym typeface="Calibri" panose="020F0502020204030204" charset="0"/>
               </a:rPr>
-              <a:t>区块链数据结构</a:t>
+              <a:t>区块链：数据结构</a:t>
             </a:r>
             <a:endParaRPr lang="zh-CN" altLang="en-US" sz="2400" b="1" dirty="0">
               <a:solidFill>
@@ -13707,7 +14452,7 @@
         </p:blipFill>
         <p:spPr>
           <a:xfrm>
-            <a:off x="302260" y="176530"/>
+            <a:off x="-70485" y="206375"/>
             <a:ext cx="628650" cy="762000"/>
           </a:xfrm>
           <a:prstGeom prst="rect">
@@ -13724,7 +14469,7 @@
         <p:spPr>
           <a:xfrm>
             <a:off x="294005" y="1358900"/>
-            <a:ext cx="3213100" cy="5077460"/>
+            <a:ext cx="3213100" cy="4246245"/>
           </a:xfrm>
           <a:prstGeom prst="rect">
             <a:avLst/>
@@ -13742,11 +14487,22 @@
             </a:r>
             <a:r>
               <a:rPr lang="zh-CN" altLang="en-US"/>
-              <a:t>双层merkle patricia tree记录数据。每次有订单变化时，都会导致树根变化。该变化历史是可以追溯的，即可以恢复任意状态的</a:t>
-            </a:r>
+              <a:t>双层merkle patricia tree记录数据。</a:t>
+            </a:r>
+            <a:endParaRPr lang="zh-CN" altLang="en-US"/>
+          </a:p>
+          <a:p>
             <a:r>
               <a:rPr lang="zh-CN" altLang="en-US"/>
-              <a:t>数据。</a:t>
+              <a:t>每次有订单变化时，都会导致树根变化。该变化历史是可以追溯的，即可以恢复任意状态的</a:t>
+            </a:r>
+            <a:r>
+              <a:rPr lang="zh-CN" altLang="en-US"/>
+              <a:t>数据。每个订单的历史也是被完整记录和可追溯</a:t>
+            </a:r>
+            <a:r>
+              <a:rPr lang="zh-CN" altLang="en-US"/>
+              <a:t>的。</a:t>
             </a:r>
             <a:endParaRPr lang="zh-CN" altLang="en-US"/>
           </a:p>
@@ -13756,23 +14512,19 @@
           <a:p>
             <a:r>
               <a:rPr lang="zh-CN" altLang="en-US"/>
-              <a:t>每个订单的历史被完整记录和追溯</a:t>
+              <a:t>企业保存该记录，每隔规定时间（如</a:t>
+            </a:r>
+            <a:r>
+              <a:rPr lang="en-US" altLang="zh-CN"/>
+              <a:t>1</a:t>
             </a:r>
             <a:r>
               <a:rPr lang="zh-CN" altLang="en-US"/>
-              <a:t>。注意订单历史是只可增加，不可删除和修改的。使用类似</a:t>
-            </a:r>
-            <a:r>
-              <a:rPr lang="en-US" altLang="zh-CN"/>
-              <a:t>UTXO</a:t>
+              <a:t>天）将树根提交到链上一次，即可锚定此期间内所有的</a:t>
             </a:r>
             <a:r>
               <a:rPr lang="zh-CN" altLang="en-US"/>
-              <a:t>的方式保存成</a:t>
-            </a:r>
-            <a:r>
-              <a:rPr lang="zh-CN" altLang="en-US"/>
-              <a:t>链条。</a:t>
+              <a:t>数据。</a:t>
             </a:r>
             <a:endParaRPr lang="zh-CN" altLang="en-US"/>
           </a:p>
@@ -13782,28 +14534,6 @@
           <a:p>
             <a:r>
               <a:rPr lang="zh-CN" altLang="en-US"/>
-              <a:t>企业保存该记录，每隔规定时间（如</a:t>
-            </a:r>
-            <a:r>
-              <a:rPr lang="en-US" altLang="zh-CN"/>
-              <a:t>1</a:t>
-            </a:r>
-            <a:r>
-              <a:rPr lang="zh-CN" altLang="en-US"/>
-              <a:t>天）将树根提交到链上一次，即可锚定此期间内所有的</a:t>
-            </a:r>
-            <a:r>
-              <a:rPr lang="zh-CN" altLang="en-US"/>
-              <a:t>数据。</a:t>
-            </a:r>
-            <a:endParaRPr lang="zh-CN" altLang="en-US"/>
-          </a:p>
-          <a:p>
-            <a:endParaRPr lang="zh-CN" altLang="en-US"/>
-          </a:p>
-          <a:p>
-            <a:r>
-              <a:rPr lang="zh-CN" altLang="en-US"/>
               <a:t>可通过</a:t>
             </a:r>
             <a:r>
@@ -13824,7 +14554,7 @@
       </p:sp>
       <p:pic>
         <p:nvPicPr>
-          <p:cNvPr id="2" name="图片 1"/>
+          <p:cNvPr id="4" name="图片 3"/>
           <p:cNvPicPr>
             <a:picLocks noChangeAspect="1"/>
           </p:cNvPicPr>
@@ -13838,8 +14568,8 @@
         </p:blipFill>
         <p:spPr>
           <a:xfrm>
-            <a:off x="3792855" y="283210"/>
-            <a:ext cx="8399145" cy="6574790"/>
+            <a:off x="3792855" y="90170"/>
+            <a:ext cx="8310880" cy="6499225"/>
           </a:xfrm>
           <a:prstGeom prst="rect">
             <a:avLst/>
@@ -13944,7 +14674,7 @@
                                         <p:tgtEl>
                                           <p:spTgt spid="8">
                                             <p:txEl>
-                                              <p:pRg st="2" end="2"/>
+                                              <p:pRg st="1" end="1"/>
                                             </p:txEl>
                                           </p:spTgt>
                                         </p:tgtEl>
@@ -13993,7 +14723,7 @@
                                         <p:tgtEl>
                                           <p:spTgt spid="8">
                                             <p:txEl>
-                                              <p:pRg st="4" end="4"/>
+                                              <p:pRg st="3" end="3"/>
                                             </p:txEl>
                                           </p:spTgt>
                                         </p:tgtEl>
@@ -14042,7 +14772,7 @@
                                         <p:tgtEl>
                                           <p:spTgt spid="8">
                                             <p:txEl>
-                                              <p:pRg st="6" end="6"/>
+                                              <p:pRg st="5" end="5"/>
                                             </p:txEl>
                                           </p:spTgt>
                                         </p:tgtEl>

--- a/其他ppt等/区块链介绍及个人项目介绍.pptx
+++ b/其他ppt等/区块链介绍及个人项目介绍.pptx
@@ -2017,15 +2017,11 @@
             </a:r>
             <a:r>
               <a:rPr lang="zh-CN" altLang="en-US" sz="2000"/>
-              <a:t>，</a:t>
-            </a:r>
-            <a:r>
-              <a:rPr lang="en-US" altLang="zh-CN" sz="2000"/>
-              <a:t>polygon</a:t>
+              <a:t>等。以及对以太坊进行扩展的系列</a:t>
             </a:r>
             <a:r>
               <a:rPr lang="zh-CN" altLang="en-US" sz="2000"/>
-              <a:t>等</a:t>
+              <a:t>项目。</a:t>
             </a:r>
             <a:endParaRPr lang="zh-CN" altLang="en-US" sz="2000"/>
           </a:p>
@@ -2168,7 +2164,11 @@
             </a:r>
             <a:r>
               <a:rPr lang="zh-CN" altLang="en-US" sz="2000"/>
-              <a:t>，多条平行链，以跨链方式互连。</a:t>
+              <a:t>，多条平行链，以跨链方式互连。与分片</a:t>
+            </a:r>
+            <a:r>
+              <a:rPr lang="zh-CN" altLang="en-US" sz="2000"/>
+              <a:t>不同。</a:t>
             </a:r>
             <a:endParaRPr lang="zh-CN" altLang="en-US" sz="2000"/>
           </a:p>
@@ -2179,11 +2179,19 @@
             </a:pPr>
             <a:r>
               <a:rPr lang="zh-CN" altLang="en-US" sz="2000"/>
-              <a:t>与分片</a:t>
+              <a:t>优点：使用</a:t>
+            </a:r>
+            <a:r>
+              <a:rPr lang="en-US" altLang="zh-CN" sz="2000"/>
+              <a:t>Tendermint</a:t>
             </a:r>
             <a:r>
               <a:rPr lang="zh-CN" altLang="en-US" sz="2000"/>
-              <a:t>不同</a:t>
+              <a:t>构建生态，是条正确的</a:t>
+            </a:r>
+            <a:r>
+              <a:rPr lang="zh-CN" altLang="en-US" sz="2000"/>
+              <a:t>路</a:t>
             </a:r>
             <a:endParaRPr lang="zh-CN" altLang="en-US" sz="2000"/>
           </a:p>
@@ -2194,11 +2202,11 @@
             </a:pPr>
             <a:r>
               <a:rPr lang="zh-CN" altLang="en-US" sz="2000"/>
-              <a:t>缺点：安全性有</a:t>
+              <a:t>缺点：安全性有风险，共识和跨链方案还需要</a:t>
             </a:r>
             <a:r>
               <a:rPr lang="zh-CN" altLang="en-US" sz="2000"/>
-              <a:t>风险</a:t>
+              <a:t>改进。</a:t>
             </a:r>
             <a:endParaRPr lang="zh-CN" altLang="en-US" sz="2000"/>
           </a:p>
@@ -7875,11 +7883,15 @@
             </a:pPr>
             <a:r>
               <a:rPr lang="zh-CN" altLang="en-US"/>
-              <a:t>打造</a:t>
+              <a:t>打造福建省政府通用区块链底层平台，各部门可基于该平台快速、低成本开发</a:t>
+            </a:r>
+            <a:r>
+              <a:rPr lang="en-US" altLang="zh-CN"/>
+              <a:t>DApp</a:t>
             </a:r>
             <a:r>
               <a:rPr lang="zh-CN" altLang="en-US"/>
-              <a:t>福建省政府通用区块链底层平台，各部门可基于该平台快速、低成本将业务上链，防止</a:t>
+              <a:t>，防止</a:t>
             </a:r>
             <a:r>
               <a:rPr lang="zh-CN" altLang="en-US"/>
@@ -14469,7 +14481,7 @@
         <p:spPr>
           <a:xfrm>
             <a:off x="294005" y="1358900"/>
-            <a:ext cx="3213100" cy="4246245"/>
+            <a:ext cx="3389630" cy="5077460"/>
           </a:xfrm>
           <a:prstGeom prst="rect">
             <a:avLst/>
@@ -14534,7 +14546,41 @@
           <a:p>
             <a:r>
               <a:rPr lang="zh-CN" altLang="en-US"/>
-              <a:t>可通过</a:t>
+              <a:t>数据验真：查缉时提供订单历史数据。该数据验真包括</a:t>
+            </a:r>
+            <a:r>
+              <a:rPr lang="zh-CN" altLang="en-US"/>
+              <a:t>两部分：</a:t>
+            </a:r>
+            <a:endParaRPr lang="zh-CN" altLang="en-US"/>
+          </a:p>
+          <a:p>
+            <a:r>
+              <a:rPr lang="en-US" altLang="zh-CN"/>
+              <a:t>1. </a:t>
+            </a:r>
+            <a:r>
+              <a:rPr lang="zh-CN" altLang="en-US"/>
+              <a:t>订单链逐笔按</a:t>
+            </a:r>
+            <a:r>
+              <a:rPr lang="en-US" altLang="zh-CN"/>
+              <a:t>Hash</a:t>
+            </a:r>
+            <a:r>
+              <a:rPr lang="zh-CN" altLang="en-US"/>
+              <a:t>验证</a:t>
+            </a:r>
+            <a:endParaRPr lang="zh-CN" altLang="en-US"/>
+          </a:p>
+          <a:p>
+            <a:r>
+              <a:rPr lang="en-US" altLang="zh-CN"/>
+              <a:t>2. </a:t>
+            </a:r>
+            <a:r>
+              <a:rPr lang="zh-CN" altLang="en-US"/>
+              <a:t>最新状态的</a:t>
             </a:r>
             <a:r>
               <a:rPr lang="en-US" altLang="zh-CN"/>
@@ -14542,11 +14588,11 @@
             </a:r>
             <a:r>
               <a:rPr lang="zh-CN" altLang="en-US"/>
-              <a:t>证明提供原始数据未被篡改的</a:t>
+              <a:t>证明是否与每日提交的树根</a:t>
             </a:r>
             <a:r>
               <a:rPr lang="zh-CN" altLang="en-US"/>
-              <a:t>证据。</a:t>
+              <a:t>匹配</a:t>
             </a:r>
             <a:endParaRPr lang="zh-CN" altLang="en-US"/>
           </a:p>
@@ -14773,6 +14819,104 @@
                                           <p:spTgt spid="8">
                                             <p:txEl>
                                               <p:pRg st="5" end="5"/>
+                                            </p:txEl>
+                                          </p:spTgt>
+                                        </p:tgtEl>
+                                        <p:attrNameLst>
+                                          <p:attrName>style.visibility</p:attrName>
+                                        </p:attrNameLst>
+                                      </p:cBhvr>
+                                      <p:to>
+                                        <p:strVal val="visible"/>
+                                      </p:to>
+                                    </p:set>
+                                  </p:childTnLst>
+                                </p:cTn>
+                              </p:par>
+                            </p:childTnLst>
+                          </p:cTn>
+                        </p:par>
+                      </p:childTnLst>
+                    </p:cTn>
+                  </p:par>
+                  <p:par>
+                    <p:cTn id="19" fill="hold">
+                      <p:stCondLst>
+                        <p:cond delay="indefinite"/>
+                      </p:stCondLst>
+                      <p:childTnLst>
+                        <p:par>
+                          <p:cTn id="20" fill="hold">
+                            <p:stCondLst>
+                              <p:cond delay="0"/>
+                            </p:stCondLst>
+                            <p:childTnLst>
+                              <p:par>
+                                <p:cTn id="21" presetID="1" presetClass="entr" presetSubtype="0" fill="hold" nodeType="clickEffect">
+                                  <p:stCondLst>
+                                    <p:cond delay="0"/>
+                                  </p:stCondLst>
+                                  <p:childTnLst>
+                                    <p:set>
+                                      <p:cBhvr>
+                                        <p:cTn id="22" dur="1" fill="hold">
+                                          <p:stCondLst>
+                                            <p:cond delay="0"/>
+                                          </p:stCondLst>
+                                        </p:cTn>
+                                        <p:tgtEl>
+                                          <p:spTgt spid="8">
+                                            <p:txEl>
+                                              <p:pRg st="6" end="6"/>
+                                            </p:txEl>
+                                          </p:spTgt>
+                                        </p:tgtEl>
+                                        <p:attrNameLst>
+                                          <p:attrName>style.visibility</p:attrName>
+                                        </p:attrNameLst>
+                                      </p:cBhvr>
+                                      <p:to>
+                                        <p:strVal val="visible"/>
+                                      </p:to>
+                                    </p:set>
+                                  </p:childTnLst>
+                                </p:cTn>
+                              </p:par>
+                            </p:childTnLst>
+                          </p:cTn>
+                        </p:par>
+                      </p:childTnLst>
+                    </p:cTn>
+                  </p:par>
+                  <p:par>
+                    <p:cTn id="23" fill="hold">
+                      <p:stCondLst>
+                        <p:cond delay="indefinite"/>
+                      </p:stCondLst>
+                      <p:childTnLst>
+                        <p:par>
+                          <p:cTn id="24" fill="hold">
+                            <p:stCondLst>
+                              <p:cond delay="0"/>
+                            </p:stCondLst>
+                            <p:childTnLst>
+                              <p:par>
+                                <p:cTn id="25" presetID="1" presetClass="entr" presetSubtype="0" fill="hold" nodeType="clickEffect">
+                                  <p:stCondLst>
+                                    <p:cond delay="0"/>
+                                  </p:stCondLst>
+                                  <p:childTnLst>
+                                    <p:set>
+                                      <p:cBhvr>
+                                        <p:cTn id="26" dur="1" fill="hold">
+                                          <p:stCondLst>
+                                            <p:cond delay="0"/>
+                                          </p:stCondLst>
+                                        </p:cTn>
+                                        <p:tgtEl>
+                                          <p:spTgt spid="8">
+                                            <p:txEl>
+                                              <p:pRg st="7" end="7"/>
                                             </p:txEl>
                                           </p:spTgt>
                                         </p:tgtEl>
@@ -18567,7 +18711,23 @@
             </a:r>
             <a:r>
               <a:rPr lang="zh-CN" altLang="en-US" sz="2000"/>
-              <a:t>区块有了最终一致性（理论上消除</a:t>
+              <a:t>区块有了最终一致性（</a:t>
+            </a:r>
+            <a:r>
+              <a:rPr lang="en-US" altLang="zh-CN" sz="2000"/>
+              <a:t>“</a:t>
+            </a:r>
+            <a:r>
+              <a:rPr lang="zh-CN" altLang="en-US" sz="2000"/>
+              <a:t>理论</a:t>
+            </a:r>
+            <a:r>
+              <a:rPr lang="en-US" altLang="zh-CN" sz="2000"/>
+              <a:t>”</a:t>
+            </a:r>
+            <a:r>
+              <a:rPr lang="zh-CN" altLang="en-US" sz="2000"/>
+              <a:t>上消除</a:t>
             </a:r>
             <a:r>
               <a:rPr lang="en-US" altLang="zh-CN" sz="2000"/>

--- a/其他ppt等/区块链介绍及个人项目介绍.pptx
+++ b/其他ppt等/区块链介绍及个人项目介绍.pptx
@@ -8,7 +8,7 @@
     <p:notesMasterId r:id="rId5"/>
   </p:notesMasterIdLst>
   <p:handoutMasterIdLst>
-    <p:handoutMasterId r:id="rId33"/>
+    <p:handoutMasterId r:id="rId34"/>
   </p:handoutMasterIdLst>
   <p:sldIdLst>
     <p:sldId id="725" r:id="rId3"/>
@@ -28,23 +28,24 @@
     <p:sldId id="728" r:id="rId18"/>
     <p:sldId id="729" r:id="rId19"/>
     <p:sldId id="730" r:id="rId20"/>
-    <p:sldId id="731" r:id="rId21"/>
-    <p:sldId id="732" r:id="rId22"/>
-    <p:sldId id="734" r:id="rId23"/>
-    <p:sldId id="736" r:id="rId24"/>
-    <p:sldId id="738" r:id="rId25"/>
-    <p:sldId id="737" r:id="rId26"/>
-    <p:sldId id="739" r:id="rId27"/>
-    <p:sldId id="740" r:id="rId28"/>
-    <p:sldId id="741" r:id="rId29"/>
-    <p:sldId id="742" r:id="rId30"/>
-    <p:sldId id="743" r:id="rId31"/>
-    <p:sldId id="744" r:id="rId32"/>
+    <p:sldId id="754" r:id="rId21"/>
+    <p:sldId id="766" r:id="rId22"/>
+    <p:sldId id="731" r:id="rId23"/>
+    <p:sldId id="732" r:id="rId24"/>
+    <p:sldId id="734" r:id="rId25"/>
+    <p:sldId id="736" r:id="rId26"/>
+    <p:sldId id="738" r:id="rId27"/>
+    <p:sldId id="739" r:id="rId28"/>
+    <p:sldId id="740" r:id="rId29"/>
+    <p:sldId id="741" r:id="rId30"/>
+    <p:sldId id="742" r:id="rId31"/>
+    <p:sldId id="743" r:id="rId32"/>
+    <p:sldId id="744" r:id="rId33"/>
   </p:sldIdLst>
   <p:sldSz cx="12192000" cy="6858000"/>
   <p:notesSz cx="6858000" cy="9144000"/>
   <p:custDataLst>
-    <p:tags r:id="rId37"/>
+    <p:tags r:id="rId38"/>
   </p:custDataLst>
   <p:defaultTextStyle>
     <a:defPPr>
@@ -2327,7 +2328,7 @@
         <p:spPr>
           <a:xfrm>
             <a:off x="608965" y="1229995"/>
-            <a:ext cx="10682605" cy="3476625"/>
+            <a:ext cx="10682605" cy="3599815"/>
           </a:xfrm>
           <a:prstGeom prst="rect">
             <a:avLst/>
@@ -2358,6 +2359,13 @@
               <a:buFont typeface="Arial" panose="020B0604020202020204" pitchFamily="34" charset="0"/>
               <a:buNone/>
             </a:pPr>
+            <a:endParaRPr lang="zh-CN" altLang="en-US" sz="2000"/>
+          </a:p>
+          <a:p>
+            <a:pPr indent="0">
+              <a:buFont typeface="Arial" panose="020B0604020202020204" pitchFamily="34" charset="0"/>
+              <a:buNone/>
+            </a:pPr>
             <a:r>
               <a:rPr lang="zh-CN" altLang="en-US" sz="2000"/>
               <a:t>区块链是实现理想元宇宙的必备技术</a:t>
@@ -2406,98 +2414,98 @@
             <a:endParaRPr lang="zh-CN" altLang="en-US" sz="2000"/>
           </a:p>
           <a:p>
-            <a:pPr indent="0">
+            <a:pPr marL="342900" indent="-342900">
               <a:buFont typeface="Arial" panose="020B0604020202020204" pitchFamily="34" charset="0"/>
-              <a:buNone/>
+              <a:buChar char="•"/>
             </a:pPr>
             <a:r>
-              <a:rPr lang="zh-CN" altLang="en-US" sz="2000"/>
+              <a:rPr lang="zh-CN" altLang="en-US"/>
               <a:t>身份：</a:t>
             </a:r>
             <a:r>
-              <a:rPr lang="en-US" altLang="zh-CN" sz="2000"/>
+              <a:rPr lang="en-US" altLang="zh-CN"/>
               <a:t>DID</a:t>
             </a:r>
             <a:r>
-              <a:rPr lang="zh-CN" altLang="en-US" sz="2000"/>
+              <a:rPr lang="zh-CN" altLang="en-US"/>
               <a:t>，</a:t>
             </a:r>
             <a:r>
-              <a:rPr lang="en-US" altLang="zh-CN" sz="2000"/>
+              <a:rPr lang="en-US" altLang="zh-CN"/>
               <a:t>NTNFT(SBT)</a:t>
             </a:r>
-            <a:endParaRPr lang="en-US" altLang="zh-CN" sz="2000"/>
-          </a:p>
-          <a:p>
-            <a:pPr indent="0">
+            <a:endParaRPr lang="en-US" altLang="zh-CN"/>
+          </a:p>
+          <a:p>
+            <a:pPr marL="342900" indent="-342900">
               <a:buFont typeface="Arial" panose="020B0604020202020204" pitchFamily="34" charset="0"/>
-              <a:buNone/>
+              <a:buChar char="•"/>
             </a:pPr>
             <a:r>
-              <a:rPr lang="zh-CN" altLang="en-US" sz="2000"/>
+              <a:rPr lang="zh-CN" altLang="en-US"/>
               <a:t>组织：</a:t>
             </a:r>
             <a:r>
-              <a:rPr lang="en-US" altLang="zh-CN" sz="2000"/>
+              <a:rPr lang="en-US" altLang="zh-CN"/>
               <a:t>DAO</a:t>
             </a:r>
-            <a:endParaRPr lang="en-US" altLang="zh-CN" sz="2000"/>
-          </a:p>
-          <a:p>
-            <a:pPr indent="0">
+            <a:endParaRPr lang="en-US" altLang="zh-CN"/>
+          </a:p>
+          <a:p>
+            <a:pPr marL="342900" indent="-342900">
               <a:buFont typeface="Arial" panose="020B0604020202020204" pitchFamily="34" charset="0"/>
-              <a:buNone/>
+              <a:buChar char="•"/>
             </a:pPr>
             <a:r>
-              <a:rPr lang="zh-CN" altLang="en-US" sz="2000"/>
+              <a:rPr lang="zh-CN" altLang="en-US"/>
               <a:t>货币：</a:t>
             </a:r>
             <a:r>
-              <a:rPr lang="en-US" altLang="zh-CN" sz="2000"/>
+              <a:rPr lang="en-US" altLang="zh-CN"/>
               <a:t>Token</a:t>
             </a:r>
-            <a:endParaRPr lang="en-US" altLang="zh-CN" sz="2000"/>
-          </a:p>
-          <a:p>
-            <a:pPr indent="0">
+            <a:endParaRPr lang="en-US" altLang="zh-CN"/>
+          </a:p>
+          <a:p>
+            <a:pPr marL="342900" indent="-342900">
               <a:buFont typeface="Arial" panose="020B0604020202020204" pitchFamily="34" charset="0"/>
-              <a:buNone/>
+              <a:buChar char="•"/>
             </a:pPr>
             <a:r>
-              <a:rPr lang="zh-CN" altLang="en-US" sz="2000"/>
+              <a:rPr lang="zh-CN" altLang="en-US"/>
               <a:t>金融：</a:t>
             </a:r>
             <a:r>
-              <a:rPr lang="en-US" altLang="zh-CN" sz="2000"/>
+              <a:rPr lang="en-US" altLang="zh-CN"/>
               <a:t>DeFi</a:t>
             </a:r>
-            <a:endParaRPr lang="en-US" altLang="zh-CN" sz="2000"/>
-          </a:p>
-          <a:p>
-            <a:pPr indent="0">
+            <a:endParaRPr lang="en-US" altLang="zh-CN"/>
+          </a:p>
+          <a:p>
+            <a:pPr marL="342900" indent="-342900">
               <a:buFont typeface="Arial" panose="020B0604020202020204" pitchFamily="34" charset="0"/>
-              <a:buNone/>
+              <a:buChar char="•"/>
             </a:pPr>
             <a:r>
-              <a:rPr lang="zh-CN" altLang="en-US" sz="2000"/>
+              <a:rPr lang="zh-CN" altLang="en-US"/>
               <a:t>物品：</a:t>
             </a:r>
             <a:r>
-              <a:rPr lang="en-US" altLang="zh-CN" sz="2000"/>
+              <a:rPr lang="en-US" altLang="zh-CN"/>
               <a:t>NFT</a:t>
             </a:r>
-            <a:endParaRPr lang="en-US" altLang="zh-CN" sz="2000"/>
-          </a:p>
-          <a:p>
-            <a:pPr indent="0">
+            <a:endParaRPr lang="en-US" altLang="zh-CN"/>
+          </a:p>
+          <a:p>
+            <a:pPr marL="342900" indent="-342900">
               <a:buFont typeface="Arial" panose="020B0604020202020204" pitchFamily="34" charset="0"/>
-              <a:buNone/>
+              <a:buChar char="•"/>
             </a:pPr>
             <a:r>
-              <a:rPr lang="zh-CN" altLang="en-US" sz="2000"/>
+              <a:rPr lang="zh-CN" altLang="en-US"/>
               <a:t>跨链</a:t>
             </a:r>
-            <a:endParaRPr lang="zh-CN" altLang="en-US" sz="2000"/>
+            <a:endParaRPr lang="zh-CN" altLang="en-US"/>
           </a:p>
         </p:txBody>
       </p:sp>
@@ -2623,7 +2631,7 @@
                                         <p:tgtEl>
                                           <p:spTgt spid="2">
                                             <p:txEl>
-                                              <p:pRg st="1" end="1"/>
+                                              <p:pRg st="2" end="2"/>
                                             </p:txEl>
                                           </p:spTgt>
                                         </p:tgtEl>
@@ -2672,7 +2680,7 @@
                                         <p:tgtEl>
                                           <p:spTgt spid="2">
                                             <p:txEl>
-                                              <p:pRg st="2" end="2"/>
+                                              <p:pRg st="3" end="3"/>
                                             </p:txEl>
                                           </p:spTgt>
                                         </p:tgtEl>
@@ -2721,7 +2729,7 @@
                                         <p:tgtEl>
                                           <p:spTgt spid="2">
                                             <p:txEl>
-                                              <p:pRg st="4" end="4"/>
+                                              <p:pRg st="5" end="5"/>
                                             </p:txEl>
                                           </p:spTgt>
                                         </p:tgtEl>
@@ -2770,7 +2778,7 @@
                                         <p:tgtEl>
                                           <p:spTgt spid="2">
                                             <p:txEl>
-                                              <p:pRg st="5" end="5"/>
+                                              <p:pRg st="6" end="6"/>
                                             </p:txEl>
                                           </p:spTgt>
                                         </p:tgtEl>
@@ -2819,7 +2827,7 @@
                                         <p:tgtEl>
                                           <p:spTgt spid="2">
                                             <p:txEl>
-                                              <p:pRg st="6" end="6"/>
+                                              <p:pRg st="7" end="7"/>
                                             </p:txEl>
                                           </p:spTgt>
                                         </p:tgtEl>
@@ -2868,7 +2876,7 @@
                                         <p:tgtEl>
                                           <p:spTgt spid="2">
                                             <p:txEl>
-                                              <p:pRg st="7" end="7"/>
+                                              <p:pRg st="8" end="8"/>
                                             </p:txEl>
                                           </p:spTgt>
                                         </p:tgtEl>
@@ -2917,7 +2925,7 @@
                                         <p:tgtEl>
                                           <p:spTgt spid="2">
                                             <p:txEl>
-                                              <p:pRg st="8" end="8"/>
+                                              <p:pRg st="9" end="9"/>
                                             </p:txEl>
                                           </p:spTgt>
                                         </p:tgtEl>
@@ -2966,7 +2974,7 @@
                                         <p:tgtEl>
                                           <p:spTgt spid="2">
                                             <p:txEl>
-                                              <p:pRg st="9" end="9"/>
+                                              <p:pRg st="10" end="10"/>
                                             </p:txEl>
                                           </p:spTgt>
                                         </p:tgtEl>
@@ -3015,7 +3023,7 @@
                                         <p:tgtEl>
                                           <p:spTgt spid="2">
                                             <p:txEl>
-                                              <p:pRg st="10" end="10"/>
+                                              <p:pRg st="11" end="11"/>
                                             </p:txEl>
                                           </p:spTgt>
                                         </p:tgtEl>
@@ -4168,7 +4176,7 @@
                 <a:cs typeface="Arial" panose="020B0604020202020204" pitchFamily="34" charset="0"/>
                 <a:sym typeface="Calibri" panose="020F0502020204030204" charset="0"/>
               </a:rPr>
-              <a:t>产业链落地形态</a:t>
+              <a:t>产业链</a:t>
             </a:r>
             <a:endParaRPr lang="en-US" altLang="zh-CN" sz="2400" b="1" dirty="0">
               <a:solidFill>
@@ -4221,7 +4229,7 @@
         </p:blipFill>
         <p:spPr>
           <a:xfrm>
-            <a:off x="3983990" y="0"/>
+            <a:off x="2914650" y="-255270"/>
             <a:ext cx="7872095" cy="6858000"/>
           </a:xfrm>
           <a:prstGeom prst="rect">
@@ -4264,6 +4272,3485 @@
       <p:grpSpPr/>
       <p:sp>
         <p:nvSpPr>
+          <p:cNvPr id="17" name="矩形 16"/>
+          <p:cNvSpPr/>
+          <p:nvPr/>
+        </p:nvSpPr>
+        <p:spPr>
+          <a:xfrm>
+            <a:off x="588010" y="1250950"/>
+            <a:ext cx="7012940" cy="4923790"/>
+          </a:xfrm>
+          <a:prstGeom prst="rect">
+            <a:avLst/>
+          </a:prstGeom>
+          <a:solidFill>
+            <a:srgbClr val="B8E7E5"/>
+          </a:solidFill>
+          <a:ln>
+            <a:solidFill>
+              <a:srgbClr val="B8E7E5"/>
+            </a:solidFill>
+          </a:ln>
+        </p:spPr>
+        <p:style>
+          <a:lnRef idx="2">
+            <a:schemeClr val="accent3">
+              <a:shade val="50000"/>
+            </a:schemeClr>
+          </a:lnRef>
+          <a:fillRef idx="1">
+            <a:schemeClr val="accent3"/>
+          </a:fillRef>
+          <a:effectRef idx="0">
+            <a:schemeClr val="accent3"/>
+          </a:effectRef>
+          <a:fontRef idx="minor">
+            <a:schemeClr val="lt1"/>
+          </a:fontRef>
+        </p:style>
+        <p:txBody>
+          <a:bodyPr rtlCol="0" anchor="ctr"/>
+          <a:p>
+            <a:pPr algn="l"/>
+            <a:r>
+              <a:rPr lang="zh-CN" altLang="en-US">
+                <a:solidFill>
+                  <a:schemeClr val="tx1"/>
+                </a:solidFill>
+              </a:rPr>
+              <a:t>内部</a:t>
+            </a:r>
+            <a:r>
+              <a:rPr lang="zh-CN" altLang="en-US">
+                <a:solidFill>
+                  <a:schemeClr val="tx1"/>
+                </a:solidFill>
+              </a:rPr>
+              <a:t>系统</a:t>
+            </a:r>
+            <a:endParaRPr lang="zh-CN" altLang="en-US">
+              <a:solidFill>
+                <a:schemeClr val="tx1"/>
+              </a:solidFill>
+            </a:endParaRPr>
+          </a:p>
+          <a:p>
+            <a:pPr algn="l"/>
+            <a:endParaRPr lang="zh-CN" altLang="en-US">
+              <a:solidFill>
+                <a:schemeClr val="tx1"/>
+              </a:solidFill>
+            </a:endParaRPr>
+          </a:p>
+          <a:p>
+            <a:pPr algn="l"/>
+            <a:endParaRPr lang="zh-CN" altLang="en-US">
+              <a:solidFill>
+                <a:schemeClr val="tx1"/>
+              </a:solidFill>
+            </a:endParaRPr>
+          </a:p>
+          <a:p>
+            <a:pPr algn="l"/>
+            <a:endParaRPr lang="zh-CN" altLang="en-US">
+              <a:solidFill>
+                <a:schemeClr val="tx1"/>
+              </a:solidFill>
+            </a:endParaRPr>
+          </a:p>
+          <a:p>
+            <a:pPr algn="l"/>
+            <a:endParaRPr lang="zh-CN" altLang="en-US">
+              <a:solidFill>
+                <a:schemeClr val="tx1"/>
+              </a:solidFill>
+            </a:endParaRPr>
+          </a:p>
+          <a:p>
+            <a:pPr algn="l"/>
+            <a:endParaRPr lang="zh-CN" altLang="en-US">
+              <a:solidFill>
+                <a:schemeClr val="tx1"/>
+              </a:solidFill>
+            </a:endParaRPr>
+          </a:p>
+          <a:p>
+            <a:pPr algn="l"/>
+            <a:endParaRPr lang="zh-CN" altLang="en-US">
+              <a:solidFill>
+                <a:schemeClr val="tx1"/>
+              </a:solidFill>
+            </a:endParaRPr>
+          </a:p>
+          <a:p>
+            <a:pPr algn="l"/>
+            <a:endParaRPr lang="zh-CN" altLang="en-US">
+              <a:solidFill>
+                <a:schemeClr val="tx1"/>
+              </a:solidFill>
+            </a:endParaRPr>
+          </a:p>
+          <a:p>
+            <a:pPr algn="l"/>
+            <a:endParaRPr lang="zh-CN" altLang="en-US">
+              <a:solidFill>
+                <a:schemeClr val="tx1"/>
+              </a:solidFill>
+            </a:endParaRPr>
+          </a:p>
+          <a:p>
+            <a:pPr algn="l"/>
+            <a:endParaRPr lang="zh-CN" altLang="en-US">
+              <a:solidFill>
+                <a:schemeClr val="tx1"/>
+              </a:solidFill>
+            </a:endParaRPr>
+          </a:p>
+          <a:p>
+            <a:pPr algn="l"/>
+            <a:endParaRPr lang="zh-CN" altLang="en-US">
+              <a:solidFill>
+                <a:schemeClr val="tx1"/>
+              </a:solidFill>
+            </a:endParaRPr>
+          </a:p>
+          <a:p>
+            <a:pPr algn="l"/>
+            <a:endParaRPr lang="zh-CN" altLang="en-US">
+              <a:solidFill>
+                <a:schemeClr val="tx1"/>
+              </a:solidFill>
+            </a:endParaRPr>
+          </a:p>
+          <a:p>
+            <a:pPr algn="l"/>
+            <a:endParaRPr lang="zh-CN" altLang="en-US">
+              <a:solidFill>
+                <a:schemeClr val="tx1"/>
+              </a:solidFill>
+            </a:endParaRPr>
+          </a:p>
+          <a:p>
+            <a:pPr algn="l"/>
+            <a:endParaRPr lang="zh-CN" altLang="en-US">
+              <a:solidFill>
+                <a:schemeClr val="tx1"/>
+              </a:solidFill>
+            </a:endParaRPr>
+          </a:p>
+          <a:p>
+            <a:pPr algn="l"/>
+            <a:endParaRPr lang="zh-CN" altLang="en-US">
+              <a:solidFill>
+                <a:schemeClr val="tx1"/>
+              </a:solidFill>
+            </a:endParaRPr>
+          </a:p>
+          <a:p>
+            <a:pPr algn="l"/>
+            <a:endParaRPr lang="zh-CN" altLang="en-US">
+              <a:solidFill>
+                <a:schemeClr val="tx1"/>
+              </a:solidFill>
+            </a:endParaRPr>
+          </a:p>
+          <a:p>
+            <a:pPr algn="l"/>
+            <a:endParaRPr lang="zh-CN" altLang="en-US">
+              <a:solidFill>
+                <a:schemeClr val="tx1"/>
+              </a:solidFill>
+            </a:endParaRPr>
+          </a:p>
+        </p:txBody>
+      </p:sp>
+      <p:pic>
+        <p:nvPicPr>
+          <p:cNvPr id="3" name="图片 2"/>
+          <p:cNvPicPr>
+            <a:picLocks noChangeAspect="1"/>
+          </p:cNvPicPr>
+          <p:nvPr/>
+        </p:nvPicPr>
+        <p:blipFill>
+          <a:blip r:embed="rId1"/>
+          <a:stretch>
+            <a:fillRect/>
+          </a:stretch>
+        </p:blipFill>
+        <p:spPr>
+          <a:xfrm>
+            <a:off x="302260" y="176530"/>
+            <a:ext cx="628650" cy="762000"/>
+          </a:xfrm>
+          <a:prstGeom prst="rect">
+            <a:avLst/>
+          </a:prstGeom>
+        </p:spPr>
+      </p:pic>
+      <p:sp>
+        <p:nvSpPr>
+          <p:cNvPr id="7" name="矩形 6"/>
+          <p:cNvSpPr/>
+          <p:nvPr/>
+        </p:nvSpPr>
+        <p:spPr>
+          <a:xfrm>
+            <a:off x="8180070" y="3703955"/>
+            <a:ext cx="1871345" cy="655955"/>
+          </a:xfrm>
+          <a:prstGeom prst="rect">
+            <a:avLst/>
+          </a:prstGeom>
+          <a:solidFill>
+            <a:srgbClr val="00B050"/>
+          </a:solidFill>
+        </p:spPr>
+        <p:style>
+          <a:lnRef idx="2">
+            <a:schemeClr val="accent1">
+              <a:shade val="50000"/>
+            </a:schemeClr>
+          </a:lnRef>
+          <a:fillRef idx="1">
+            <a:schemeClr val="accent1"/>
+          </a:fillRef>
+          <a:effectRef idx="0">
+            <a:schemeClr val="accent1"/>
+          </a:effectRef>
+          <a:fontRef idx="minor">
+            <a:schemeClr val="lt1"/>
+          </a:fontRef>
+        </p:style>
+        <p:txBody>
+          <a:bodyPr rtlCol="0" anchor="ctr"/>
+          <a:p>
+            <a:pPr algn="ctr"/>
+            <a:r>
+              <a:rPr lang="zh-CN" altLang="en-US" sz="1400"/>
+              <a:t>其他外部</a:t>
+            </a:r>
+            <a:r>
+              <a:rPr lang="zh-CN" altLang="en-US" sz="1400"/>
+              <a:t>区块链</a:t>
+            </a:r>
+            <a:endParaRPr lang="zh-CN" altLang="en-US" sz="1400"/>
+          </a:p>
+        </p:txBody>
+      </p:sp>
+      <p:sp>
+        <p:nvSpPr>
+          <p:cNvPr id="8" name="矩形 7"/>
+          <p:cNvSpPr/>
+          <p:nvPr/>
+        </p:nvSpPr>
+        <p:spPr>
+          <a:xfrm>
+            <a:off x="2918460" y="1922780"/>
+            <a:ext cx="2476500" cy="655955"/>
+          </a:xfrm>
+          <a:prstGeom prst="rect">
+            <a:avLst/>
+          </a:prstGeom>
+          <a:solidFill>
+            <a:schemeClr val="accent4"/>
+          </a:solidFill>
+        </p:spPr>
+        <p:style>
+          <a:lnRef idx="2">
+            <a:schemeClr val="accent1">
+              <a:shade val="50000"/>
+            </a:schemeClr>
+          </a:lnRef>
+          <a:fillRef idx="1">
+            <a:schemeClr val="accent1"/>
+          </a:fillRef>
+          <a:effectRef idx="0">
+            <a:schemeClr val="accent1"/>
+          </a:effectRef>
+          <a:fontRef idx="minor">
+            <a:schemeClr val="lt1"/>
+          </a:fontRef>
+        </p:style>
+        <p:txBody>
+          <a:bodyPr rtlCol="0" anchor="ctr"/>
+          <a:p>
+            <a:pPr algn="ctr"/>
+            <a:r>
+              <a:rPr lang="zh-CN" altLang="en-US" sz="1400"/>
+              <a:t>主链</a:t>
+            </a:r>
+            <a:endParaRPr lang="zh-CN" altLang="en-US" sz="1400"/>
+          </a:p>
+          <a:p>
+            <a:pPr algn="ctr"/>
+            <a:r>
+              <a:rPr lang="zh-CN" altLang="en-US" sz="1400"/>
+              <a:t>监管、跨链、真实性</a:t>
+            </a:r>
+            <a:r>
+              <a:rPr lang="zh-CN" altLang="en-US" sz="1400"/>
+              <a:t>证明</a:t>
+            </a:r>
+            <a:endParaRPr lang="zh-CN" altLang="en-US" sz="1400"/>
+          </a:p>
+        </p:txBody>
+      </p:sp>
+      <p:cxnSp>
+        <p:nvCxnSpPr>
+          <p:cNvPr id="10" name="肘形连接符 9"/>
+          <p:cNvCxnSpPr>
+            <a:stCxn id="2" idx="0"/>
+            <a:endCxn id="8" idx="2"/>
+          </p:cNvCxnSpPr>
+          <p:nvPr/>
+        </p:nvCxnSpPr>
+        <p:spPr>
+          <a:xfrm rot="16200000">
+            <a:off x="2677478" y="1920558"/>
+            <a:ext cx="821055" cy="2137410"/>
+          </a:xfrm>
+          <a:prstGeom prst="bentConnector3">
+            <a:avLst>
+              <a:gd name="adj1" fmla="val 50000"/>
+            </a:avLst>
+          </a:prstGeom>
+          <a:ln>
+            <a:tailEnd type="arrow"/>
+          </a:ln>
+        </p:spPr>
+        <p:style>
+          <a:lnRef idx="1">
+            <a:schemeClr val="accent1"/>
+          </a:lnRef>
+          <a:fillRef idx="0">
+            <a:schemeClr val="accent1"/>
+          </a:fillRef>
+          <a:effectRef idx="0">
+            <a:schemeClr val="accent1"/>
+          </a:effectRef>
+          <a:fontRef idx="minor">
+            <a:schemeClr val="tx1"/>
+          </a:fontRef>
+        </p:style>
+      </p:cxnSp>
+      <p:cxnSp>
+        <p:nvCxnSpPr>
+          <p:cNvPr id="11" name="肘形连接符 10"/>
+          <p:cNvCxnSpPr>
+            <a:stCxn id="5" idx="0"/>
+            <a:endCxn id="8" idx="2"/>
+          </p:cNvCxnSpPr>
+          <p:nvPr/>
+        </p:nvCxnSpPr>
+        <p:spPr>
+          <a:xfrm rot="16200000" flipV="1">
+            <a:off x="3746500" y="2988945"/>
+            <a:ext cx="821055" cy="635"/>
+          </a:xfrm>
+          <a:prstGeom prst="bentConnector3">
+            <a:avLst>
+              <a:gd name="adj1" fmla="val 49961"/>
+            </a:avLst>
+          </a:prstGeom>
+          <a:ln>
+            <a:tailEnd type="arrow"/>
+          </a:ln>
+        </p:spPr>
+        <p:style>
+          <a:lnRef idx="1">
+            <a:schemeClr val="accent1"/>
+          </a:lnRef>
+          <a:fillRef idx="0">
+            <a:schemeClr val="accent1"/>
+          </a:fillRef>
+          <a:effectRef idx="0">
+            <a:schemeClr val="accent1"/>
+          </a:effectRef>
+          <a:fontRef idx="minor">
+            <a:schemeClr val="tx1"/>
+          </a:fontRef>
+        </p:style>
+      </p:cxnSp>
+      <p:cxnSp>
+        <p:nvCxnSpPr>
+          <p:cNvPr id="14" name="肘形连接符 13"/>
+          <p:cNvCxnSpPr>
+            <a:stCxn id="6" idx="0"/>
+            <a:endCxn id="8" idx="2"/>
+          </p:cNvCxnSpPr>
+          <p:nvPr/>
+        </p:nvCxnSpPr>
+        <p:spPr>
+          <a:xfrm rot="16200000" flipV="1">
+            <a:off x="4815523" y="1919923"/>
+            <a:ext cx="821055" cy="2138680"/>
+          </a:xfrm>
+          <a:prstGeom prst="bentConnector3">
+            <a:avLst>
+              <a:gd name="adj1" fmla="val 50000"/>
+            </a:avLst>
+          </a:prstGeom>
+          <a:ln>
+            <a:tailEnd type="arrow"/>
+          </a:ln>
+        </p:spPr>
+        <p:style>
+          <a:lnRef idx="1">
+            <a:schemeClr val="accent1"/>
+          </a:lnRef>
+          <a:fillRef idx="0">
+            <a:schemeClr val="accent1"/>
+          </a:fillRef>
+          <a:effectRef idx="0">
+            <a:schemeClr val="accent1"/>
+          </a:effectRef>
+          <a:fontRef idx="minor">
+            <a:schemeClr val="tx1"/>
+          </a:fontRef>
+        </p:style>
+      </p:cxnSp>
+      <p:cxnSp>
+        <p:nvCxnSpPr>
+          <p:cNvPr id="15" name="肘形连接符 14"/>
+          <p:cNvCxnSpPr>
+            <a:stCxn id="7" idx="0"/>
+            <a:endCxn id="8" idx="2"/>
+          </p:cNvCxnSpPr>
+          <p:nvPr/>
+        </p:nvCxnSpPr>
+        <p:spPr>
+          <a:xfrm rot="16200000" flipV="1">
+            <a:off x="6073775" y="661670"/>
+            <a:ext cx="1125220" cy="4959350"/>
+          </a:xfrm>
+          <a:prstGeom prst="bentConnector3">
+            <a:avLst>
+              <a:gd name="adj1" fmla="val 63036"/>
+            </a:avLst>
+          </a:prstGeom>
+          <a:ln>
+            <a:tailEnd type="arrow"/>
+          </a:ln>
+        </p:spPr>
+        <p:style>
+          <a:lnRef idx="1">
+            <a:schemeClr val="accent1"/>
+          </a:lnRef>
+          <a:fillRef idx="0">
+            <a:schemeClr val="accent1"/>
+          </a:fillRef>
+          <a:effectRef idx="0">
+            <a:schemeClr val="accent1"/>
+          </a:effectRef>
+          <a:fontRef idx="minor">
+            <a:schemeClr val="tx1"/>
+          </a:fontRef>
+        </p:style>
+      </p:cxnSp>
+      <p:sp>
+        <p:nvSpPr>
+          <p:cNvPr id="16" name="矩形 15"/>
+          <p:cNvSpPr/>
+          <p:nvPr/>
+        </p:nvSpPr>
+        <p:spPr>
+          <a:xfrm>
+            <a:off x="1235075" y="5037455"/>
+            <a:ext cx="5843905" cy="735330"/>
+          </a:xfrm>
+          <a:prstGeom prst="rect">
+            <a:avLst/>
+          </a:prstGeom>
+          <a:solidFill>
+            <a:schemeClr val="accent4"/>
+          </a:solidFill>
+        </p:spPr>
+        <p:style>
+          <a:lnRef idx="2">
+            <a:schemeClr val="accent1">
+              <a:shade val="50000"/>
+            </a:schemeClr>
+          </a:lnRef>
+          <a:fillRef idx="1">
+            <a:schemeClr val="accent1"/>
+          </a:fillRef>
+          <a:effectRef idx="0">
+            <a:schemeClr val="accent1"/>
+          </a:effectRef>
+          <a:fontRef idx="minor">
+            <a:schemeClr val="lt1"/>
+          </a:fontRef>
+        </p:style>
+        <p:txBody>
+          <a:bodyPr rtlCol="0" anchor="ctr"/>
+          <a:p>
+            <a:pPr algn="ctr"/>
+            <a:r>
+              <a:rPr lang="en-US" altLang="zh-CN" sz="1400"/>
+              <a:t>IPFS</a:t>
+            </a:r>
+            <a:endParaRPr lang="en-US" altLang="zh-CN" sz="1400"/>
+          </a:p>
+          <a:p>
+            <a:pPr algn="ctr"/>
+            <a:r>
+              <a:rPr lang="zh-CN" altLang="en-US" sz="1400"/>
+              <a:t>文件隐私、可信交换；链上数据</a:t>
+            </a:r>
+            <a:r>
+              <a:rPr lang="zh-CN" altLang="en-US" sz="1400"/>
+              <a:t>可用性；</a:t>
+            </a:r>
+            <a:endParaRPr lang="zh-CN" altLang="en-US" sz="1400"/>
+          </a:p>
+        </p:txBody>
+      </p:sp>
+      <p:sp>
+        <p:nvSpPr>
+          <p:cNvPr id="19" name="文本框 18"/>
+          <p:cNvSpPr txBox="1"/>
+          <p:nvPr/>
+        </p:nvSpPr>
+        <p:spPr>
+          <a:xfrm>
+            <a:off x="931073" y="327719"/>
+            <a:ext cx="5908345" cy="460375"/>
+          </a:xfrm>
+          <a:prstGeom prst="rect">
+            <a:avLst/>
+          </a:prstGeom>
+          <a:noFill/>
+        </p:spPr>
+        <p:txBody>
+          <a:bodyPr wrap="square" rtlCol="0">
+            <a:spAutoFit/>
+          </a:bodyPr>
+          <a:p>
+            <a:pPr defTabSz="862965">
+              <a:lnSpc>
+                <a:spcPct val="100000"/>
+              </a:lnSpc>
+              <a:spcBef>
+                <a:spcPts val="2265"/>
+              </a:spcBef>
+              <a:defRPr sz="1800">
+                <a:solidFill>
+                  <a:srgbClr val="000000"/>
+                </a:solidFill>
+              </a:defRPr>
+            </a:pPr>
+            <a:r>
+              <a:rPr lang="zh-CN" altLang="en-US" sz="2400" b="1" dirty="0">
+                <a:solidFill>
+                  <a:srgbClr val="3D5F6B"/>
+                </a:solidFill>
+                <a:ea typeface="微软雅黑" panose="020B0503020204020204" pitchFamily="34" charset="-122"/>
+                <a:cs typeface="Arial" panose="020B0604020202020204" pitchFamily="34" charset="0"/>
+                <a:sym typeface="Calibri" panose="020F0502020204030204" charset="0"/>
+              </a:rPr>
+              <a:t>内部系统</a:t>
+            </a:r>
+            <a:r>
+              <a:rPr lang="zh-CN" altLang="en-US" sz="2400" b="1" dirty="0">
+                <a:solidFill>
+                  <a:srgbClr val="3D5F6B"/>
+                </a:solidFill>
+                <a:ea typeface="微软雅黑" panose="020B0503020204020204" pitchFamily="34" charset="-122"/>
+                <a:cs typeface="Arial" panose="020B0604020202020204" pitchFamily="34" charset="0"/>
+                <a:sym typeface="Calibri" panose="020F0502020204030204" charset="0"/>
+              </a:rPr>
+              <a:t>设计</a:t>
+            </a:r>
+            <a:endParaRPr lang="zh-CN" altLang="en-US" sz="2400" b="1" dirty="0">
+              <a:solidFill>
+                <a:srgbClr val="3D5F6B"/>
+              </a:solidFill>
+              <a:ea typeface="微软雅黑" panose="020B0503020204020204" pitchFamily="34" charset="-122"/>
+              <a:cs typeface="Arial" panose="020B0604020202020204" pitchFamily="34" charset="0"/>
+              <a:sym typeface="Calibri" panose="020F0502020204030204" charset="0"/>
+            </a:endParaRPr>
+          </a:p>
+        </p:txBody>
+      </p:sp>
+      <p:cxnSp>
+        <p:nvCxnSpPr>
+          <p:cNvPr id="21" name="肘形连接符 20"/>
+          <p:cNvCxnSpPr>
+            <a:stCxn id="2" idx="2"/>
+            <a:endCxn id="16" idx="0"/>
+          </p:cNvCxnSpPr>
+          <p:nvPr/>
+        </p:nvCxnSpPr>
+        <p:spPr>
+          <a:xfrm rot="5400000" flipV="1">
+            <a:off x="2754313" y="3634423"/>
+            <a:ext cx="668020" cy="2138045"/>
+          </a:xfrm>
+          <a:prstGeom prst="bentConnector3">
+            <a:avLst>
+              <a:gd name="adj1" fmla="val 49952"/>
+            </a:avLst>
+          </a:prstGeom>
+          <a:ln>
+            <a:tailEnd type="arrow"/>
+          </a:ln>
+        </p:spPr>
+        <p:style>
+          <a:lnRef idx="1">
+            <a:schemeClr val="accent1"/>
+          </a:lnRef>
+          <a:fillRef idx="0">
+            <a:schemeClr val="accent1"/>
+          </a:fillRef>
+          <a:effectRef idx="0">
+            <a:schemeClr val="accent1"/>
+          </a:effectRef>
+          <a:fontRef idx="minor">
+            <a:schemeClr val="tx1"/>
+          </a:fontRef>
+        </p:style>
+      </p:cxnSp>
+      <p:cxnSp>
+        <p:nvCxnSpPr>
+          <p:cNvPr id="23" name="肘形连接符 22"/>
+          <p:cNvCxnSpPr>
+            <a:stCxn id="6" idx="2"/>
+            <a:endCxn id="16" idx="0"/>
+          </p:cNvCxnSpPr>
+          <p:nvPr/>
+        </p:nvCxnSpPr>
+        <p:spPr>
+          <a:xfrm rot="5400000">
+            <a:off x="4892358" y="3634423"/>
+            <a:ext cx="668020" cy="2138045"/>
+          </a:xfrm>
+          <a:prstGeom prst="bentConnector3">
+            <a:avLst>
+              <a:gd name="adj1" fmla="val 49952"/>
+            </a:avLst>
+          </a:prstGeom>
+          <a:ln>
+            <a:tailEnd type="arrow"/>
+          </a:ln>
+        </p:spPr>
+        <p:style>
+          <a:lnRef idx="1">
+            <a:schemeClr val="accent1"/>
+          </a:lnRef>
+          <a:fillRef idx="0">
+            <a:schemeClr val="accent1"/>
+          </a:fillRef>
+          <a:effectRef idx="0">
+            <a:schemeClr val="accent1"/>
+          </a:effectRef>
+          <a:fontRef idx="minor">
+            <a:schemeClr val="tx1"/>
+          </a:fontRef>
+        </p:style>
+      </p:cxnSp>
+      <p:cxnSp>
+        <p:nvCxnSpPr>
+          <p:cNvPr id="24" name="直接箭头连接符 23"/>
+          <p:cNvCxnSpPr>
+            <a:stCxn id="5" idx="2"/>
+            <a:endCxn id="16" idx="0"/>
+          </p:cNvCxnSpPr>
+          <p:nvPr/>
+        </p:nvCxnSpPr>
+        <p:spPr>
+          <a:xfrm>
+            <a:off x="4157345" y="4369435"/>
+            <a:ext cx="0" cy="668020"/>
+          </a:xfrm>
+          <a:prstGeom prst="straightConnector1">
+            <a:avLst/>
+          </a:prstGeom>
+          <a:ln>
+            <a:tailEnd type="arrow"/>
+          </a:ln>
+        </p:spPr>
+        <p:style>
+          <a:lnRef idx="1">
+            <a:schemeClr val="accent1"/>
+          </a:lnRef>
+          <a:fillRef idx="0">
+            <a:schemeClr val="accent1"/>
+          </a:fillRef>
+          <a:effectRef idx="0">
+            <a:schemeClr val="accent1"/>
+          </a:effectRef>
+          <a:fontRef idx="minor">
+            <a:schemeClr val="tx1"/>
+          </a:fontRef>
+        </p:style>
+      </p:cxnSp>
+      <p:sp>
+        <p:nvSpPr>
+          <p:cNvPr id="25" name="矩形 24"/>
+          <p:cNvSpPr/>
+          <p:nvPr/>
+        </p:nvSpPr>
+        <p:spPr>
+          <a:xfrm>
+            <a:off x="1235075" y="3399790"/>
+            <a:ext cx="1567815" cy="493395"/>
+          </a:xfrm>
+          <a:prstGeom prst="rect">
+            <a:avLst/>
+          </a:prstGeom>
+        </p:spPr>
+        <p:style>
+          <a:lnRef idx="2">
+            <a:schemeClr val="accent1">
+              <a:shade val="50000"/>
+            </a:schemeClr>
+          </a:lnRef>
+          <a:fillRef idx="1">
+            <a:schemeClr val="accent1"/>
+          </a:fillRef>
+          <a:effectRef idx="0">
+            <a:schemeClr val="accent1"/>
+          </a:effectRef>
+          <a:fontRef idx="minor">
+            <a:schemeClr val="lt1"/>
+          </a:fontRef>
+        </p:style>
+        <p:txBody>
+          <a:bodyPr rtlCol="0" anchor="ctr"/>
+          <a:p>
+            <a:pPr algn="ctr"/>
+            <a:r>
+              <a:rPr lang="zh-CN" altLang="en-US" sz="1400"/>
+              <a:t>子链</a:t>
+            </a:r>
+            <a:endParaRPr lang="zh-CN" altLang="en-US" sz="1400"/>
+          </a:p>
+        </p:txBody>
+      </p:sp>
+      <p:sp>
+        <p:nvSpPr>
+          <p:cNvPr id="26" name="矩形 25"/>
+          <p:cNvSpPr/>
+          <p:nvPr/>
+        </p:nvSpPr>
+        <p:spPr>
+          <a:xfrm>
+            <a:off x="1235075" y="3892550"/>
+            <a:ext cx="1567815" cy="485140"/>
+          </a:xfrm>
+          <a:prstGeom prst="rect">
+            <a:avLst/>
+          </a:prstGeom>
+          <a:solidFill>
+            <a:srgbClr val="92D050"/>
+          </a:solidFill>
+        </p:spPr>
+        <p:style>
+          <a:lnRef idx="2">
+            <a:schemeClr val="accent1">
+              <a:shade val="50000"/>
+            </a:schemeClr>
+          </a:lnRef>
+          <a:fillRef idx="1">
+            <a:schemeClr val="accent1"/>
+          </a:fillRef>
+          <a:effectRef idx="0">
+            <a:schemeClr val="accent1"/>
+          </a:effectRef>
+          <a:fontRef idx="minor">
+            <a:schemeClr val="lt1"/>
+          </a:fontRef>
+        </p:style>
+        <p:txBody>
+          <a:bodyPr rtlCol="0" anchor="ctr"/>
+          <a:p>
+            <a:pPr algn="ctr"/>
+            <a:r>
+              <a:rPr lang="zh-CN" altLang="en-US" sz="1400"/>
+              <a:t>供应链金融</a:t>
+            </a:r>
+            <a:endParaRPr lang="zh-CN" altLang="en-US" sz="1400"/>
+          </a:p>
+          <a:p>
+            <a:pPr algn="ctr"/>
+            <a:r>
+              <a:rPr lang="zh-CN" altLang="en-US" sz="1400"/>
+              <a:t>业务系统</a:t>
+            </a:r>
+            <a:endParaRPr lang="zh-CN" altLang="en-US" sz="1400"/>
+          </a:p>
+        </p:txBody>
+      </p:sp>
+      <p:sp>
+        <p:nvSpPr>
+          <p:cNvPr id="27" name="矩形 26"/>
+          <p:cNvSpPr/>
+          <p:nvPr/>
+        </p:nvSpPr>
+        <p:spPr>
+          <a:xfrm>
+            <a:off x="3373120" y="3400425"/>
+            <a:ext cx="1567815" cy="493395"/>
+          </a:xfrm>
+          <a:prstGeom prst="rect">
+            <a:avLst/>
+          </a:prstGeom>
+        </p:spPr>
+        <p:style>
+          <a:lnRef idx="2">
+            <a:schemeClr val="accent1">
+              <a:shade val="50000"/>
+            </a:schemeClr>
+          </a:lnRef>
+          <a:fillRef idx="1">
+            <a:schemeClr val="accent1"/>
+          </a:fillRef>
+          <a:effectRef idx="0">
+            <a:schemeClr val="accent1"/>
+          </a:effectRef>
+          <a:fontRef idx="minor">
+            <a:schemeClr val="lt1"/>
+          </a:fontRef>
+        </p:style>
+        <p:txBody>
+          <a:bodyPr rtlCol="0" anchor="ctr"/>
+          <a:p>
+            <a:pPr algn="ctr"/>
+            <a:r>
+              <a:rPr lang="zh-CN" altLang="en-US" sz="1400"/>
+              <a:t>子链</a:t>
+            </a:r>
+            <a:endParaRPr lang="zh-CN" altLang="en-US" sz="1400"/>
+          </a:p>
+        </p:txBody>
+      </p:sp>
+      <p:sp>
+        <p:nvSpPr>
+          <p:cNvPr id="28" name="矩形 27"/>
+          <p:cNvSpPr/>
+          <p:nvPr/>
+        </p:nvSpPr>
+        <p:spPr>
+          <a:xfrm>
+            <a:off x="3373120" y="3893185"/>
+            <a:ext cx="1567815" cy="485140"/>
+          </a:xfrm>
+          <a:prstGeom prst="rect">
+            <a:avLst/>
+          </a:prstGeom>
+          <a:solidFill>
+            <a:srgbClr val="92D050"/>
+          </a:solidFill>
+        </p:spPr>
+        <p:style>
+          <a:lnRef idx="2">
+            <a:schemeClr val="accent1">
+              <a:shade val="50000"/>
+            </a:schemeClr>
+          </a:lnRef>
+          <a:fillRef idx="1">
+            <a:schemeClr val="accent1"/>
+          </a:fillRef>
+          <a:effectRef idx="0">
+            <a:schemeClr val="accent1"/>
+          </a:effectRef>
+          <a:fontRef idx="minor">
+            <a:schemeClr val="lt1"/>
+          </a:fontRef>
+        </p:style>
+        <p:txBody>
+          <a:bodyPr rtlCol="0" anchor="ctr"/>
+          <a:p>
+            <a:pPr algn="ctr"/>
+            <a:r>
+              <a:rPr lang="zh-CN" altLang="en-US" sz="1400"/>
+              <a:t>跨境支付</a:t>
+            </a:r>
+            <a:endParaRPr lang="zh-CN" altLang="en-US" sz="1400"/>
+          </a:p>
+          <a:p>
+            <a:pPr algn="ctr"/>
+            <a:r>
+              <a:rPr lang="zh-CN" altLang="en-US" sz="1400"/>
+              <a:t>业务系统</a:t>
+            </a:r>
+            <a:endParaRPr lang="zh-CN" altLang="en-US" sz="1400"/>
+          </a:p>
+        </p:txBody>
+      </p:sp>
+      <p:sp>
+        <p:nvSpPr>
+          <p:cNvPr id="29" name="矩形 28"/>
+          <p:cNvSpPr/>
+          <p:nvPr/>
+        </p:nvSpPr>
+        <p:spPr>
+          <a:xfrm>
+            <a:off x="5497195" y="3399790"/>
+            <a:ext cx="1567815" cy="493395"/>
+          </a:xfrm>
+          <a:prstGeom prst="rect">
+            <a:avLst/>
+          </a:prstGeom>
+        </p:spPr>
+        <p:style>
+          <a:lnRef idx="2">
+            <a:schemeClr val="accent1">
+              <a:shade val="50000"/>
+            </a:schemeClr>
+          </a:lnRef>
+          <a:fillRef idx="1">
+            <a:schemeClr val="accent1"/>
+          </a:fillRef>
+          <a:effectRef idx="0">
+            <a:schemeClr val="accent1"/>
+          </a:effectRef>
+          <a:fontRef idx="minor">
+            <a:schemeClr val="lt1"/>
+          </a:fontRef>
+        </p:style>
+        <p:txBody>
+          <a:bodyPr rtlCol="0" anchor="ctr"/>
+          <a:p>
+            <a:pPr algn="ctr"/>
+            <a:r>
+              <a:rPr lang="zh-CN" altLang="en-US" sz="1400"/>
+              <a:t>子链</a:t>
+            </a:r>
+            <a:endParaRPr lang="zh-CN" altLang="en-US" sz="1400"/>
+          </a:p>
+        </p:txBody>
+      </p:sp>
+      <p:sp>
+        <p:nvSpPr>
+          <p:cNvPr id="30" name="矩形 29"/>
+          <p:cNvSpPr/>
+          <p:nvPr/>
+        </p:nvSpPr>
+        <p:spPr>
+          <a:xfrm>
+            <a:off x="5497195" y="3892550"/>
+            <a:ext cx="1567815" cy="485140"/>
+          </a:xfrm>
+          <a:prstGeom prst="rect">
+            <a:avLst/>
+          </a:prstGeom>
+          <a:solidFill>
+            <a:srgbClr val="92D050"/>
+          </a:solidFill>
+        </p:spPr>
+        <p:style>
+          <a:lnRef idx="2">
+            <a:schemeClr val="accent1">
+              <a:shade val="50000"/>
+            </a:schemeClr>
+          </a:lnRef>
+          <a:fillRef idx="1">
+            <a:schemeClr val="accent1"/>
+          </a:fillRef>
+          <a:effectRef idx="0">
+            <a:schemeClr val="accent1"/>
+          </a:effectRef>
+          <a:fontRef idx="minor">
+            <a:schemeClr val="lt1"/>
+          </a:fontRef>
+        </p:style>
+        <p:txBody>
+          <a:bodyPr rtlCol="0" anchor="ctr"/>
+          <a:p>
+            <a:pPr algn="ctr"/>
+            <a:r>
+              <a:rPr lang="en-US" altLang="zh-CN" sz="1400"/>
+              <a:t>xxx</a:t>
+            </a:r>
+            <a:r>
+              <a:rPr lang="zh-CN" altLang="en-US" sz="1400"/>
+              <a:t>业务系统</a:t>
+            </a:r>
+            <a:endParaRPr lang="zh-CN" altLang="en-US" sz="1400"/>
+          </a:p>
+        </p:txBody>
+      </p:sp>
+      <p:sp>
+        <p:nvSpPr>
+          <p:cNvPr id="31" name="文本框 30"/>
+          <p:cNvSpPr txBox="1"/>
+          <p:nvPr/>
+        </p:nvSpPr>
+        <p:spPr>
+          <a:xfrm>
+            <a:off x="1235710" y="2712720"/>
+            <a:ext cx="1682750" cy="275590"/>
+          </a:xfrm>
+          <a:prstGeom prst="rect">
+            <a:avLst/>
+          </a:prstGeom>
+          <a:noFill/>
+        </p:spPr>
+        <p:txBody>
+          <a:bodyPr wrap="square" rtlCol="0">
+            <a:spAutoFit/>
+          </a:bodyPr>
+          <a:p>
+            <a:r>
+              <a:rPr lang="zh-CN" altLang="en-US" sz="1200"/>
+              <a:t>数据锚定、跨链协作</a:t>
+            </a:r>
+            <a:endParaRPr lang="zh-CN" altLang="en-US" sz="1200"/>
+          </a:p>
+        </p:txBody>
+      </p:sp>
+      <p:sp>
+        <p:nvSpPr>
+          <p:cNvPr id="32" name="矩形 31"/>
+          <p:cNvSpPr/>
+          <p:nvPr/>
+        </p:nvSpPr>
+        <p:spPr>
+          <a:xfrm>
+            <a:off x="8180070" y="5037455"/>
+            <a:ext cx="1870075" cy="655955"/>
+          </a:xfrm>
+          <a:prstGeom prst="rect">
+            <a:avLst/>
+          </a:prstGeom>
+          <a:solidFill>
+            <a:schemeClr val="accent2">
+              <a:lumMod val="60000"/>
+              <a:lumOff val="40000"/>
+            </a:schemeClr>
+          </a:solidFill>
+        </p:spPr>
+        <p:style>
+          <a:lnRef idx="2">
+            <a:schemeClr val="accent1">
+              <a:shade val="50000"/>
+            </a:schemeClr>
+          </a:lnRef>
+          <a:fillRef idx="1">
+            <a:schemeClr val="accent1"/>
+          </a:fillRef>
+          <a:effectRef idx="0">
+            <a:schemeClr val="accent1"/>
+          </a:effectRef>
+          <a:fontRef idx="minor">
+            <a:schemeClr val="lt1"/>
+          </a:fontRef>
+        </p:style>
+        <p:txBody>
+          <a:bodyPr rtlCol="0" anchor="ctr"/>
+          <a:p>
+            <a:pPr algn="ctr"/>
+            <a:r>
+              <a:rPr lang="zh-CN" altLang="en-US" sz="1400"/>
+              <a:t>隐私计算</a:t>
+            </a:r>
+            <a:r>
+              <a:rPr lang="zh-CN" altLang="en-US" sz="1400"/>
+              <a:t>平台</a:t>
+            </a:r>
+            <a:endParaRPr lang="zh-CN" altLang="en-US" sz="1400"/>
+          </a:p>
+          <a:p>
+            <a:pPr algn="ctr"/>
+            <a:r>
+              <a:rPr lang="en-US" altLang="zh-CN" sz="1400"/>
+              <a:t>MPC/</a:t>
+            </a:r>
+            <a:r>
+              <a:rPr lang="zh-CN" altLang="en-US" sz="1400"/>
+              <a:t>联邦学习</a:t>
+            </a:r>
+            <a:r>
+              <a:rPr lang="en-US" altLang="zh-CN" sz="1400"/>
+              <a:t>/</a:t>
+            </a:r>
+            <a:r>
+              <a:rPr lang="zh-CN" altLang="en-US" sz="1400"/>
+              <a:t>同态</a:t>
+            </a:r>
+            <a:endParaRPr lang="zh-CN" altLang="en-US" sz="1400"/>
+          </a:p>
+        </p:txBody>
+      </p:sp>
+      <p:sp>
+        <p:nvSpPr>
+          <p:cNvPr id="33" name="矩形 32"/>
+          <p:cNvSpPr/>
+          <p:nvPr/>
+        </p:nvSpPr>
+        <p:spPr>
+          <a:xfrm>
+            <a:off x="10818495" y="4761230"/>
+            <a:ext cx="1031875" cy="424180"/>
+          </a:xfrm>
+          <a:prstGeom prst="rect">
+            <a:avLst/>
+          </a:prstGeom>
+          <a:solidFill>
+            <a:srgbClr val="FFC000"/>
+          </a:solidFill>
+        </p:spPr>
+        <p:style>
+          <a:lnRef idx="2">
+            <a:schemeClr val="accent1">
+              <a:shade val="50000"/>
+            </a:schemeClr>
+          </a:lnRef>
+          <a:fillRef idx="1">
+            <a:schemeClr val="accent1"/>
+          </a:fillRef>
+          <a:effectRef idx="0">
+            <a:schemeClr val="accent1"/>
+          </a:effectRef>
+          <a:fontRef idx="minor">
+            <a:schemeClr val="lt1"/>
+          </a:fontRef>
+        </p:style>
+        <p:txBody>
+          <a:bodyPr rtlCol="0" anchor="ctr"/>
+          <a:p>
+            <a:pPr algn="ctr"/>
+            <a:r>
+              <a:rPr lang="zh-CN" altLang="en-US" sz="1400">
+                <a:solidFill>
+                  <a:schemeClr val="tx1"/>
+                </a:solidFill>
+              </a:rPr>
+              <a:t>其他机构</a:t>
+            </a:r>
+            <a:endParaRPr lang="zh-CN" altLang="en-US" sz="1400">
+              <a:solidFill>
+                <a:schemeClr val="tx1"/>
+              </a:solidFill>
+            </a:endParaRPr>
+          </a:p>
+        </p:txBody>
+      </p:sp>
+      <p:sp>
+        <p:nvSpPr>
+          <p:cNvPr id="34" name="矩形 33"/>
+          <p:cNvSpPr/>
+          <p:nvPr/>
+        </p:nvSpPr>
+        <p:spPr>
+          <a:xfrm>
+            <a:off x="10818495" y="5494655"/>
+            <a:ext cx="1031875" cy="424180"/>
+          </a:xfrm>
+          <a:prstGeom prst="rect">
+            <a:avLst/>
+          </a:prstGeom>
+          <a:solidFill>
+            <a:srgbClr val="FFC000"/>
+          </a:solidFill>
+        </p:spPr>
+        <p:style>
+          <a:lnRef idx="2">
+            <a:schemeClr val="accent1">
+              <a:shade val="50000"/>
+            </a:schemeClr>
+          </a:lnRef>
+          <a:fillRef idx="1">
+            <a:schemeClr val="accent1"/>
+          </a:fillRef>
+          <a:effectRef idx="0">
+            <a:schemeClr val="accent1"/>
+          </a:effectRef>
+          <a:fontRef idx="minor">
+            <a:schemeClr val="lt1"/>
+          </a:fontRef>
+        </p:style>
+        <p:txBody>
+          <a:bodyPr rtlCol="0" anchor="ctr"/>
+          <a:p>
+            <a:pPr algn="ctr"/>
+            <a:r>
+              <a:rPr lang="zh-CN" altLang="en-US" sz="1400">
+                <a:solidFill>
+                  <a:schemeClr val="tx1"/>
+                </a:solidFill>
+              </a:rPr>
+              <a:t>其他机构</a:t>
+            </a:r>
+            <a:endParaRPr lang="zh-CN" altLang="en-US" sz="1400">
+              <a:solidFill>
+                <a:schemeClr val="tx1"/>
+              </a:solidFill>
+            </a:endParaRPr>
+          </a:p>
+        </p:txBody>
+      </p:sp>
+      <p:cxnSp>
+        <p:nvCxnSpPr>
+          <p:cNvPr id="38" name="肘形连接符 37"/>
+          <p:cNvCxnSpPr>
+            <a:stCxn id="29" idx="3"/>
+            <a:endCxn id="32" idx="1"/>
+          </p:cNvCxnSpPr>
+          <p:nvPr/>
+        </p:nvCxnSpPr>
+        <p:spPr>
+          <a:xfrm>
+            <a:off x="7065010" y="3646805"/>
+            <a:ext cx="1115060" cy="1718945"/>
+          </a:xfrm>
+          <a:prstGeom prst="bentConnector3">
+            <a:avLst>
+              <a:gd name="adj1" fmla="val 71127"/>
+            </a:avLst>
+          </a:prstGeom>
+          <a:ln>
+            <a:headEnd type="arrow"/>
+            <a:tailEnd type="arrow"/>
+          </a:ln>
+        </p:spPr>
+        <p:style>
+          <a:lnRef idx="1">
+            <a:schemeClr val="accent1"/>
+          </a:lnRef>
+          <a:fillRef idx="0">
+            <a:schemeClr val="accent1"/>
+          </a:fillRef>
+          <a:effectRef idx="0">
+            <a:schemeClr val="accent1"/>
+          </a:effectRef>
+          <a:fontRef idx="minor">
+            <a:schemeClr val="tx1"/>
+          </a:fontRef>
+        </p:style>
+      </p:cxnSp>
+      <p:cxnSp>
+        <p:nvCxnSpPr>
+          <p:cNvPr id="39" name="肘形连接符 38"/>
+          <p:cNvCxnSpPr>
+            <a:stCxn id="32" idx="3"/>
+            <a:endCxn id="33" idx="1"/>
+          </p:cNvCxnSpPr>
+          <p:nvPr/>
+        </p:nvCxnSpPr>
+        <p:spPr>
+          <a:xfrm flipV="1">
+            <a:off x="10050145" y="4973320"/>
+            <a:ext cx="768350" cy="392430"/>
+          </a:xfrm>
+          <a:prstGeom prst="bentConnector3">
+            <a:avLst>
+              <a:gd name="adj1" fmla="val 50000"/>
+            </a:avLst>
+          </a:prstGeom>
+          <a:ln>
+            <a:headEnd type="arrow"/>
+            <a:tailEnd type="arrow"/>
+          </a:ln>
+        </p:spPr>
+        <p:style>
+          <a:lnRef idx="1">
+            <a:schemeClr val="accent1"/>
+          </a:lnRef>
+          <a:fillRef idx="0">
+            <a:schemeClr val="accent1"/>
+          </a:fillRef>
+          <a:effectRef idx="0">
+            <a:schemeClr val="accent1"/>
+          </a:effectRef>
+          <a:fontRef idx="minor">
+            <a:schemeClr val="tx1"/>
+          </a:fontRef>
+        </p:style>
+      </p:cxnSp>
+      <p:cxnSp>
+        <p:nvCxnSpPr>
+          <p:cNvPr id="40" name="肘形连接符 39"/>
+          <p:cNvCxnSpPr>
+            <a:stCxn id="32" idx="3"/>
+            <a:endCxn id="34" idx="1"/>
+          </p:cNvCxnSpPr>
+          <p:nvPr/>
+        </p:nvCxnSpPr>
+        <p:spPr>
+          <a:xfrm>
+            <a:off x="10050145" y="5365750"/>
+            <a:ext cx="768350" cy="340995"/>
+          </a:xfrm>
+          <a:prstGeom prst="bentConnector3">
+            <a:avLst>
+              <a:gd name="adj1" fmla="val 50000"/>
+            </a:avLst>
+          </a:prstGeom>
+          <a:ln>
+            <a:headEnd type="arrow"/>
+            <a:tailEnd type="arrow"/>
+          </a:ln>
+        </p:spPr>
+        <p:style>
+          <a:lnRef idx="1">
+            <a:schemeClr val="accent1"/>
+          </a:lnRef>
+          <a:fillRef idx="0">
+            <a:schemeClr val="accent1"/>
+          </a:fillRef>
+          <a:effectRef idx="0">
+            <a:schemeClr val="accent1"/>
+          </a:effectRef>
+          <a:fontRef idx="minor">
+            <a:schemeClr val="tx1"/>
+          </a:fontRef>
+        </p:style>
+      </p:cxnSp>
+      <p:sp>
+        <p:nvSpPr>
+          <p:cNvPr id="42" name="文本框 41"/>
+          <p:cNvSpPr txBox="1"/>
+          <p:nvPr/>
+        </p:nvSpPr>
+        <p:spPr>
+          <a:xfrm>
+            <a:off x="7649210" y="2705100"/>
+            <a:ext cx="1682750" cy="275590"/>
+          </a:xfrm>
+          <a:prstGeom prst="rect">
+            <a:avLst/>
+          </a:prstGeom>
+          <a:noFill/>
+        </p:spPr>
+        <p:txBody>
+          <a:bodyPr wrap="square" rtlCol="0">
+            <a:spAutoFit/>
+          </a:bodyPr>
+          <a:p>
+            <a:r>
+              <a:rPr lang="zh-CN" altLang="en-US" sz="1200"/>
+              <a:t>数据锚定、跨链协作</a:t>
+            </a:r>
+            <a:endParaRPr lang="zh-CN" altLang="en-US" sz="1200"/>
+          </a:p>
+        </p:txBody>
+      </p:sp>
+    </p:spTree>
+  </p:cSld>
+  <p:clrMapOvr>
+    <a:masterClrMapping/>
+  </p:clrMapOvr>
+  <mc:AlternateContent xmlns:mc="http://schemas.openxmlformats.org/markup-compatibility/2006">
+    <mc:Choice xmlns:p14="http://schemas.microsoft.com/office/powerpoint/2010/main" Requires="p14">
+      <p:transition spd="slow" p14:dur="1500" advTm="0"/>
+    </mc:Choice>
+    <mc:Fallback>
+      <p:transition spd="slow" advTm="0"/>
+    </mc:Fallback>
+  </mc:AlternateContent>
+  <p:timing>
+    <p:tnLst>
+      <p:par>
+        <p:cTn id="1" dur="indefinite" restart="never" nodeType="tmRoot"/>
+      </p:par>
+    </p:tnLst>
+  </p:timing>
+</p:sld>
+</file>
+
+<file path=ppt/slides/slide19.xml><?xml version="1.0" encoding="utf-8"?>
+<p:sld xmlns:a="http://schemas.openxmlformats.org/drawingml/2006/main" xmlns:r="http://schemas.openxmlformats.org/officeDocument/2006/relationships" xmlns:p="http://schemas.openxmlformats.org/presentationml/2006/main">
+  <p:cSld>
+    <p:spTree>
+      <p:nvGrpSpPr>
+        <p:cNvPr id="1" name=""/>
+        <p:cNvGrpSpPr/>
+        <p:nvPr/>
+      </p:nvGrpSpPr>
+      <p:grpSpPr/>
+      <p:pic>
+        <p:nvPicPr>
+          <p:cNvPr id="3" name="图片 2"/>
+          <p:cNvPicPr>
+            <a:picLocks noChangeAspect="1"/>
+          </p:cNvPicPr>
+          <p:nvPr/>
+        </p:nvPicPr>
+        <p:blipFill>
+          <a:blip r:embed="rId1"/>
+          <a:stretch>
+            <a:fillRect/>
+          </a:stretch>
+        </p:blipFill>
+        <p:spPr>
+          <a:xfrm>
+            <a:off x="302260" y="176530"/>
+            <a:ext cx="628650" cy="762000"/>
+          </a:xfrm>
+          <a:prstGeom prst="rect">
+            <a:avLst/>
+          </a:prstGeom>
+        </p:spPr>
+      </p:pic>
+      <p:sp>
+        <p:nvSpPr>
+          <p:cNvPr id="19" name="文本框 18"/>
+          <p:cNvSpPr txBox="1"/>
+          <p:nvPr/>
+        </p:nvSpPr>
+        <p:spPr>
+          <a:xfrm>
+            <a:off x="931073" y="327719"/>
+            <a:ext cx="5908345" cy="460375"/>
+          </a:xfrm>
+          <a:prstGeom prst="rect">
+            <a:avLst/>
+          </a:prstGeom>
+          <a:noFill/>
+        </p:spPr>
+        <p:txBody>
+          <a:bodyPr wrap="square" rtlCol="0">
+            <a:spAutoFit/>
+          </a:bodyPr>
+          <a:p>
+            <a:pPr defTabSz="862965">
+              <a:lnSpc>
+                <a:spcPct val="100000"/>
+              </a:lnSpc>
+              <a:spcBef>
+                <a:spcPts val="2265"/>
+              </a:spcBef>
+              <a:defRPr sz="1800">
+                <a:solidFill>
+                  <a:srgbClr val="000000"/>
+                </a:solidFill>
+              </a:defRPr>
+            </a:pPr>
+            <a:r>
+              <a:rPr lang="zh-CN" altLang="en-US" sz="2400" b="1" dirty="0">
+                <a:solidFill>
+                  <a:srgbClr val="3D5F6B"/>
+                </a:solidFill>
+                <a:ea typeface="微软雅黑" panose="020B0503020204020204" pitchFamily="34" charset="-122"/>
+                <a:cs typeface="Arial" panose="020B0604020202020204" pitchFamily="34" charset="0"/>
+                <a:sym typeface="Calibri" panose="020F0502020204030204" charset="0"/>
+              </a:rPr>
+              <a:t>内部系统</a:t>
+            </a:r>
+            <a:r>
+              <a:rPr lang="zh-CN" altLang="en-US" sz="2400" b="1" dirty="0">
+                <a:solidFill>
+                  <a:srgbClr val="3D5F6B"/>
+                </a:solidFill>
+                <a:ea typeface="微软雅黑" panose="020B0503020204020204" pitchFamily="34" charset="-122"/>
+                <a:cs typeface="Arial" panose="020B0604020202020204" pitchFamily="34" charset="0"/>
+                <a:sym typeface="Calibri" panose="020F0502020204030204" charset="0"/>
+              </a:rPr>
+              <a:t>设计</a:t>
+            </a:r>
+            <a:endParaRPr lang="zh-CN" altLang="en-US" sz="2400" b="1" dirty="0">
+              <a:solidFill>
+                <a:srgbClr val="3D5F6B"/>
+              </a:solidFill>
+              <a:ea typeface="微软雅黑" panose="020B0503020204020204" pitchFamily="34" charset="-122"/>
+              <a:cs typeface="Arial" panose="020B0604020202020204" pitchFamily="34" charset="0"/>
+              <a:sym typeface="Calibri" panose="020F0502020204030204" charset="0"/>
+            </a:endParaRPr>
+          </a:p>
+        </p:txBody>
+      </p:sp>
+      <p:sp>
+        <p:nvSpPr>
+          <p:cNvPr id="4" name="椭圆 3"/>
+          <p:cNvSpPr/>
+          <p:nvPr/>
+        </p:nvSpPr>
+        <p:spPr>
+          <a:xfrm>
+            <a:off x="4276725" y="2693035"/>
+            <a:ext cx="1726565" cy="1677670"/>
+          </a:xfrm>
+          <a:prstGeom prst="ellipse">
+            <a:avLst/>
+          </a:prstGeom>
+          <a:solidFill>
+            <a:schemeClr val="accent4"/>
+          </a:solidFill>
+        </p:spPr>
+        <p:style>
+          <a:lnRef idx="2">
+            <a:schemeClr val="accent1">
+              <a:shade val="50000"/>
+            </a:schemeClr>
+          </a:lnRef>
+          <a:fillRef idx="1">
+            <a:schemeClr val="accent1"/>
+          </a:fillRef>
+          <a:effectRef idx="0">
+            <a:schemeClr val="accent1"/>
+          </a:effectRef>
+          <a:fontRef idx="minor">
+            <a:schemeClr val="lt1"/>
+          </a:fontRef>
+        </p:style>
+        <p:txBody>
+          <a:bodyPr rtlCol="0" anchor="ctr"/>
+          <a:p>
+            <a:pPr algn="ctr"/>
+            <a:r>
+              <a:rPr lang="zh-CN" altLang="en-US"/>
+              <a:t>主链</a:t>
+            </a:r>
+            <a:endParaRPr lang="zh-CN" altLang="en-US"/>
+          </a:p>
+          <a:p>
+            <a:pPr algn="ctr"/>
+            <a:r>
+              <a:rPr lang="en-US" altLang="zh-CN"/>
+              <a:t>IPFS</a:t>
+            </a:r>
+            <a:endParaRPr lang="en-US" altLang="zh-CN"/>
+          </a:p>
+        </p:txBody>
+      </p:sp>
+      <p:sp>
+        <p:nvSpPr>
+          <p:cNvPr id="5" name="椭圆 4"/>
+          <p:cNvSpPr/>
+          <p:nvPr/>
+        </p:nvSpPr>
+        <p:spPr>
+          <a:xfrm>
+            <a:off x="4742815" y="1270635"/>
+            <a:ext cx="794385" cy="775335"/>
+          </a:xfrm>
+          <a:prstGeom prst="ellipse">
+            <a:avLst/>
+          </a:prstGeom>
+        </p:spPr>
+        <p:style>
+          <a:lnRef idx="2">
+            <a:schemeClr val="accent1">
+              <a:shade val="50000"/>
+            </a:schemeClr>
+          </a:lnRef>
+          <a:fillRef idx="1">
+            <a:schemeClr val="accent1"/>
+          </a:fillRef>
+          <a:effectRef idx="0">
+            <a:schemeClr val="accent1"/>
+          </a:effectRef>
+          <a:fontRef idx="minor">
+            <a:schemeClr val="lt1"/>
+          </a:fontRef>
+        </p:style>
+        <p:txBody>
+          <a:bodyPr rtlCol="0" anchor="ctr"/>
+          <a:p>
+            <a:pPr algn="ctr"/>
+            <a:r>
+              <a:rPr lang="zh-CN" altLang="en-US" sz="1400"/>
+              <a:t>子链</a:t>
+            </a:r>
+            <a:endParaRPr lang="zh-CN" altLang="en-US" sz="1400"/>
+          </a:p>
+        </p:txBody>
+      </p:sp>
+      <p:sp>
+        <p:nvSpPr>
+          <p:cNvPr id="6" name="椭圆 5"/>
+          <p:cNvSpPr/>
+          <p:nvPr/>
+        </p:nvSpPr>
+        <p:spPr>
+          <a:xfrm>
+            <a:off x="2802255" y="3144520"/>
+            <a:ext cx="794385" cy="775335"/>
+          </a:xfrm>
+          <a:prstGeom prst="ellipse">
+            <a:avLst/>
+          </a:prstGeom>
+        </p:spPr>
+        <p:style>
+          <a:lnRef idx="2">
+            <a:schemeClr val="accent1">
+              <a:shade val="50000"/>
+            </a:schemeClr>
+          </a:lnRef>
+          <a:fillRef idx="1">
+            <a:schemeClr val="accent1"/>
+          </a:fillRef>
+          <a:effectRef idx="0">
+            <a:schemeClr val="accent1"/>
+          </a:effectRef>
+          <a:fontRef idx="minor">
+            <a:schemeClr val="lt1"/>
+          </a:fontRef>
+        </p:style>
+        <p:txBody>
+          <a:bodyPr rtlCol="0" anchor="ctr"/>
+          <a:p>
+            <a:pPr algn="ctr"/>
+            <a:r>
+              <a:rPr lang="zh-CN" altLang="en-US" sz="1400"/>
+              <a:t>子链</a:t>
+            </a:r>
+            <a:endParaRPr lang="zh-CN" altLang="en-US" sz="1400"/>
+          </a:p>
+        </p:txBody>
+      </p:sp>
+      <p:sp>
+        <p:nvSpPr>
+          <p:cNvPr id="9" name="椭圆 8"/>
+          <p:cNvSpPr/>
+          <p:nvPr/>
+        </p:nvSpPr>
+        <p:spPr>
+          <a:xfrm>
+            <a:off x="4742815" y="5017770"/>
+            <a:ext cx="794385" cy="775335"/>
+          </a:xfrm>
+          <a:prstGeom prst="ellipse">
+            <a:avLst/>
+          </a:prstGeom>
+        </p:spPr>
+        <p:style>
+          <a:lnRef idx="2">
+            <a:schemeClr val="accent1">
+              <a:shade val="50000"/>
+            </a:schemeClr>
+          </a:lnRef>
+          <a:fillRef idx="1">
+            <a:schemeClr val="accent1"/>
+          </a:fillRef>
+          <a:effectRef idx="0">
+            <a:schemeClr val="accent1"/>
+          </a:effectRef>
+          <a:fontRef idx="minor">
+            <a:schemeClr val="lt1"/>
+          </a:fontRef>
+        </p:style>
+        <p:txBody>
+          <a:bodyPr rtlCol="0" anchor="ctr"/>
+          <a:p>
+            <a:pPr algn="ctr"/>
+            <a:r>
+              <a:rPr lang="zh-CN" altLang="en-US" sz="1400"/>
+              <a:t>子链</a:t>
+            </a:r>
+            <a:endParaRPr lang="zh-CN" altLang="en-US" sz="1400"/>
+          </a:p>
+        </p:txBody>
+      </p:sp>
+      <p:sp>
+        <p:nvSpPr>
+          <p:cNvPr id="13" name="椭圆 12"/>
+          <p:cNvSpPr/>
+          <p:nvPr/>
+        </p:nvSpPr>
+        <p:spPr>
+          <a:xfrm>
+            <a:off x="6163310" y="1917700"/>
+            <a:ext cx="794385" cy="775335"/>
+          </a:xfrm>
+          <a:prstGeom prst="ellipse">
+            <a:avLst/>
+          </a:prstGeom>
+        </p:spPr>
+        <p:style>
+          <a:lnRef idx="2">
+            <a:schemeClr val="accent1">
+              <a:shade val="50000"/>
+            </a:schemeClr>
+          </a:lnRef>
+          <a:fillRef idx="1">
+            <a:schemeClr val="accent1"/>
+          </a:fillRef>
+          <a:effectRef idx="0">
+            <a:schemeClr val="accent1"/>
+          </a:effectRef>
+          <a:fontRef idx="minor">
+            <a:schemeClr val="lt1"/>
+          </a:fontRef>
+        </p:style>
+        <p:txBody>
+          <a:bodyPr rtlCol="0" anchor="ctr"/>
+          <a:p>
+            <a:pPr algn="ctr"/>
+            <a:r>
+              <a:rPr lang="zh-CN" altLang="en-US" sz="1400"/>
+              <a:t>子链</a:t>
+            </a:r>
+            <a:endParaRPr lang="zh-CN" altLang="en-US" sz="1400"/>
+          </a:p>
+        </p:txBody>
+      </p:sp>
+      <p:sp>
+        <p:nvSpPr>
+          <p:cNvPr id="18" name="椭圆 17"/>
+          <p:cNvSpPr/>
+          <p:nvPr/>
+        </p:nvSpPr>
+        <p:spPr>
+          <a:xfrm>
+            <a:off x="6163310" y="4370705"/>
+            <a:ext cx="794385" cy="775335"/>
+          </a:xfrm>
+          <a:prstGeom prst="ellipse">
+            <a:avLst/>
+          </a:prstGeom>
+        </p:spPr>
+        <p:style>
+          <a:lnRef idx="2">
+            <a:schemeClr val="accent1">
+              <a:shade val="50000"/>
+            </a:schemeClr>
+          </a:lnRef>
+          <a:fillRef idx="1">
+            <a:schemeClr val="accent1"/>
+          </a:fillRef>
+          <a:effectRef idx="0">
+            <a:schemeClr val="accent1"/>
+          </a:effectRef>
+          <a:fontRef idx="minor">
+            <a:schemeClr val="lt1"/>
+          </a:fontRef>
+        </p:style>
+        <p:txBody>
+          <a:bodyPr rtlCol="0" anchor="ctr"/>
+          <a:p>
+            <a:pPr algn="ctr"/>
+            <a:r>
+              <a:rPr lang="zh-CN" altLang="en-US" sz="1400"/>
+              <a:t>子链</a:t>
+            </a:r>
+            <a:endParaRPr lang="zh-CN" altLang="en-US" sz="1400"/>
+          </a:p>
+        </p:txBody>
+      </p:sp>
+      <p:sp>
+        <p:nvSpPr>
+          <p:cNvPr id="20" name="椭圆 19"/>
+          <p:cNvSpPr/>
+          <p:nvPr/>
+        </p:nvSpPr>
+        <p:spPr>
+          <a:xfrm>
+            <a:off x="3482340" y="1917700"/>
+            <a:ext cx="794385" cy="775335"/>
+          </a:xfrm>
+          <a:prstGeom prst="ellipse">
+            <a:avLst/>
+          </a:prstGeom>
+        </p:spPr>
+        <p:style>
+          <a:lnRef idx="2">
+            <a:schemeClr val="accent1">
+              <a:shade val="50000"/>
+            </a:schemeClr>
+          </a:lnRef>
+          <a:fillRef idx="1">
+            <a:schemeClr val="accent1"/>
+          </a:fillRef>
+          <a:effectRef idx="0">
+            <a:schemeClr val="accent1"/>
+          </a:effectRef>
+          <a:fontRef idx="minor">
+            <a:schemeClr val="lt1"/>
+          </a:fontRef>
+        </p:style>
+        <p:txBody>
+          <a:bodyPr rtlCol="0" anchor="ctr"/>
+          <a:p>
+            <a:pPr algn="ctr"/>
+            <a:r>
+              <a:rPr lang="zh-CN" altLang="en-US" sz="1400"/>
+              <a:t>子链</a:t>
+            </a:r>
+            <a:endParaRPr lang="zh-CN" altLang="en-US" sz="1400"/>
+          </a:p>
+        </p:txBody>
+      </p:sp>
+      <p:sp>
+        <p:nvSpPr>
+          <p:cNvPr id="22" name="椭圆 21"/>
+          <p:cNvSpPr/>
+          <p:nvPr/>
+        </p:nvSpPr>
+        <p:spPr>
+          <a:xfrm>
+            <a:off x="3482340" y="4371340"/>
+            <a:ext cx="794385" cy="775335"/>
+          </a:xfrm>
+          <a:prstGeom prst="ellipse">
+            <a:avLst/>
+          </a:prstGeom>
+        </p:spPr>
+        <p:style>
+          <a:lnRef idx="2">
+            <a:schemeClr val="accent1">
+              <a:shade val="50000"/>
+            </a:schemeClr>
+          </a:lnRef>
+          <a:fillRef idx="1">
+            <a:schemeClr val="accent1"/>
+          </a:fillRef>
+          <a:effectRef idx="0">
+            <a:schemeClr val="accent1"/>
+          </a:effectRef>
+          <a:fontRef idx="minor">
+            <a:schemeClr val="lt1"/>
+          </a:fontRef>
+        </p:style>
+        <p:txBody>
+          <a:bodyPr rtlCol="0" anchor="ctr"/>
+          <a:p>
+            <a:pPr algn="ctr"/>
+            <a:r>
+              <a:rPr lang="zh-CN" altLang="en-US" sz="1400"/>
+              <a:t>子链</a:t>
+            </a:r>
+            <a:endParaRPr lang="zh-CN" altLang="en-US" sz="1400"/>
+          </a:p>
+        </p:txBody>
+      </p:sp>
+      <p:sp>
+        <p:nvSpPr>
+          <p:cNvPr id="35" name="椭圆 34"/>
+          <p:cNvSpPr/>
+          <p:nvPr/>
+        </p:nvSpPr>
+        <p:spPr>
+          <a:xfrm>
+            <a:off x="7842250" y="2967355"/>
+            <a:ext cx="1196340" cy="1128395"/>
+          </a:xfrm>
+          <a:prstGeom prst="ellipse">
+            <a:avLst/>
+          </a:prstGeom>
+          <a:solidFill>
+            <a:srgbClr val="00B050"/>
+          </a:solidFill>
+        </p:spPr>
+        <p:style>
+          <a:lnRef idx="2">
+            <a:schemeClr val="accent1">
+              <a:shade val="50000"/>
+            </a:schemeClr>
+          </a:lnRef>
+          <a:fillRef idx="1">
+            <a:schemeClr val="accent1"/>
+          </a:fillRef>
+          <a:effectRef idx="0">
+            <a:schemeClr val="accent1"/>
+          </a:effectRef>
+          <a:fontRef idx="minor">
+            <a:schemeClr val="lt1"/>
+          </a:fontRef>
+        </p:style>
+        <p:txBody>
+          <a:bodyPr rtlCol="0" anchor="ctr"/>
+          <a:p>
+            <a:pPr algn="ctr"/>
+            <a:r>
+              <a:rPr lang="zh-CN" altLang="en-US" sz="1400"/>
+              <a:t>外部</a:t>
+            </a:r>
+            <a:r>
+              <a:rPr lang="zh-CN" altLang="en-US" sz="1400"/>
+              <a:t>链</a:t>
+            </a:r>
+            <a:endParaRPr lang="zh-CN" altLang="en-US" sz="1400"/>
+          </a:p>
+        </p:txBody>
+      </p:sp>
+      <p:cxnSp>
+        <p:nvCxnSpPr>
+          <p:cNvPr id="36" name="直接箭头连接符 35"/>
+          <p:cNvCxnSpPr>
+            <a:stCxn id="5" idx="4"/>
+            <a:endCxn id="4" idx="0"/>
+          </p:cNvCxnSpPr>
+          <p:nvPr/>
+        </p:nvCxnSpPr>
+        <p:spPr>
+          <a:xfrm>
+            <a:off x="5140325" y="2045970"/>
+            <a:ext cx="0" cy="647065"/>
+          </a:xfrm>
+          <a:prstGeom prst="straightConnector1">
+            <a:avLst/>
+          </a:prstGeom>
+          <a:ln>
+            <a:headEnd type="arrow"/>
+            <a:tailEnd type="arrow"/>
+          </a:ln>
+        </p:spPr>
+        <p:style>
+          <a:lnRef idx="1">
+            <a:schemeClr val="accent1"/>
+          </a:lnRef>
+          <a:fillRef idx="0">
+            <a:schemeClr val="accent1"/>
+          </a:fillRef>
+          <a:effectRef idx="0">
+            <a:schemeClr val="accent1"/>
+          </a:effectRef>
+          <a:fontRef idx="minor">
+            <a:schemeClr val="tx1"/>
+          </a:fontRef>
+        </p:style>
+      </p:cxnSp>
+      <p:cxnSp>
+        <p:nvCxnSpPr>
+          <p:cNvPr id="37" name="直接箭头连接符 36"/>
+          <p:cNvCxnSpPr>
+            <a:stCxn id="20" idx="5"/>
+            <a:endCxn id="4" idx="1"/>
+          </p:cNvCxnSpPr>
+          <p:nvPr/>
+        </p:nvCxnSpPr>
+        <p:spPr>
+          <a:xfrm>
+            <a:off x="4160520" y="2579370"/>
+            <a:ext cx="368935" cy="359410"/>
+          </a:xfrm>
+          <a:prstGeom prst="straightConnector1">
+            <a:avLst/>
+          </a:prstGeom>
+          <a:ln>
+            <a:headEnd type="arrow"/>
+            <a:tailEnd type="arrow"/>
+          </a:ln>
+        </p:spPr>
+        <p:style>
+          <a:lnRef idx="1">
+            <a:schemeClr val="accent1"/>
+          </a:lnRef>
+          <a:fillRef idx="0">
+            <a:schemeClr val="accent1"/>
+          </a:fillRef>
+          <a:effectRef idx="0">
+            <a:schemeClr val="accent1"/>
+          </a:effectRef>
+          <a:fontRef idx="minor">
+            <a:schemeClr val="tx1"/>
+          </a:fontRef>
+        </p:style>
+      </p:cxnSp>
+      <p:cxnSp>
+        <p:nvCxnSpPr>
+          <p:cNvPr id="41" name="直接箭头连接符 40"/>
+          <p:cNvCxnSpPr>
+            <a:stCxn id="6" idx="6"/>
+            <a:endCxn id="4" idx="2"/>
+          </p:cNvCxnSpPr>
+          <p:nvPr/>
+        </p:nvCxnSpPr>
+        <p:spPr>
+          <a:xfrm flipV="1">
+            <a:off x="3596640" y="3531870"/>
+            <a:ext cx="680085" cy="635"/>
+          </a:xfrm>
+          <a:prstGeom prst="straightConnector1">
+            <a:avLst/>
+          </a:prstGeom>
+          <a:ln>
+            <a:headEnd type="arrow"/>
+            <a:tailEnd type="arrow"/>
+          </a:ln>
+        </p:spPr>
+        <p:style>
+          <a:lnRef idx="1">
+            <a:schemeClr val="accent1"/>
+          </a:lnRef>
+          <a:fillRef idx="0">
+            <a:schemeClr val="accent1"/>
+          </a:fillRef>
+          <a:effectRef idx="0">
+            <a:schemeClr val="accent1"/>
+          </a:effectRef>
+          <a:fontRef idx="minor">
+            <a:schemeClr val="tx1"/>
+          </a:fontRef>
+        </p:style>
+      </p:cxnSp>
+      <p:cxnSp>
+        <p:nvCxnSpPr>
+          <p:cNvPr id="43" name="直接箭头连接符 42"/>
+          <p:cNvCxnSpPr>
+            <a:stCxn id="22" idx="7"/>
+            <a:endCxn id="4" idx="3"/>
+          </p:cNvCxnSpPr>
+          <p:nvPr/>
+        </p:nvCxnSpPr>
+        <p:spPr>
+          <a:xfrm flipV="1">
+            <a:off x="4160520" y="4124960"/>
+            <a:ext cx="368935" cy="360045"/>
+          </a:xfrm>
+          <a:prstGeom prst="straightConnector1">
+            <a:avLst/>
+          </a:prstGeom>
+          <a:ln>
+            <a:headEnd type="arrow"/>
+            <a:tailEnd type="arrow"/>
+          </a:ln>
+        </p:spPr>
+        <p:style>
+          <a:lnRef idx="1">
+            <a:schemeClr val="accent1"/>
+          </a:lnRef>
+          <a:fillRef idx="0">
+            <a:schemeClr val="accent1"/>
+          </a:fillRef>
+          <a:effectRef idx="0">
+            <a:schemeClr val="accent1"/>
+          </a:effectRef>
+          <a:fontRef idx="minor">
+            <a:schemeClr val="tx1"/>
+          </a:fontRef>
+        </p:style>
+      </p:cxnSp>
+      <p:cxnSp>
+        <p:nvCxnSpPr>
+          <p:cNvPr id="44" name="直接箭头连接符 43"/>
+          <p:cNvCxnSpPr>
+            <a:stCxn id="4" idx="4"/>
+            <a:endCxn id="9" idx="0"/>
+          </p:cNvCxnSpPr>
+          <p:nvPr/>
+        </p:nvCxnSpPr>
+        <p:spPr>
+          <a:xfrm>
+            <a:off x="5140325" y="4370705"/>
+            <a:ext cx="0" cy="647065"/>
+          </a:xfrm>
+          <a:prstGeom prst="straightConnector1">
+            <a:avLst/>
+          </a:prstGeom>
+          <a:ln>
+            <a:headEnd type="arrow"/>
+            <a:tailEnd type="arrow"/>
+          </a:ln>
+        </p:spPr>
+        <p:style>
+          <a:lnRef idx="1">
+            <a:schemeClr val="accent1"/>
+          </a:lnRef>
+          <a:fillRef idx="0">
+            <a:schemeClr val="accent1"/>
+          </a:fillRef>
+          <a:effectRef idx="0">
+            <a:schemeClr val="accent1"/>
+          </a:effectRef>
+          <a:fontRef idx="minor">
+            <a:schemeClr val="tx1"/>
+          </a:fontRef>
+        </p:style>
+      </p:cxnSp>
+      <p:cxnSp>
+        <p:nvCxnSpPr>
+          <p:cNvPr id="45" name="直接箭头连接符 44"/>
+          <p:cNvCxnSpPr>
+            <a:stCxn id="4" idx="5"/>
+            <a:endCxn id="18" idx="1"/>
+          </p:cNvCxnSpPr>
+          <p:nvPr/>
+        </p:nvCxnSpPr>
+        <p:spPr>
+          <a:xfrm>
+            <a:off x="5750560" y="4124960"/>
+            <a:ext cx="528955" cy="359410"/>
+          </a:xfrm>
+          <a:prstGeom prst="straightConnector1">
+            <a:avLst/>
+          </a:prstGeom>
+          <a:ln>
+            <a:headEnd type="arrow"/>
+            <a:tailEnd type="arrow"/>
+          </a:ln>
+        </p:spPr>
+        <p:style>
+          <a:lnRef idx="1">
+            <a:schemeClr val="accent1"/>
+          </a:lnRef>
+          <a:fillRef idx="0">
+            <a:schemeClr val="accent1"/>
+          </a:fillRef>
+          <a:effectRef idx="0">
+            <a:schemeClr val="accent1"/>
+          </a:effectRef>
+          <a:fontRef idx="minor">
+            <a:schemeClr val="tx1"/>
+          </a:fontRef>
+        </p:style>
+      </p:cxnSp>
+      <p:cxnSp>
+        <p:nvCxnSpPr>
+          <p:cNvPr id="46" name="直接箭头连接符 45"/>
+          <p:cNvCxnSpPr>
+            <a:stCxn id="13" idx="3"/>
+            <a:endCxn id="4" idx="7"/>
+          </p:cNvCxnSpPr>
+          <p:nvPr/>
+        </p:nvCxnSpPr>
+        <p:spPr>
+          <a:xfrm flipH="1">
+            <a:off x="5750560" y="2579370"/>
+            <a:ext cx="528955" cy="359410"/>
+          </a:xfrm>
+          <a:prstGeom prst="straightConnector1">
+            <a:avLst/>
+          </a:prstGeom>
+          <a:ln>
+            <a:headEnd type="arrow"/>
+            <a:tailEnd type="arrow"/>
+          </a:ln>
+        </p:spPr>
+        <p:style>
+          <a:lnRef idx="1">
+            <a:schemeClr val="accent1"/>
+          </a:lnRef>
+          <a:fillRef idx="0">
+            <a:schemeClr val="accent1"/>
+          </a:fillRef>
+          <a:effectRef idx="0">
+            <a:schemeClr val="accent1"/>
+          </a:effectRef>
+          <a:fontRef idx="minor">
+            <a:schemeClr val="tx1"/>
+          </a:fontRef>
+        </p:style>
+      </p:cxnSp>
+      <p:cxnSp>
+        <p:nvCxnSpPr>
+          <p:cNvPr id="47" name="直接箭头连接符 46"/>
+          <p:cNvCxnSpPr>
+            <a:stCxn id="4" idx="6"/>
+            <a:endCxn id="35" idx="2"/>
+          </p:cNvCxnSpPr>
+          <p:nvPr/>
+        </p:nvCxnSpPr>
+        <p:spPr>
+          <a:xfrm>
+            <a:off x="6003290" y="3531870"/>
+            <a:ext cx="1838960" cy="0"/>
+          </a:xfrm>
+          <a:prstGeom prst="straightConnector1">
+            <a:avLst/>
+          </a:prstGeom>
+          <a:ln>
+            <a:headEnd type="arrow"/>
+            <a:tailEnd type="arrow"/>
+          </a:ln>
+        </p:spPr>
+        <p:style>
+          <a:lnRef idx="1">
+            <a:schemeClr val="accent1"/>
+          </a:lnRef>
+          <a:fillRef idx="0">
+            <a:schemeClr val="accent1"/>
+          </a:fillRef>
+          <a:effectRef idx="0">
+            <a:schemeClr val="accent1"/>
+          </a:effectRef>
+          <a:fontRef idx="minor">
+            <a:schemeClr val="tx1"/>
+          </a:fontRef>
+        </p:style>
+      </p:cxnSp>
+      <p:sp>
+        <p:nvSpPr>
+          <p:cNvPr id="48" name="文本框 47"/>
+          <p:cNvSpPr txBox="1"/>
+          <p:nvPr/>
+        </p:nvSpPr>
+        <p:spPr>
+          <a:xfrm>
+            <a:off x="6386830" y="3225165"/>
+            <a:ext cx="1071880" cy="306705"/>
+          </a:xfrm>
+          <a:prstGeom prst="rect">
+            <a:avLst/>
+          </a:prstGeom>
+          <a:noFill/>
+        </p:spPr>
+        <p:txBody>
+          <a:bodyPr wrap="none" rtlCol="0">
+            <a:spAutoFit/>
+          </a:bodyPr>
+          <a:p>
+            <a:r>
+              <a:rPr lang="zh-CN" altLang="en-US" sz="1400"/>
+              <a:t>锚定、跨链</a:t>
+            </a:r>
+            <a:endParaRPr lang="zh-CN" altLang="en-US" sz="1400"/>
+          </a:p>
+        </p:txBody>
+      </p:sp>
+      <p:sp>
+        <p:nvSpPr>
+          <p:cNvPr id="50" name="椭圆 49"/>
+          <p:cNvSpPr/>
+          <p:nvPr/>
+        </p:nvSpPr>
+        <p:spPr>
+          <a:xfrm>
+            <a:off x="1214120" y="4389755"/>
+            <a:ext cx="794385" cy="775335"/>
+          </a:xfrm>
+          <a:prstGeom prst="ellipse">
+            <a:avLst/>
+          </a:prstGeom>
+        </p:spPr>
+        <p:style>
+          <a:lnRef idx="2">
+            <a:schemeClr val="accent3">
+              <a:shade val="50000"/>
+            </a:schemeClr>
+          </a:lnRef>
+          <a:fillRef idx="1">
+            <a:schemeClr val="accent3"/>
+          </a:fillRef>
+          <a:effectRef idx="0">
+            <a:schemeClr val="accent3"/>
+          </a:effectRef>
+          <a:fontRef idx="minor">
+            <a:schemeClr val="lt1"/>
+          </a:fontRef>
+        </p:style>
+        <p:txBody>
+          <a:bodyPr rtlCol="0" anchor="ctr"/>
+          <a:p>
+            <a:pPr algn="ctr"/>
+            <a:r>
+              <a:rPr lang="zh-CN" altLang="en-US" sz="1400"/>
+              <a:t>业务系统</a:t>
+            </a:r>
+            <a:endParaRPr lang="zh-CN" altLang="en-US" sz="1400"/>
+          </a:p>
+        </p:txBody>
+      </p:sp>
+      <p:sp>
+        <p:nvSpPr>
+          <p:cNvPr id="51" name="椭圆 50"/>
+          <p:cNvSpPr/>
+          <p:nvPr/>
+        </p:nvSpPr>
+        <p:spPr>
+          <a:xfrm>
+            <a:off x="1214120" y="1917700"/>
+            <a:ext cx="794385" cy="775335"/>
+          </a:xfrm>
+          <a:prstGeom prst="ellipse">
+            <a:avLst/>
+          </a:prstGeom>
+        </p:spPr>
+        <p:style>
+          <a:lnRef idx="2">
+            <a:schemeClr val="accent3">
+              <a:shade val="50000"/>
+            </a:schemeClr>
+          </a:lnRef>
+          <a:fillRef idx="1">
+            <a:schemeClr val="accent3"/>
+          </a:fillRef>
+          <a:effectRef idx="0">
+            <a:schemeClr val="accent3"/>
+          </a:effectRef>
+          <a:fontRef idx="minor">
+            <a:schemeClr val="lt1"/>
+          </a:fontRef>
+        </p:style>
+        <p:txBody>
+          <a:bodyPr rtlCol="0" anchor="ctr"/>
+          <a:p>
+            <a:pPr algn="ctr"/>
+            <a:r>
+              <a:rPr lang="zh-CN" altLang="en-US" sz="1400"/>
+              <a:t>业务系统</a:t>
+            </a:r>
+            <a:endParaRPr lang="zh-CN" altLang="en-US" sz="1400"/>
+          </a:p>
+        </p:txBody>
+      </p:sp>
+      <p:sp>
+        <p:nvSpPr>
+          <p:cNvPr id="52" name="椭圆 51"/>
+          <p:cNvSpPr/>
+          <p:nvPr/>
+        </p:nvSpPr>
+        <p:spPr>
+          <a:xfrm>
+            <a:off x="1214120" y="3143885"/>
+            <a:ext cx="794385" cy="775335"/>
+          </a:xfrm>
+          <a:prstGeom prst="ellipse">
+            <a:avLst/>
+          </a:prstGeom>
+        </p:spPr>
+        <p:style>
+          <a:lnRef idx="2">
+            <a:schemeClr val="accent3">
+              <a:shade val="50000"/>
+            </a:schemeClr>
+          </a:lnRef>
+          <a:fillRef idx="1">
+            <a:schemeClr val="accent3"/>
+          </a:fillRef>
+          <a:effectRef idx="0">
+            <a:schemeClr val="accent3"/>
+          </a:effectRef>
+          <a:fontRef idx="minor">
+            <a:schemeClr val="lt1"/>
+          </a:fontRef>
+        </p:style>
+        <p:txBody>
+          <a:bodyPr rtlCol="0" anchor="ctr"/>
+          <a:p>
+            <a:pPr algn="ctr"/>
+            <a:r>
+              <a:rPr lang="zh-CN" altLang="en-US" sz="1400"/>
+              <a:t>业务系统</a:t>
+            </a:r>
+            <a:endParaRPr lang="zh-CN" altLang="en-US" sz="1400"/>
+          </a:p>
+        </p:txBody>
+      </p:sp>
+      <p:cxnSp>
+        <p:nvCxnSpPr>
+          <p:cNvPr id="53" name="直接箭头连接符 52"/>
+          <p:cNvCxnSpPr>
+            <a:stCxn id="51" idx="6"/>
+            <a:endCxn id="20" idx="2"/>
+          </p:cNvCxnSpPr>
+          <p:nvPr/>
+        </p:nvCxnSpPr>
+        <p:spPr>
+          <a:xfrm>
+            <a:off x="2008505" y="2305685"/>
+            <a:ext cx="1473835" cy="0"/>
+          </a:xfrm>
+          <a:prstGeom prst="straightConnector1">
+            <a:avLst/>
+          </a:prstGeom>
+          <a:ln>
+            <a:headEnd type="arrow"/>
+            <a:tailEnd type="arrow"/>
+          </a:ln>
+        </p:spPr>
+        <p:style>
+          <a:lnRef idx="1">
+            <a:schemeClr val="accent1"/>
+          </a:lnRef>
+          <a:fillRef idx="0">
+            <a:schemeClr val="accent1"/>
+          </a:fillRef>
+          <a:effectRef idx="0">
+            <a:schemeClr val="accent1"/>
+          </a:effectRef>
+          <a:fontRef idx="minor">
+            <a:schemeClr val="tx1"/>
+          </a:fontRef>
+        </p:style>
+      </p:cxnSp>
+      <p:cxnSp>
+        <p:nvCxnSpPr>
+          <p:cNvPr id="54" name="直接箭头连接符 53"/>
+          <p:cNvCxnSpPr>
+            <a:stCxn id="52" idx="6"/>
+            <a:endCxn id="6" idx="2"/>
+          </p:cNvCxnSpPr>
+          <p:nvPr/>
+        </p:nvCxnSpPr>
+        <p:spPr>
+          <a:xfrm>
+            <a:off x="2008505" y="3531870"/>
+            <a:ext cx="793750" cy="635"/>
+          </a:xfrm>
+          <a:prstGeom prst="straightConnector1">
+            <a:avLst/>
+          </a:prstGeom>
+          <a:ln>
+            <a:headEnd type="arrow"/>
+            <a:tailEnd type="arrow"/>
+          </a:ln>
+        </p:spPr>
+        <p:style>
+          <a:lnRef idx="1">
+            <a:schemeClr val="accent1"/>
+          </a:lnRef>
+          <a:fillRef idx="0">
+            <a:schemeClr val="accent1"/>
+          </a:fillRef>
+          <a:effectRef idx="0">
+            <a:schemeClr val="accent1"/>
+          </a:effectRef>
+          <a:fontRef idx="minor">
+            <a:schemeClr val="tx1"/>
+          </a:fontRef>
+        </p:style>
+      </p:cxnSp>
+      <p:cxnSp>
+        <p:nvCxnSpPr>
+          <p:cNvPr id="55" name="直接箭头连接符 54"/>
+          <p:cNvCxnSpPr>
+            <a:stCxn id="50" idx="6"/>
+            <a:endCxn id="22" idx="2"/>
+          </p:cNvCxnSpPr>
+          <p:nvPr/>
+        </p:nvCxnSpPr>
+        <p:spPr>
+          <a:xfrm flipV="1">
+            <a:off x="2008505" y="4759325"/>
+            <a:ext cx="1473835" cy="18415"/>
+          </a:xfrm>
+          <a:prstGeom prst="straightConnector1">
+            <a:avLst/>
+          </a:prstGeom>
+          <a:ln>
+            <a:headEnd type="arrow"/>
+            <a:tailEnd type="arrow"/>
+          </a:ln>
+        </p:spPr>
+        <p:style>
+          <a:lnRef idx="1">
+            <a:schemeClr val="accent1"/>
+          </a:lnRef>
+          <a:fillRef idx="0">
+            <a:schemeClr val="accent1"/>
+          </a:fillRef>
+          <a:effectRef idx="0">
+            <a:schemeClr val="accent1"/>
+          </a:effectRef>
+          <a:fontRef idx="minor">
+            <a:schemeClr val="tx1"/>
+          </a:fontRef>
+        </p:style>
+      </p:cxnSp>
+      <p:sp>
+        <p:nvSpPr>
+          <p:cNvPr id="56" name="椭圆 55"/>
+          <p:cNvSpPr/>
+          <p:nvPr/>
+        </p:nvSpPr>
+        <p:spPr>
+          <a:xfrm>
+            <a:off x="7842250" y="1012190"/>
+            <a:ext cx="1196340" cy="1128395"/>
+          </a:xfrm>
+          <a:prstGeom prst="ellipse">
+            <a:avLst/>
+          </a:prstGeom>
+          <a:solidFill>
+            <a:srgbClr val="00B050"/>
+          </a:solidFill>
+        </p:spPr>
+        <p:style>
+          <a:lnRef idx="2">
+            <a:schemeClr val="accent1">
+              <a:shade val="50000"/>
+            </a:schemeClr>
+          </a:lnRef>
+          <a:fillRef idx="1">
+            <a:schemeClr val="accent1"/>
+          </a:fillRef>
+          <a:effectRef idx="0">
+            <a:schemeClr val="accent1"/>
+          </a:effectRef>
+          <a:fontRef idx="minor">
+            <a:schemeClr val="lt1"/>
+          </a:fontRef>
+        </p:style>
+        <p:txBody>
+          <a:bodyPr rtlCol="0" anchor="ctr"/>
+          <a:p>
+            <a:pPr algn="ctr"/>
+            <a:r>
+              <a:rPr lang="zh-CN" altLang="en-US" sz="1400"/>
+              <a:t>隐私计算平台</a:t>
+            </a:r>
+            <a:endParaRPr lang="zh-CN" altLang="en-US" sz="1400"/>
+          </a:p>
+        </p:txBody>
+      </p:sp>
+      <p:cxnSp>
+        <p:nvCxnSpPr>
+          <p:cNvPr id="57" name="直接箭头连接符 56"/>
+          <p:cNvCxnSpPr>
+            <a:stCxn id="13" idx="6"/>
+            <a:endCxn id="56" idx="3"/>
+          </p:cNvCxnSpPr>
+          <p:nvPr/>
+        </p:nvCxnSpPr>
+        <p:spPr>
+          <a:xfrm flipV="1">
+            <a:off x="6957695" y="1975485"/>
+            <a:ext cx="1059815" cy="330200"/>
+          </a:xfrm>
+          <a:prstGeom prst="straightConnector1">
+            <a:avLst/>
+          </a:prstGeom>
+          <a:ln>
+            <a:headEnd type="arrow"/>
+            <a:tailEnd type="arrow"/>
+          </a:ln>
+        </p:spPr>
+        <p:style>
+          <a:lnRef idx="1">
+            <a:schemeClr val="accent1"/>
+          </a:lnRef>
+          <a:fillRef idx="0">
+            <a:schemeClr val="accent1"/>
+          </a:fillRef>
+          <a:effectRef idx="0">
+            <a:schemeClr val="accent1"/>
+          </a:effectRef>
+          <a:fontRef idx="minor">
+            <a:schemeClr val="tx1"/>
+          </a:fontRef>
+        </p:style>
+      </p:cxnSp>
+      <p:sp>
+        <p:nvSpPr>
+          <p:cNvPr id="58" name="圆角矩形 57"/>
+          <p:cNvSpPr/>
+          <p:nvPr/>
+        </p:nvSpPr>
+        <p:spPr>
+          <a:xfrm>
+            <a:off x="9857105" y="1005205"/>
+            <a:ext cx="1157605" cy="372745"/>
+          </a:xfrm>
+          <a:prstGeom prst="roundRect">
+            <a:avLst/>
+          </a:prstGeom>
+          <a:solidFill>
+            <a:schemeClr val="accent6"/>
+          </a:solidFill>
+        </p:spPr>
+        <p:style>
+          <a:lnRef idx="2">
+            <a:schemeClr val="accent1">
+              <a:shade val="50000"/>
+            </a:schemeClr>
+          </a:lnRef>
+          <a:fillRef idx="1">
+            <a:schemeClr val="accent1"/>
+          </a:fillRef>
+          <a:effectRef idx="0">
+            <a:schemeClr val="accent1"/>
+          </a:effectRef>
+          <a:fontRef idx="minor">
+            <a:schemeClr val="lt1"/>
+          </a:fontRef>
+        </p:style>
+        <p:txBody>
+          <a:bodyPr rtlCol="0" anchor="ctr"/>
+          <a:p>
+            <a:pPr algn="ctr"/>
+            <a:r>
+              <a:rPr lang="zh-CN" altLang="en-US" sz="1400"/>
+              <a:t>其他机构</a:t>
+            </a:r>
+            <a:endParaRPr lang="zh-CN" altLang="en-US" sz="1400"/>
+          </a:p>
+        </p:txBody>
+      </p:sp>
+      <p:sp>
+        <p:nvSpPr>
+          <p:cNvPr id="59" name="圆角矩形 58"/>
+          <p:cNvSpPr/>
+          <p:nvPr/>
+        </p:nvSpPr>
+        <p:spPr>
+          <a:xfrm>
+            <a:off x="9857105" y="1749425"/>
+            <a:ext cx="1157605" cy="372745"/>
+          </a:xfrm>
+          <a:prstGeom prst="roundRect">
+            <a:avLst/>
+          </a:prstGeom>
+          <a:solidFill>
+            <a:schemeClr val="accent6"/>
+          </a:solidFill>
+        </p:spPr>
+        <p:style>
+          <a:lnRef idx="2">
+            <a:schemeClr val="accent1">
+              <a:shade val="50000"/>
+            </a:schemeClr>
+          </a:lnRef>
+          <a:fillRef idx="1">
+            <a:schemeClr val="accent1"/>
+          </a:fillRef>
+          <a:effectRef idx="0">
+            <a:schemeClr val="accent1"/>
+          </a:effectRef>
+          <a:fontRef idx="minor">
+            <a:schemeClr val="lt1"/>
+          </a:fontRef>
+        </p:style>
+        <p:txBody>
+          <a:bodyPr rtlCol="0" anchor="ctr"/>
+          <a:p>
+            <a:pPr algn="ctr"/>
+            <a:r>
+              <a:rPr lang="zh-CN" altLang="en-US" sz="1400"/>
+              <a:t>其他机构</a:t>
+            </a:r>
+            <a:endParaRPr lang="zh-CN" altLang="en-US" sz="1400"/>
+          </a:p>
+        </p:txBody>
+      </p:sp>
+      <p:cxnSp>
+        <p:nvCxnSpPr>
+          <p:cNvPr id="61" name="肘形连接符 60"/>
+          <p:cNvCxnSpPr>
+            <a:stCxn id="56" idx="6"/>
+            <a:endCxn id="58" idx="1"/>
+          </p:cNvCxnSpPr>
+          <p:nvPr/>
+        </p:nvCxnSpPr>
+        <p:spPr>
+          <a:xfrm flipV="1">
+            <a:off x="9038590" y="1191895"/>
+            <a:ext cx="818515" cy="384810"/>
+          </a:xfrm>
+          <a:prstGeom prst="bentConnector3">
+            <a:avLst>
+              <a:gd name="adj1" fmla="val 50039"/>
+            </a:avLst>
+          </a:prstGeom>
+          <a:ln>
+            <a:headEnd type="arrow"/>
+            <a:tailEnd type="arrow"/>
+          </a:ln>
+        </p:spPr>
+        <p:style>
+          <a:lnRef idx="1">
+            <a:schemeClr val="accent1"/>
+          </a:lnRef>
+          <a:fillRef idx="0">
+            <a:schemeClr val="accent1"/>
+          </a:fillRef>
+          <a:effectRef idx="0">
+            <a:schemeClr val="accent1"/>
+          </a:effectRef>
+          <a:fontRef idx="minor">
+            <a:schemeClr val="tx1"/>
+          </a:fontRef>
+        </p:style>
+      </p:cxnSp>
+      <p:cxnSp>
+        <p:nvCxnSpPr>
+          <p:cNvPr id="62" name="肘形连接符 61"/>
+          <p:cNvCxnSpPr>
+            <a:stCxn id="56" idx="6"/>
+            <a:endCxn id="59" idx="1"/>
+          </p:cNvCxnSpPr>
+          <p:nvPr/>
+        </p:nvCxnSpPr>
+        <p:spPr>
+          <a:xfrm>
+            <a:off x="9038590" y="1576705"/>
+            <a:ext cx="818515" cy="359410"/>
+          </a:xfrm>
+          <a:prstGeom prst="bentConnector3">
+            <a:avLst>
+              <a:gd name="adj1" fmla="val 50039"/>
+            </a:avLst>
+          </a:prstGeom>
+          <a:ln>
+            <a:headEnd type="arrow"/>
+            <a:tailEnd type="arrow"/>
+          </a:ln>
+        </p:spPr>
+        <p:style>
+          <a:lnRef idx="1">
+            <a:schemeClr val="accent1"/>
+          </a:lnRef>
+          <a:fillRef idx="0">
+            <a:schemeClr val="accent1"/>
+          </a:fillRef>
+          <a:effectRef idx="0">
+            <a:schemeClr val="accent1"/>
+          </a:effectRef>
+          <a:fontRef idx="minor">
+            <a:schemeClr val="tx1"/>
+          </a:fontRef>
+        </p:style>
+      </p:cxnSp>
+    </p:spTree>
+  </p:cSld>
+  <p:clrMapOvr>
+    <a:masterClrMapping/>
+  </p:clrMapOvr>
+  <mc:AlternateContent xmlns:mc="http://schemas.openxmlformats.org/markup-compatibility/2006">
+    <mc:Choice xmlns:p14="http://schemas.microsoft.com/office/powerpoint/2010/main" Requires="p14">
+      <p:transition spd="slow" p14:dur="1500" advTm="0"/>
+    </mc:Choice>
+    <mc:Fallback>
+      <p:transition spd="slow" advTm="0"/>
+    </mc:Fallback>
+  </mc:AlternateContent>
+  <p:timing>
+    <p:tnLst>
+      <p:par>
+        <p:cTn id="1" dur="indefinite" restart="never" nodeType="tmRoot"/>
+      </p:par>
+    </p:tnLst>
+  </p:timing>
+</p:sld>
+</file>
+
+<file path=ppt/slides/slide2.xml><?xml version="1.0" encoding="utf-8"?>
+<p:sld xmlns:a="http://schemas.openxmlformats.org/drawingml/2006/main" xmlns:r="http://schemas.openxmlformats.org/officeDocument/2006/relationships" xmlns:p="http://schemas.openxmlformats.org/presentationml/2006/main">
+  <p:cSld>
+    <p:spTree>
+      <p:nvGrpSpPr>
+        <p:cNvPr id="1" name=""/>
+        <p:cNvGrpSpPr/>
+        <p:nvPr/>
+      </p:nvGrpSpPr>
+      <p:grpSpPr>
+        <a:xfrm>
+          <a:off x="0" y="0"/>
+          <a:ext cx="0" cy="0"/>
+          <a:chOff x="0" y="0"/>
+          <a:chExt cx="0" cy="0"/>
+        </a:xfrm>
+      </p:grpSpPr>
+      <p:sp>
+        <p:nvSpPr>
+          <p:cNvPr id="9" name="文本框 8"/>
+          <p:cNvSpPr txBox="1"/>
+          <p:nvPr/>
+        </p:nvSpPr>
+        <p:spPr>
+          <a:xfrm>
+            <a:off x="823758" y="327719"/>
+            <a:ext cx="5908345" cy="460375"/>
+          </a:xfrm>
+          <a:prstGeom prst="rect">
+            <a:avLst/>
+          </a:prstGeom>
+          <a:noFill/>
+        </p:spPr>
+        <p:txBody>
+          <a:bodyPr wrap="square" rtlCol="0">
+            <a:spAutoFit/>
+          </a:bodyPr>
+          <a:lstStyle/>
+          <a:p>
+            <a:pPr defTabSz="862965">
+              <a:lnSpc>
+                <a:spcPct val="100000"/>
+              </a:lnSpc>
+              <a:spcBef>
+                <a:spcPts val="2265"/>
+              </a:spcBef>
+              <a:defRPr sz="1800">
+                <a:solidFill>
+                  <a:srgbClr val="000000"/>
+                </a:solidFill>
+              </a:defRPr>
+            </a:pPr>
+            <a:r>
+              <a:rPr lang="zh-CN" altLang="en-US" sz="2400" b="1" dirty="0">
+                <a:solidFill>
+                  <a:srgbClr val="3D5F6B"/>
+                </a:solidFill>
+                <a:ea typeface="微软雅黑" panose="020B0503020204020204" pitchFamily="34" charset="-122"/>
+                <a:cs typeface="Arial" panose="020B0604020202020204" pitchFamily="34" charset="0"/>
+                <a:sym typeface="Calibri" panose="020F0502020204030204" charset="0"/>
+              </a:rPr>
+              <a:t>去中心化</a:t>
+            </a:r>
+            <a:endParaRPr lang="zh-CN" altLang="en-US" sz="2400" b="1" dirty="0">
+              <a:solidFill>
+                <a:srgbClr val="3D5F6B"/>
+              </a:solidFill>
+              <a:ea typeface="微软雅黑" panose="020B0503020204020204" pitchFamily="34" charset="-122"/>
+              <a:cs typeface="Arial" panose="020B0604020202020204" pitchFamily="34" charset="0"/>
+              <a:sym typeface="Calibri" panose="020F0502020204030204" charset="0"/>
+            </a:endParaRPr>
+          </a:p>
+        </p:txBody>
+      </p:sp>
+      <p:pic>
+        <p:nvPicPr>
+          <p:cNvPr id="2" name="图片 1"/>
+          <p:cNvPicPr>
+            <a:picLocks noChangeAspect="1"/>
+          </p:cNvPicPr>
+          <p:nvPr/>
+        </p:nvPicPr>
+        <p:blipFill>
+          <a:blip r:embed="rId1"/>
+          <a:stretch>
+            <a:fillRect/>
+          </a:stretch>
+        </p:blipFill>
+        <p:spPr>
+          <a:xfrm>
+            <a:off x="655320" y="1743075"/>
+            <a:ext cx="2995930" cy="4657725"/>
+          </a:xfrm>
+          <a:prstGeom prst="rect">
+            <a:avLst/>
+          </a:prstGeom>
+        </p:spPr>
+      </p:pic>
+      <p:sp>
+        <p:nvSpPr>
+          <p:cNvPr id="3" name="文本框 2"/>
+          <p:cNvSpPr txBox="1"/>
+          <p:nvPr/>
+        </p:nvSpPr>
+        <p:spPr>
+          <a:xfrm>
+            <a:off x="4435475" y="2066925"/>
+            <a:ext cx="7188200" cy="1198880"/>
+          </a:xfrm>
+          <a:prstGeom prst="rect">
+            <a:avLst/>
+          </a:prstGeom>
+          <a:noFill/>
+        </p:spPr>
+        <p:txBody>
+          <a:bodyPr wrap="square" rtlCol="0">
+            <a:spAutoFit/>
+          </a:bodyPr>
+          <a:p>
+            <a:pPr marL="342900" indent="-342900">
+              <a:buFont typeface="Arial" panose="020B0604020202020204" pitchFamily="34" charset="0"/>
+              <a:buAutoNum type="arabicPeriod"/>
+            </a:pPr>
+            <a:r>
+              <a:rPr lang="zh-CN" altLang="en-US"/>
+              <a:t>规则明确，公开，不会被误读，不需要</a:t>
+            </a:r>
+            <a:r>
+              <a:rPr lang="zh-CN" altLang="en-US"/>
+              <a:t>某机构来“解释”规则。</a:t>
+            </a:r>
+            <a:endParaRPr lang="zh-CN" altLang="en-US"/>
+          </a:p>
+          <a:p>
+            <a:pPr marL="342900" indent="-342900">
+              <a:buFont typeface="Arial" panose="020B0604020202020204" pitchFamily="34" charset="0"/>
+              <a:buAutoNum type="arabicPeriod"/>
+            </a:pPr>
+            <a:r>
+              <a:rPr lang="zh-CN" altLang="en-US"/>
+              <a:t>规则能够被强制执行，</a:t>
+            </a:r>
+            <a:r>
+              <a:rPr lang="zh-CN" altLang="en-US"/>
+              <a:t>系统内没人能违背规则。</a:t>
+            </a:r>
+            <a:endParaRPr lang="zh-CN" altLang="en-US"/>
+          </a:p>
+          <a:p>
+            <a:pPr marL="342900" indent="-342900">
+              <a:buFont typeface="Arial" panose="020B0604020202020204" pitchFamily="34" charset="0"/>
+              <a:buAutoNum type="arabicPeriod"/>
+            </a:pPr>
+            <a:r>
+              <a:rPr lang="zh-CN" altLang="en-US">
+                <a:sym typeface="+mn-ea"/>
+              </a:rPr>
+              <a:t>没有人能轻易修改规则。规则修改需要参与者达成共识。</a:t>
+            </a:r>
+            <a:endParaRPr lang="zh-CN" altLang="en-US"/>
+          </a:p>
+          <a:p>
+            <a:pPr marL="342900" indent="-342900">
+              <a:buFont typeface="Arial" panose="020B0604020202020204" pitchFamily="34" charset="0"/>
+              <a:buNone/>
+            </a:pPr>
+            <a:endParaRPr lang="zh-CN" altLang="en-US"/>
+          </a:p>
+        </p:txBody>
+      </p:sp>
+      <p:sp>
+        <p:nvSpPr>
+          <p:cNvPr id="5" name="圆角矩形 4"/>
+          <p:cNvSpPr/>
+          <p:nvPr/>
+        </p:nvSpPr>
+        <p:spPr>
+          <a:xfrm>
+            <a:off x="6732270" y="4305300"/>
+            <a:ext cx="1867535" cy="428625"/>
+          </a:xfrm>
+          <a:prstGeom prst="roundRect">
+            <a:avLst/>
+          </a:prstGeom>
+          <a:solidFill>
+            <a:schemeClr val="bg1"/>
+          </a:solidFill>
+        </p:spPr>
+        <p:style>
+          <a:lnRef idx="2">
+            <a:schemeClr val="accent1">
+              <a:shade val="50000"/>
+            </a:schemeClr>
+          </a:lnRef>
+          <a:fillRef idx="1">
+            <a:schemeClr val="accent1"/>
+          </a:fillRef>
+          <a:effectRef idx="0">
+            <a:schemeClr val="accent1"/>
+          </a:effectRef>
+          <a:fontRef idx="minor">
+            <a:schemeClr val="lt1"/>
+          </a:fontRef>
+        </p:style>
+        <p:txBody>
+          <a:bodyPr rtlCol="0" anchor="ctr"/>
+          <a:p>
+            <a:pPr algn="ctr"/>
+            <a:r>
+              <a:rPr lang="zh-CN" altLang="en-US">
+                <a:solidFill>
+                  <a:schemeClr val="tx1"/>
+                </a:solidFill>
+              </a:rPr>
+              <a:t>区块链</a:t>
+            </a:r>
+            <a:endParaRPr lang="zh-CN" altLang="en-US">
+              <a:solidFill>
+                <a:schemeClr val="tx1"/>
+              </a:solidFill>
+            </a:endParaRPr>
+          </a:p>
+        </p:txBody>
+      </p:sp>
+      <p:sp>
+        <p:nvSpPr>
+          <p:cNvPr id="6" name="上箭头 5"/>
+          <p:cNvSpPr/>
+          <p:nvPr/>
+        </p:nvSpPr>
+        <p:spPr>
+          <a:xfrm>
+            <a:off x="7569200" y="3342640"/>
+            <a:ext cx="213995" cy="846455"/>
+          </a:xfrm>
+          <a:prstGeom prst="upArrow">
+            <a:avLst/>
+          </a:prstGeom>
+          <a:solidFill>
+            <a:schemeClr val="bg1"/>
+          </a:solidFill>
+        </p:spPr>
+        <p:style>
+          <a:lnRef idx="2">
+            <a:schemeClr val="accent1">
+              <a:shade val="50000"/>
+            </a:schemeClr>
+          </a:lnRef>
+          <a:fillRef idx="1">
+            <a:schemeClr val="accent1"/>
+          </a:fillRef>
+          <a:effectRef idx="0">
+            <a:schemeClr val="accent1"/>
+          </a:effectRef>
+          <a:fontRef idx="minor">
+            <a:schemeClr val="lt1"/>
+          </a:fontRef>
+        </p:style>
+        <p:txBody>
+          <a:bodyPr rtlCol="0" anchor="ctr"/>
+          <a:p>
+            <a:pPr algn="ctr"/>
+            <a:endParaRPr lang="zh-CN" altLang="en-US"/>
+          </a:p>
+        </p:txBody>
+      </p:sp>
+      <p:pic>
+        <p:nvPicPr>
+          <p:cNvPr id="4" name="图片 3"/>
+          <p:cNvPicPr>
+            <a:picLocks noChangeAspect="1"/>
+          </p:cNvPicPr>
+          <p:nvPr/>
+        </p:nvPicPr>
+        <p:blipFill>
+          <a:blip r:embed="rId2"/>
+          <a:stretch>
+            <a:fillRect/>
+          </a:stretch>
+        </p:blipFill>
+        <p:spPr>
+          <a:xfrm>
+            <a:off x="194945" y="176530"/>
+            <a:ext cx="628650" cy="762000"/>
+          </a:xfrm>
+          <a:prstGeom prst="rect">
+            <a:avLst/>
+          </a:prstGeom>
+        </p:spPr>
+      </p:pic>
+      <p:sp>
+        <p:nvSpPr>
+          <p:cNvPr id="7" name="文本框 6"/>
+          <p:cNvSpPr txBox="1"/>
+          <p:nvPr/>
+        </p:nvSpPr>
+        <p:spPr>
+          <a:xfrm>
+            <a:off x="765175" y="1565275"/>
+            <a:ext cx="2011680" cy="368300"/>
+          </a:xfrm>
+          <a:prstGeom prst="rect">
+            <a:avLst/>
+          </a:prstGeom>
+          <a:noFill/>
+        </p:spPr>
+        <p:txBody>
+          <a:bodyPr wrap="none" rtlCol="0">
+            <a:spAutoFit/>
+          </a:bodyPr>
+          <a:p>
+            <a:r>
+              <a:rPr lang="zh-CN" altLang="en-US"/>
+              <a:t>去中心化的</a:t>
+            </a:r>
+            <a:r>
+              <a:rPr lang="zh-CN" altLang="en-US"/>
+              <a:t>目标：</a:t>
+            </a:r>
+            <a:endParaRPr lang="zh-CN" altLang="en-US"/>
+          </a:p>
+        </p:txBody>
+      </p:sp>
+      <p:sp>
+        <p:nvSpPr>
+          <p:cNvPr id="8" name="文本框 7"/>
+          <p:cNvSpPr txBox="1"/>
+          <p:nvPr/>
+        </p:nvSpPr>
+        <p:spPr>
+          <a:xfrm>
+            <a:off x="4435475" y="1579880"/>
+            <a:ext cx="2011680" cy="368300"/>
+          </a:xfrm>
+          <a:prstGeom prst="rect">
+            <a:avLst/>
+          </a:prstGeom>
+          <a:noFill/>
+        </p:spPr>
+        <p:txBody>
+          <a:bodyPr wrap="none" rtlCol="0">
+            <a:spAutoFit/>
+          </a:bodyPr>
+          <a:p>
+            <a:r>
+              <a:rPr lang="zh-CN" altLang="en-US"/>
+              <a:t>去中心化的</a:t>
+            </a:r>
+            <a:r>
+              <a:rPr lang="zh-CN" altLang="en-US"/>
+              <a:t>要求：</a:t>
+            </a:r>
+            <a:endParaRPr lang="zh-CN" altLang="en-US"/>
+          </a:p>
+        </p:txBody>
+      </p:sp>
+      <p:sp>
+        <p:nvSpPr>
+          <p:cNvPr id="10" name="文本框 9"/>
+          <p:cNvSpPr txBox="1"/>
+          <p:nvPr/>
+        </p:nvSpPr>
+        <p:spPr>
+          <a:xfrm>
+            <a:off x="4435475" y="3384550"/>
+            <a:ext cx="2011680" cy="368300"/>
+          </a:xfrm>
+          <a:prstGeom prst="rect">
+            <a:avLst/>
+          </a:prstGeom>
+          <a:noFill/>
+        </p:spPr>
+        <p:txBody>
+          <a:bodyPr wrap="none" rtlCol="0">
+            <a:spAutoFit/>
+          </a:bodyPr>
+          <a:p>
+            <a:r>
+              <a:rPr lang="zh-CN" altLang="en-US"/>
+              <a:t>去中心化的</a:t>
+            </a:r>
+            <a:r>
+              <a:rPr lang="zh-CN" altLang="en-US"/>
+              <a:t>实现：</a:t>
+            </a:r>
+            <a:endParaRPr lang="zh-CN" altLang="en-US"/>
+          </a:p>
+        </p:txBody>
+      </p:sp>
+    </p:spTree>
+  </p:cSld>
+  <p:clrMapOvr>
+    <a:masterClrMapping/>
+  </p:clrMapOvr>
+  <mc:AlternateContent xmlns:mc="http://schemas.openxmlformats.org/markup-compatibility/2006">
+    <mc:Choice xmlns:p14="http://schemas.microsoft.com/office/powerpoint/2010/main" Requires="p14">
+      <p:transition spd="slow" p14:dur="1500" advTm="0"/>
+    </mc:Choice>
+    <mc:Fallback>
+      <p:transition spd="slow" advTm="0"/>
+    </mc:Fallback>
+  </mc:AlternateContent>
+  <p:timing>
+    <p:tnLst>
+      <p:par>
+        <p:cTn id="1" dur="indefinite" restart="never" nodeType="tmRoot">
+          <p:childTnLst>
+            <p:seq concurrent="1" nextAc="seek">
+              <p:cTn id="2" dur="indefinite" nodeType="mainSeq">
+                <p:childTnLst>
+                  <p:par>
+                    <p:cTn id="3" fill="hold">
+                      <p:stCondLst>
+                        <p:cond delay="indefinite"/>
+                      </p:stCondLst>
+                      <p:childTnLst>
+                        <p:par>
+                          <p:cTn id="4" fill="hold">
+                            <p:stCondLst>
+                              <p:cond delay="0"/>
+                            </p:stCondLst>
+                            <p:childTnLst>
+                              <p:par>
+                                <p:cTn id="5" presetID="1" presetClass="entr" presetSubtype="0" fill="hold" grpId="0" nodeType="clickEffect">
+                                  <p:stCondLst>
+                                    <p:cond delay="0"/>
+                                  </p:stCondLst>
+                                  <p:childTnLst>
+                                    <p:set>
+                                      <p:cBhvr>
+                                        <p:cTn id="6" dur="1" fill="hold">
+                                          <p:stCondLst>
+                                            <p:cond delay="0"/>
+                                          </p:stCondLst>
+                                        </p:cTn>
+                                        <p:tgtEl>
+                                          <p:spTgt spid="7"/>
+                                        </p:tgtEl>
+                                        <p:attrNameLst>
+                                          <p:attrName>style.visibility</p:attrName>
+                                        </p:attrNameLst>
+                                      </p:cBhvr>
+                                      <p:to>
+                                        <p:strVal val="visible"/>
+                                      </p:to>
+                                    </p:set>
+                                  </p:childTnLst>
+                                </p:cTn>
+                              </p:par>
+                            </p:childTnLst>
+                          </p:cTn>
+                        </p:par>
+                      </p:childTnLst>
+                    </p:cTn>
+                  </p:par>
+                  <p:par>
+                    <p:cTn id="7" fill="hold">
+                      <p:stCondLst>
+                        <p:cond delay="indefinite"/>
+                      </p:stCondLst>
+                      <p:childTnLst>
+                        <p:par>
+                          <p:cTn id="8" fill="hold">
+                            <p:stCondLst>
+                              <p:cond delay="0"/>
+                            </p:stCondLst>
+                            <p:childTnLst>
+                              <p:par>
+                                <p:cTn id="9" presetID="1" presetClass="entr" presetSubtype="0" fill="hold" nodeType="clickEffect">
+                                  <p:stCondLst>
+                                    <p:cond delay="0"/>
+                                  </p:stCondLst>
+                                  <p:childTnLst>
+                                    <p:set>
+                                      <p:cBhvr>
+                                        <p:cTn id="10" dur="1" fill="hold">
+                                          <p:stCondLst>
+                                            <p:cond delay="0"/>
+                                          </p:stCondLst>
+                                        </p:cTn>
+                                        <p:tgtEl>
+                                          <p:spTgt spid="2"/>
+                                        </p:tgtEl>
+                                        <p:attrNameLst>
+                                          <p:attrName>style.visibility</p:attrName>
+                                        </p:attrNameLst>
+                                      </p:cBhvr>
+                                      <p:to>
+                                        <p:strVal val="visible"/>
+                                      </p:to>
+                                    </p:set>
+                                  </p:childTnLst>
+                                </p:cTn>
+                              </p:par>
+                            </p:childTnLst>
+                          </p:cTn>
+                        </p:par>
+                      </p:childTnLst>
+                    </p:cTn>
+                  </p:par>
+                  <p:par>
+                    <p:cTn id="11" fill="hold">
+                      <p:stCondLst>
+                        <p:cond delay="indefinite"/>
+                      </p:stCondLst>
+                      <p:childTnLst>
+                        <p:par>
+                          <p:cTn id="12" fill="hold">
+                            <p:stCondLst>
+                              <p:cond delay="0"/>
+                            </p:stCondLst>
+                            <p:childTnLst>
+                              <p:par>
+                                <p:cTn id="13" presetID="1" presetClass="entr" presetSubtype="0" fill="hold" grpId="0" nodeType="clickEffect">
+                                  <p:stCondLst>
+                                    <p:cond delay="0"/>
+                                  </p:stCondLst>
+                                  <p:childTnLst>
+                                    <p:set>
+                                      <p:cBhvr>
+                                        <p:cTn id="14" dur="1" fill="hold">
+                                          <p:stCondLst>
+                                            <p:cond delay="0"/>
+                                          </p:stCondLst>
+                                        </p:cTn>
+                                        <p:tgtEl>
+                                          <p:spTgt spid="8"/>
+                                        </p:tgtEl>
+                                        <p:attrNameLst>
+                                          <p:attrName>style.visibility</p:attrName>
+                                        </p:attrNameLst>
+                                      </p:cBhvr>
+                                      <p:to>
+                                        <p:strVal val="visible"/>
+                                      </p:to>
+                                    </p:set>
+                                  </p:childTnLst>
+                                </p:cTn>
+                              </p:par>
+                            </p:childTnLst>
+                          </p:cTn>
+                        </p:par>
+                      </p:childTnLst>
+                    </p:cTn>
+                  </p:par>
+                  <p:par>
+                    <p:cTn id="15" fill="hold">
+                      <p:stCondLst>
+                        <p:cond delay="indefinite"/>
+                      </p:stCondLst>
+                      <p:childTnLst>
+                        <p:par>
+                          <p:cTn id="16" fill="hold">
+                            <p:stCondLst>
+                              <p:cond delay="0"/>
+                            </p:stCondLst>
+                            <p:childTnLst>
+                              <p:par>
+                                <p:cTn id="17" presetID="1" presetClass="entr" presetSubtype="0" fill="hold" grpId="0" nodeType="clickEffect">
+                                  <p:stCondLst>
+                                    <p:cond delay="0"/>
+                                  </p:stCondLst>
+                                  <p:childTnLst>
+                                    <p:set>
+                                      <p:cBhvr>
+                                        <p:cTn id="18" dur="1" fill="hold">
+                                          <p:stCondLst>
+                                            <p:cond delay="0"/>
+                                          </p:stCondLst>
+                                        </p:cTn>
+                                        <p:tgtEl>
+                                          <p:spTgt spid="3"/>
+                                        </p:tgtEl>
+                                        <p:attrNameLst>
+                                          <p:attrName>style.visibility</p:attrName>
+                                        </p:attrNameLst>
+                                      </p:cBhvr>
+                                      <p:to>
+                                        <p:strVal val="visible"/>
+                                      </p:to>
+                                    </p:set>
+                                  </p:childTnLst>
+                                </p:cTn>
+                              </p:par>
+                            </p:childTnLst>
+                          </p:cTn>
+                        </p:par>
+                      </p:childTnLst>
+                    </p:cTn>
+                  </p:par>
+                  <p:par>
+                    <p:cTn id="19" fill="hold">
+                      <p:stCondLst>
+                        <p:cond delay="indefinite"/>
+                      </p:stCondLst>
+                      <p:childTnLst>
+                        <p:par>
+                          <p:cTn id="20" fill="hold">
+                            <p:stCondLst>
+                              <p:cond delay="0"/>
+                            </p:stCondLst>
+                            <p:childTnLst>
+                              <p:par>
+                                <p:cTn id="21" presetID="1" presetClass="entr" presetSubtype="0" fill="hold" grpId="0" nodeType="clickEffect">
+                                  <p:stCondLst>
+                                    <p:cond delay="0"/>
+                                  </p:stCondLst>
+                                  <p:childTnLst>
+                                    <p:set>
+                                      <p:cBhvr>
+                                        <p:cTn id="22" dur="1" fill="hold">
+                                          <p:stCondLst>
+                                            <p:cond delay="0"/>
+                                          </p:stCondLst>
+                                        </p:cTn>
+                                        <p:tgtEl>
+                                          <p:spTgt spid="10"/>
+                                        </p:tgtEl>
+                                        <p:attrNameLst>
+                                          <p:attrName>style.visibility</p:attrName>
+                                        </p:attrNameLst>
+                                      </p:cBhvr>
+                                      <p:to>
+                                        <p:strVal val="visible"/>
+                                      </p:to>
+                                    </p:set>
+                                  </p:childTnLst>
+                                </p:cTn>
+                              </p:par>
+                            </p:childTnLst>
+                          </p:cTn>
+                        </p:par>
+                      </p:childTnLst>
+                    </p:cTn>
+                  </p:par>
+                  <p:par>
+                    <p:cTn id="23" fill="hold">
+                      <p:stCondLst>
+                        <p:cond delay="indefinite"/>
+                      </p:stCondLst>
+                      <p:childTnLst>
+                        <p:par>
+                          <p:cTn id="24" fill="hold">
+                            <p:stCondLst>
+                              <p:cond delay="0"/>
+                            </p:stCondLst>
+                            <p:childTnLst>
+                              <p:par>
+                                <p:cTn id="25" presetID="1" presetClass="entr" presetSubtype="0" fill="hold" grpId="0" nodeType="clickEffect">
+                                  <p:stCondLst>
+                                    <p:cond delay="0"/>
+                                  </p:stCondLst>
+                                  <p:childTnLst>
+                                    <p:set>
+                                      <p:cBhvr>
+                                        <p:cTn id="26" dur="1" fill="hold">
+                                          <p:stCondLst>
+                                            <p:cond delay="0"/>
+                                          </p:stCondLst>
+                                        </p:cTn>
+                                        <p:tgtEl>
+                                          <p:spTgt spid="5"/>
+                                        </p:tgtEl>
+                                        <p:attrNameLst>
+                                          <p:attrName>style.visibility</p:attrName>
+                                        </p:attrNameLst>
+                                      </p:cBhvr>
+                                      <p:to>
+                                        <p:strVal val="visible"/>
+                                      </p:to>
+                                    </p:set>
+                                  </p:childTnLst>
+                                </p:cTn>
+                              </p:par>
+                              <p:par>
+                                <p:cTn id="27" presetID="1" presetClass="entr" presetSubtype="0" fill="hold" grpId="0" nodeType="withEffect">
+                                  <p:stCondLst>
+                                    <p:cond delay="0"/>
+                                  </p:stCondLst>
+                                  <p:childTnLst>
+                                    <p:set>
+                                      <p:cBhvr>
+                                        <p:cTn id="28" dur="1" fill="hold">
+                                          <p:stCondLst>
+                                            <p:cond delay="0"/>
+                                          </p:stCondLst>
+                                        </p:cTn>
+                                        <p:tgtEl>
+                                          <p:spTgt spid="6"/>
+                                        </p:tgtEl>
+                                        <p:attrNameLst>
+                                          <p:attrName>style.visibility</p:attrName>
+                                        </p:attrNameLst>
+                                      </p:cBhvr>
+                                      <p:to>
+                                        <p:strVal val="visible"/>
+                                      </p:to>
+                                    </p:set>
+                                  </p:childTnLst>
+                                </p:cTn>
+                              </p:par>
+                            </p:childTnLst>
+                          </p:cTn>
+                        </p:par>
+                      </p:childTnLst>
+                    </p:cTn>
+                  </p:par>
+                </p:childTnLst>
+              </p:cTn>
+              <p:prevCondLst>
+                <p:cond evt="onPrev" delay="0">
+                  <p:tgtEl>
+                    <p:sldTgt/>
+                  </p:tgtEl>
+                </p:cond>
+              </p:prevCondLst>
+              <p:nextCondLst>
+                <p:cond evt="onNext" delay="0">
+                  <p:tgtEl>
+                    <p:sldTgt/>
+                  </p:tgtEl>
+                </p:cond>
+              </p:nextCondLst>
+            </p:seq>
+          </p:childTnLst>
+        </p:cTn>
+      </p:par>
+    </p:tnLst>
+    <p:bldLst>
+      <p:bldP spid="7" grpId="0"/>
+      <p:bldP spid="8" grpId="0"/>
+      <p:bldP spid="3" grpId="0"/>
+      <p:bldP spid="10" grpId="0"/>
+      <p:bldP spid="5" grpId="0" animBg="1"/>
+      <p:bldP spid="6" grpId="0" animBg="1"/>
+    </p:bldLst>
+  </p:timing>
+</p:sld>
+</file>
+
+<file path=ppt/slides/slide20.xml><?xml version="1.0" encoding="utf-8"?>
+<p:sld xmlns:a="http://schemas.openxmlformats.org/drawingml/2006/main" xmlns:r="http://schemas.openxmlformats.org/officeDocument/2006/relationships" xmlns:p="http://schemas.openxmlformats.org/presentationml/2006/main">
+  <p:cSld>
+    <p:spTree>
+      <p:nvGrpSpPr>
+        <p:cNvPr id="1" name=""/>
+        <p:cNvGrpSpPr/>
+        <p:nvPr/>
+      </p:nvGrpSpPr>
+      <p:grpSpPr/>
+      <p:sp>
+        <p:nvSpPr>
           <p:cNvPr id="9" name="文本框 8"/>
           <p:cNvSpPr txBox="1"/>
           <p:nvPr/>
@@ -4362,7 +7849,7 @@
         <p:spPr>
           <a:xfrm>
             <a:off x="977900" y="3872865"/>
-            <a:ext cx="9229090" cy="2584450"/>
+            <a:ext cx="9229090" cy="2399665"/>
           </a:xfrm>
           <a:prstGeom prst="rect">
             <a:avLst/>
@@ -4391,60 +7878,60 @@
               <a:buChar char="•"/>
             </a:pPr>
             <a:r>
-              <a:rPr lang="zh-CN" altLang="en-US">
+              <a:rPr lang="zh-CN" altLang="en-US" sz="1600">
                 <a:sym typeface="+mn-ea"/>
               </a:rPr>
               <a:t>公链自身就是独立的</a:t>
             </a:r>
             <a:r>
-              <a:rPr lang="en-US" altLang="zh-CN">
+              <a:rPr lang="en-US" altLang="zh-CN" sz="1600">
                 <a:sym typeface="+mn-ea"/>
               </a:rPr>
               <a:t>“</a:t>
             </a:r>
             <a:r>
-              <a:rPr lang="zh-CN" altLang="en-US">
+              <a:rPr lang="zh-CN" altLang="en-US" sz="1600">
                 <a:sym typeface="+mn-ea"/>
               </a:rPr>
               <a:t>生态系统</a:t>
             </a:r>
             <a:r>
-              <a:rPr lang="en-US" altLang="zh-CN">
+              <a:rPr lang="en-US" altLang="zh-CN" sz="1600">
                 <a:sym typeface="+mn-ea"/>
               </a:rPr>
               <a:t>”</a:t>
             </a:r>
             <a:r>
-              <a:rPr lang="zh-CN" altLang="en-US">
+              <a:rPr lang="zh-CN" altLang="en-US" sz="1600">
                 <a:sym typeface="+mn-ea"/>
               </a:rPr>
               <a:t>，建设以</a:t>
             </a:r>
             <a:r>
-              <a:rPr lang="en-US" altLang="zh-CN">
+              <a:rPr lang="en-US" altLang="zh-CN" sz="1600">
                 <a:sym typeface="+mn-ea"/>
               </a:rPr>
               <a:t>“</a:t>
             </a:r>
             <a:r>
-              <a:rPr lang="zh-CN" altLang="en-US">
+              <a:rPr lang="zh-CN" altLang="en-US" sz="1600">
                 <a:sym typeface="+mn-ea"/>
               </a:rPr>
               <a:t>规则</a:t>
             </a:r>
             <a:r>
-              <a:rPr lang="en-US" altLang="zh-CN">
+              <a:rPr lang="en-US" altLang="zh-CN" sz="1600">
                 <a:sym typeface="+mn-ea"/>
               </a:rPr>
               <a:t>”</a:t>
             </a:r>
             <a:r>
-              <a:rPr lang="zh-CN" altLang="en-US">
+              <a:rPr lang="zh-CN" altLang="en-US" sz="1600">
                 <a:sym typeface="+mn-ea"/>
               </a:rPr>
               <a:t>为中心的社会组织模式</a:t>
             </a:r>
-            <a:endParaRPr lang="zh-CN" altLang="en-US"/>
+            <a:endParaRPr lang="zh-CN" altLang="en-US" sz="1600"/>
           </a:p>
           <a:p>
             <a:pPr marL="285750" indent="-285750">
@@ -4452,36 +7939,30 @@
               <a:buChar char="•"/>
             </a:pPr>
             <a:r>
-              <a:rPr lang="zh-CN" altLang="en-US">
+              <a:rPr lang="zh-CN" altLang="en-US" sz="1600">
                 <a:sym typeface="+mn-ea"/>
               </a:rPr>
-              <a:t>联盟链是企业自身业务的延伸，是服务于</a:t>
-            </a:r>
-            <a:r>
-              <a:rPr lang="zh-CN" altLang="en-US">
-                <a:sym typeface="+mn-ea"/>
-              </a:rPr>
-              <a:t>业务，与其他企业合作，或行业合作的</a:t>
-            </a:r>
-            <a:r>
-              <a:rPr lang="en-US" altLang="zh-CN">
+              <a:t>联盟链是企业自身业务的延伸，是服务于业务，与其他企业合作，或行业合作的</a:t>
+            </a:r>
+            <a:r>
+              <a:rPr lang="en-US" altLang="zh-CN" sz="1600">
                 <a:sym typeface="+mn-ea"/>
               </a:rPr>
               <a:t>“</a:t>
             </a:r>
             <a:r>
-              <a:rPr lang="zh-CN" altLang="en-US">
+              <a:rPr lang="zh-CN" altLang="en-US" sz="1600">
                 <a:sym typeface="+mn-ea"/>
               </a:rPr>
               <a:t>工具</a:t>
             </a:r>
             <a:r>
-              <a:rPr lang="en-US" altLang="zh-CN">
+              <a:rPr lang="en-US" altLang="zh-CN" sz="1600">
                 <a:sym typeface="+mn-ea"/>
               </a:rPr>
               <a:t>”</a:t>
             </a:r>
-            <a:endParaRPr lang="en-US" altLang="zh-CN">
+            <a:endParaRPr lang="en-US" altLang="zh-CN" sz="1600">
               <a:sym typeface="+mn-ea"/>
             </a:endParaRPr>
           </a:p>
@@ -4502,26 +7983,26 @@
               <a:buChar char="•"/>
             </a:pPr>
             <a:r>
-              <a:rPr lang="zh-CN" altLang="en-US"/>
+              <a:rPr lang="zh-CN" altLang="en-US" sz="1600"/>
               <a:t>公链：共识算法</a:t>
             </a:r>
             <a:r>
-              <a:rPr lang="en-US" altLang="zh-CN"/>
+              <a:rPr lang="en-US" altLang="zh-CN" sz="1600"/>
               <a:t>+</a:t>
             </a:r>
             <a:r>
-              <a:rPr lang="zh-CN" altLang="en-US"/>
+              <a:rPr lang="zh-CN" altLang="en-US" sz="1600"/>
               <a:t>经济激励</a:t>
             </a:r>
             <a:r>
-              <a:rPr lang="en-US" altLang="zh-CN"/>
+              <a:rPr lang="en-US" altLang="zh-CN" sz="1600"/>
               <a:t>/</a:t>
             </a:r>
             <a:r>
-              <a:rPr lang="zh-CN" altLang="en-US"/>
+              <a:rPr lang="zh-CN" altLang="en-US" sz="1600"/>
               <a:t>惩罚</a:t>
             </a:r>
-            <a:endParaRPr lang="zh-CN" altLang="en-US"/>
+            <a:endParaRPr lang="zh-CN" altLang="en-US" sz="1600"/>
           </a:p>
           <a:p>
             <a:pPr marL="285750" indent="-285750">
@@ -4529,22 +8010,22 @@
               <a:buChar char="•"/>
             </a:pPr>
             <a:r>
-              <a:rPr lang="zh-CN" altLang="en-US"/>
+              <a:rPr lang="zh-CN" altLang="en-US" sz="1600"/>
               <a:t>联盟链：实名制</a:t>
             </a:r>
             <a:r>
-              <a:rPr lang="en-US" altLang="zh-CN"/>
+              <a:rPr lang="en-US" altLang="zh-CN" sz="1600"/>
               <a:t>+</a:t>
             </a:r>
             <a:r>
-              <a:rPr lang="zh-CN" altLang="en-US"/>
+              <a:rPr lang="zh-CN" altLang="en-US" sz="1600"/>
               <a:t>链外</a:t>
             </a:r>
             <a:r>
-              <a:rPr lang="zh-CN" altLang="en-US"/>
+              <a:rPr lang="zh-CN" altLang="en-US" sz="1600"/>
               <a:t>惩罚</a:t>
             </a:r>
-            <a:endParaRPr lang="zh-CN" altLang="en-US"/>
+            <a:endParaRPr lang="zh-CN" altLang="en-US" sz="1600"/>
           </a:p>
           <a:p>
             <a:pPr indent="0">
@@ -4563,14 +8044,14 @@
               <a:buChar char="•"/>
             </a:pPr>
             <a:r>
-              <a:rPr lang="zh-CN" altLang="en-US"/>
+              <a:rPr lang="zh-CN" altLang="en-US" sz="1600"/>
               <a:t>公链：安全性、</a:t>
             </a:r>
             <a:r>
-              <a:rPr lang="zh-CN" altLang="en-US"/>
+              <a:rPr lang="zh-CN" altLang="en-US" sz="1600"/>
               <a:t>性能</a:t>
             </a:r>
-            <a:endParaRPr lang="zh-CN" altLang="en-US"/>
+            <a:endParaRPr lang="zh-CN" altLang="en-US" sz="1600"/>
           </a:p>
           <a:p>
             <a:pPr marL="285750" indent="-285750">
@@ -4578,14 +8059,14 @@
               <a:buChar char="•"/>
             </a:pPr>
             <a:r>
-              <a:rPr lang="zh-CN" altLang="en-US"/>
+              <a:rPr lang="zh-CN" altLang="en-US" sz="1600"/>
               <a:t>联盟链：</a:t>
             </a:r>
             <a:r>
-              <a:rPr lang="zh-CN" altLang="en-US"/>
+              <a:rPr lang="zh-CN" altLang="en-US" sz="1600"/>
               <a:t>隐私保护</a:t>
             </a:r>
-            <a:endParaRPr lang="zh-CN" altLang="en-US"/>
+            <a:endParaRPr lang="zh-CN" altLang="en-US" sz="1600"/>
           </a:p>
         </p:txBody>
       </p:sp>
@@ -5974,7 +9455,7 @@
 </p:sld>
 </file>
 
-<file path=ppt/slides/slide19.xml><?xml version="1.0" encoding="utf-8"?>
+<file path=ppt/slides/slide21.xml><?xml version="1.0" encoding="utf-8"?>
 <p:sld xmlns:a="http://schemas.openxmlformats.org/drawingml/2006/main" xmlns:r="http://schemas.openxmlformats.org/officeDocument/2006/relationships" xmlns:p="http://schemas.openxmlformats.org/presentationml/2006/main">
   <p:cSld>
     <p:spTree>
@@ -6757,747 +10238,7 @@
 </p:sld>
 </file>
 
-<file path=ppt/slides/slide2.xml><?xml version="1.0" encoding="utf-8"?>
-<p:sld xmlns:a="http://schemas.openxmlformats.org/drawingml/2006/main" xmlns:r="http://schemas.openxmlformats.org/officeDocument/2006/relationships" xmlns:p="http://schemas.openxmlformats.org/presentationml/2006/main">
-  <p:cSld>
-    <p:spTree>
-      <p:nvGrpSpPr>
-        <p:cNvPr id="1" name=""/>
-        <p:cNvGrpSpPr/>
-        <p:nvPr/>
-      </p:nvGrpSpPr>
-      <p:grpSpPr>
-        <a:xfrm>
-          <a:off x="0" y="0"/>
-          <a:ext cx="0" cy="0"/>
-          <a:chOff x="0" y="0"/>
-          <a:chExt cx="0" cy="0"/>
-        </a:xfrm>
-      </p:grpSpPr>
-      <p:sp>
-        <p:nvSpPr>
-          <p:cNvPr id="9" name="文本框 8"/>
-          <p:cNvSpPr txBox="1"/>
-          <p:nvPr/>
-        </p:nvSpPr>
-        <p:spPr>
-          <a:xfrm>
-            <a:off x="823758" y="327719"/>
-            <a:ext cx="5908345" cy="460375"/>
-          </a:xfrm>
-          <a:prstGeom prst="rect">
-            <a:avLst/>
-          </a:prstGeom>
-          <a:noFill/>
-        </p:spPr>
-        <p:txBody>
-          <a:bodyPr wrap="square" rtlCol="0">
-            <a:spAutoFit/>
-          </a:bodyPr>
-          <a:lstStyle/>
-          <a:p>
-            <a:pPr defTabSz="862965">
-              <a:lnSpc>
-                <a:spcPct val="100000"/>
-              </a:lnSpc>
-              <a:spcBef>
-                <a:spcPts val="2265"/>
-              </a:spcBef>
-              <a:defRPr sz="1800">
-                <a:solidFill>
-                  <a:srgbClr val="000000"/>
-                </a:solidFill>
-              </a:defRPr>
-            </a:pPr>
-            <a:r>
-              <a:rPr lang="zh-CN" altLang="en-US" sz="2400" b="1" dirty="0">
-                <a:solidFill>
-                  <a:srgbClr val="3D5F6B"/>
-                </a:solidFill>
-                <a:ea typeface="微软雅黑" panose="020B0503020204020204" pitchFamily="34" charset="-122"/>
-                <a:cs typeface="Arial" panose="020B0604020202020204" pitchFamily="34" charset="0"/>
-                <a:sym typeface="Calibri" panose="020F0502020204030204" charset="0"/>
-              </a:rPr>
-              <a:t>去中心化</a:t>
-            </a:r>
-            <a:endParaRPr lang="zh-CN" altLang="en-US" sz="2400" b="1" dirty="0">
-              <a:solidFill>
-                <a:srgbClr val="3D5F6B"/>
-              </a:solidFill>
-              <a:ea typeface="微软雅黑" panose="020B0503020204020204" pitchFamily="34" charset="-122"/>
-              <a:cs typeface="Arial" panose="020B0604020202020204" pitchFamily="34" charset="0"/>
-              <a:sym typeface="Calibri" panose="020F0502020204030204" charset="0"/>
-            </a:endParaRPr>
-          </a:p>
-        </p:txBody>
-      </p:sp>
-      <p:pic>
-        <p:nvPicPr>
-          <p:cNvPr id="2" name="图片 1"/>
-          <p:cNvPicPr>
-            <a:picLocks noChangeAspect="1"/>
-          </p:cNvPicPr>
-          <p:nvPr/>
-        </p:nvPicPr>
-        <p:blipFill>
-          <a:blip r:embed="rId1"/>
-          <a:stretch>
-            <a:fillRect/>
-          </a:stretch>
-        </p:blipFill>
-        <p:spPr>
-          <a:xfrm>
-            <a:off x="655320" y="1743075"/>
-            <a:ext cx="2995930" cy="4657725"/>
-          </a:xfrm>
-          <a:prstGeom prst="rect">
-            <a:avLst/>
-          </a:prstGeom>
-        </p:spPr>
-      </p:pic>
-      <p:sp>
-        <p:nvSpPr>
-          <p:cNvPr id="3" name="文本框 2"/>
-          <p:cNvSpPr txBox="1"/>
-          <p:nvPr/>
-        </p:nvSpPr>
-        <p:spPr>
-          <a:xfrm>
-            <a:off x="4435475" y="2066925"/>
-            <a:ext cx="7188200" cy="1198880"/>
-          </a:xfrm>
-          <a:prstGeom prst="rect">
-            <a:avLst/>
-          </a:prstGeom>
-          <a:noFill/>
-        </p:spPr>
-        <p:txBody>
-          <a:bodyPr wrap="square" rtlCol="0">
-            <a:spAutoFit/>
-          </a:bodyPr>
-          <a:p>
-            <a:pPr marL="342900" indent="-342900">
-              <a:buFont typeface="Arial" panose="020B0604020202020204" pitchFamily="34" charset="0"/>
-              <a:buAutoNum type="arabicPeriod"/>
-            </a:pPr>
-            <a:r>
-              <a:rPr lang="zh-CN" altLang="en-US"/>
-              <a:t>规则明确，公开，不会被误读，不需要</a:t>
-            </a:r>
-            <a:r>
-              <a:rPr lang="zh-CN" altLang="en-US"/>
-              <a:t>某机构来“解释”规则。</a:t>
-            </a:r>
-            <a:endParaRPr lang="zh-CN" altLang="en-US"/>
-          </a:p>
-          <a:p>
-            <a:pPr marL="342900" indent="-342900">
-              <a:buFont typeface="Arial" panose="020B0604020202020204" pitchFamily="34" charset="0"/>
-              <a:buAutoNum type="arabicPeriod"/>
-            </a:pPr>
-            <a:r>
-              <a:rPr lang="zh-CN" altLang="en-US"/>
-              <a:t>规则能够被强制执行，</a:t>
-            </a:r>
-            <a:r>
-              <a:rPr lang="zh-CN" altLang="en-US"/>
-              <a:t>系统内没人能违背规则。</a:t>
-            </a:r>
-            <a:endParaRPr lang="zh-CN" altLang="en-US"/>
-          </a:p>
-          <a:p>
-            <a:pPr marL="342900" indent="-342900">
-              <a:buFont typeface="Arial" panose="020B0604020202020204" pitchFamily="34" charset="0"/>
-              <a:buAutoNum type="arabicPeriod"/>
-            </a:pPr>
-            <a:r>
-              <a:rPr lang="zh-CN" altLang="en-US">
-                <a:sym typeface="+mn-ea"/>
-              </a:rPr>
-              <a:t>没有人能轻易修改规则。规则修改需要参与者达成共识。</a:t>
-            </a:r>
-            <a:endParaRPr lang="zh-CN" altLang="en-US"/>
-          </a:p>
-          <a:p>
-            <a:pPr marL="342900" indent="-342900">
-              <a:buFont typeface="Arial" panose="020B0604020202020204" pitchFamily="34" charset="0"/>
-              <a:buNone/>
-            </a:pPr>
-            <a:endParaRPr lang="zh-CN" altLang="en-US"/>
-          </a:p>
-        </p:txBody>
-      </p:sp>
-      <p:sp>
-        <p:nvSpPr>
-          <p:cNvPr id="5" name="圆角矩形 4"/>
-          <p:cNvSpPr/>
-          <p:nvPr/>
-        </p:nvSpPr>
-        <p:spPr>
-          <a:xfrm>
-            <a:off x="6732270" y="4305300"/>
-            <a:ext cx="1867535" cy="428625"/>
-          </a:xfrm>
-          <a:prstGeom prst="roundRect">
-            <a:avLst/>
-          </a:prstGeom>
-          <a:solidFill>
-            <a:schemeClr val="bg1"/>
-          </a:solidFill>
-        </p:spPr>
-        <p:style>
-          <a:lnRef idx="2">
-            <a:schemeClr val="accent1">
-              <a:shade val="50000"/>
-            </a:schemeClr>
-          </a:lnRef>
-          <a:fillRef idx="1">
-            <a:schemeClr val="accent1"/>
-          </a:fillRef>
-          <a:effectRef idx="0">
-            <a:schemeClr val="accent1"/>
-          </a:effectRef>
-          <a:fontRef idx="minor">
-            <a:schemeClr val="lt1"/>
-          </a:fontRef>
-        </p:style>
-        <p:txBody>
-          <a:bodyPr rtlCol="0" anchor="ctr"/>
-          <a:p>
-            <a:pPr algn="ctr"/>
-            <a:r>
-              <a:rPr lang="zh-CN" altLang="en-US">
-                <a:solidFill>
-                  <a:schemeClr val="tx1"/>
-                </a:solidFill>
-              </a:rPr>
-              <a:t>区块链</a:t>
-            </a:r>
-            <a:endParaRPr lang="zh-CN" altLang="en-US">
-              <a:solidFill>
-                <a:schemeClr val="tx1"/>
-              </a:solidFill>
-            </a:endParaRPr>
-          </a:p>
-        </p:txBody>
-      </p:sp>
-      <p:sp>
-        <p:nvSpPr>
-          <p:cNvPr id="6" name="上箭头 5"/>
-          <p:cNvSpPr/>
-          <p:nvPr/>
-        </p:nvSpPr>
-        <p:spPr>
-          <a:xfrm>
-            <a:off x="7569200" y="3342640"/>
-            <a:ext cx="213995" cy="846455"/>
-          </a:xfrm>
-          <a:prstGeom prst="upArrow">
-            <a:avLst/>
-          </a:prstGeom>
-          <a:solidFill>
-            <a:schemeClr val="bg1"/>
-          </a:solidFill>
-        </p:spPr>
-        <p:style>
-          <a:lnRef idx="2">
-            <a:schemeClr val="accent1">
-              <a:shade val="50000"/>
-            </a:schemeClr>
-          </a:lnRef>
-          <a:fillRef idx="1">
-            <a:schemeClr val="accent1"/>
-          </a:fillRef>
-          <a:effectRef idx="0">
-            <a:schemeClr val="accent1"/>
-          </a:effectRef>
-          <a:fontRef idx="minor">
-            <a:schemeClr val="lt1"/>
-          </a:fontRef>
-        </p:style>
-        <p:txBody>
-          <a:bodyPr rtlCol="0" anchor="ctr"/>
-          <a:p>
-            <a:pPr algn="ctr"/>
-            <a:endParaRPr lang="zh-CN" altLang="en-US"/>
-          </a:p>
-        </p:txBody>
-      </p:sp>
-      <p:pic>
-        <p:nvPicPr>
-          <p:cNvPr id="4" name="图片 3"/>
-          <p:cNvPicPr>
-            <a:picLocks noChangeAspect="1"/>
-          </p:cNvPicPr>
-          <p:nvPr/>
-        </p:nvPicPr>
-        <p:blipFill>
-          <a:blip r:embed="rId2"/>
-          <a:stretch>
-            <a:fillRect/>
-          </a:stretch>
-        </p:blipFill>
-        <p:spPr>
-          <a:xfrm>
-            <a:off x="194945" y="176530"/>
-            <a:ext cx="628650" cy="762000"/>
-          </a:xfrm>
-          <a:prstGeom prst="rect">
-            <a:avLst/>
-          </a:prstGeom>
-        </p:spPr>
-      </p:pic>
-      <p:sp>
-        <p:nvSpPr>
-          <p:cNvPr id="7" name="文本框 6"/>
-          <p:cNvSpPr txBox="1"/>
-          <p:nvPr/>
-        </p:nvSpPr>
-        <p:spPr>
-          <a:xfrm>
-            <a:off x="765175" y="1565275"/>
-            <a:ext cx="2011680" cy="368300"/>
-          </a:xfrm>
-          <a:prstGeom prst="rect">
-            <a:avLst/>
-          </a:prstGeom>
-          <a:noFill/>
-        </p:spPr>
-        <p:txBody>
-          <a:bodyPr wrap="none" rtlCol="0">
-            <a:spAutoFit/>
-          </a:bodyPr>
-          <a:p>
-            <a:r>
-              <a:rPr lang="zh-CN" altLang="en-US"/>
-              <a:t>去中心化的</a:t>
-            </a:r>
-            <a:r>
-              <a:rPr lang="zh-CN" altLang="en-US"/>
-              <a:t>目标：</a:t>
-            </a:r>
-            <a:endParaRPr lang="zh-CN" altLang="en-US"/>
-          </a:p>
-        </p:txBody>
-      </p:sp>
-      <p:sp>
-        <p:nvSpPr>
-          <p:cNvPr id="8" name="文本框 7"/>
-          <p:cNvSpPr txBox="1"/>
-          <p:nvPr/>
-        </p:nvSpPr>
-        <p:spPr>
-          <a:xfrm>
-            <a:off x="4435475" y="1579880"/>
-            <a:ext cx="2011680" cy="368300"/>
-          </a:xfrm>
-          <a:prstGeom prst="rect">
-            <a:avLst/>
-          </a:prstGeom>
-          <a:noFill/>
-        </p:spPr>
-        <p:txBody>
-          <a:bodyPr wrap="none" rtlCol="0">
-            <a:spAutoFit/>
-          </a:bodyPr>
-          <a:p>
-            <a:r>
-              <a:rPr lang="zh-CN" altLang="en-US"/>
-              <a:t>去中心化的</a:t>
-            </a:r>
-            <a:r>
-              <a:rPr lang="zh-CN" altLang="en-US"/>
-              <a:t>要求：</a:t>
-            </a:r>
-            <a:endParaRPr lang="zh-CN" altLang="en-US"/>
-          </a:p>
-        </p:txBody>
-      </p:sp>
-      <p:sp>
-        <p:nvSpPr>
-          <p:cNvPr id="10" name="文本框 9"/>
-          <p:cNvSpPr txBox="1"/>
-          <p:nvPr/>
-        </p:nvSpPr>
-        <p:spPr>
-          <a:xfrm>
-            <a:off x="4435475" y="3384550"/>
-            <a:ext cx="2011680" cy="368300"/>
-          </a:xfrm>
-          <a:prstGeom prst="rect">
-            <a:avLst/>
-          </a:prstGeom>
-          <a:noFill/>
-        </p:spPr>
-        <p:txBody>
-          <a:bodyPr wrap="none" rtlCol="0">
-            <a:spAutoFit/>
-          </a:bodyPr>
-          <a:p>
-            <a:r>
-              <a:rPr lang="zh-CN" altLang="en-US"/>
-              <a:t>去中心化的</a:t>
-            </a:r>
-            <a:r>
-              <a:rPr lang="zh-CN" altLang="en-US"/>
-              <a:t>实现：</a:t>
-            </a:r>
-            <a:endParaRPr lang="zh-CN" altLang="en-US"/>
-          </a:p>
-        </p:txBody>
-      </p:sp>
-    </p:spTree>
-  </p:cSld>
-  <p:clrMapOvr>
-    <a:masterClrMapping/>
-  </p:clrMapOvr>
-  <mc:AlternateContent xmlns:mc="http://schemas.openxmlformats.org/markup-compatibility/2006">
-    <mc:Choice xmlns:p14="http://schemas.microsoft.com/office/powerpoint/2010/main" Requires="p14">
-      <p:transition spd="slow" p14:dur="1500" advTm="0"/>
-    </mc:Choice>
-    <mc:Fallback>
-      <p:transition spd="slow" advTm="0"/>
-    </mc:Fallback>
-  </mc:AlternateContent>
-  <p:timing>
-    <p:tnLst>
-      <p:par>
-        <p:cTn id="1" dur="indefinite" restart="never" nodeType="tmRoot">
-          <p:childTnLst>
-            <p:seq concurrent="1" nextAc="seek">
-              <p:cTn id="2" dur="indefinite" nodeType="mainSeq">
-                <p:childTnLst>
-                  <p:par>
-                    <p:cTn id="3" fill="hold">
-                      <p:stCondLst>
-                        <p:cond delay="indefinite"/>
-                      </p:stCondLst>
-                      <p:childTnLst>
-                        <p:par>
-                          <p:cTn id="4" fill="hold">
-                            <p:stCondLst>
-                              <p:cond delay="0"/>
-                            </p:stCondLst>
-                            <p:childTnLst>
-                              <p:par>
-                                <p:cTn id="5" presetID="1" presetClass="entr" presetSubtype="0" fill="hold" grpId="0" nodeType="clickEffect">
-                                  <p:stCondLst>
-                                    <p:cond delay="0"/>
-                                  </p:stCondLst>
-                                  <p:childTnLst>
-                                    <p:set>
-                                      <p:cBhvr>
-                                        <p:cTn id="6" dur="1" fill="hold">
-                                          <p:stCondLst>
-                                            <p:cond delay="0"/>
-                                          </p:stCondLst>
-                                        </p:cTn>
-                                        <p:tgtEl>
-                                          <p:spTgt spid="7"/>
-                                        </p:tgtEl>
-                                        <p:attrNameLst>
-                                          <p:attrName>style.visibility</p:attrName>
-                                        </p:attrNameLst>
-                                      </p:cBhvr>
-                                      <p:to>
-                                        <p:strVal val="visible"/>
-                                      </p:to>
-                                    </p:set>
-                                  </p:childTnLst>
-                                </p:cTn>
-                              </p:par>
-                            </p:childTnLst>
-                          </p:cTn>
-                        </p:par>
-                      </p:childTnLst>
-                    </p:cTn>
-                  </p:par>
-                  <p:par>
-                    <p:cTn id="7" fill="hold">
-                      <p:stCondLst>
-                        <p:cond delay="indefinite"/>
-                      </p:stCondLst>
-                      <p:childTnLst>
-                        <p:par>
-                          <p:cTn id="8" fill="hold">
-                            <p:stCondLst>
-                              <p:cond delay="0"/>
-                            </p:stCondLst>
-                            <p:childTnLst>
-                              <p:par>
-                                <p:cTn id="9" presetID="1" presetClass="entr" presetSubtype="0" fill="hold" nodeType="clickEffect">
-                                  <p:stCondLst>
-                                    <p:cond delay="0"/>
-                                  </p:stCondLst>
-                                  <p:childTnLst>
-                                    <p:set>
-                                      <p:cBhvr>
-                                        <p:cTn id="10" dur="1" fill="hold">
-                                          <p:stCondLst>
-                                            <p:cond delay="0"/>
-                                          </p:stCondLst>
-                                        </p:cTn>
-                                        <p:tgtEl>
-                                          <p:spTgt spid="2"/>
-                                        </p:tgtEl>
-                                        <p:attrNameLst>
-                                          <p:attrName>style.visibility</p:attrName>
-                                        </p:attrNameLst>
-                                      </p:cBhvr>
-                                      <p:to>
-                                        <p:strVal val="visible"/>
-                                      </p:to>
-                                    </p:set>
-                                  </p:childTnLst>
-                                </p:cTn>
-                              </p:par>
-                            </p:childTnLst>
-                          </p:cTn>
-                        </p:par>
-                      </p:childTnLst>
-                    </p:cTn>
-                  </p:par>
-                  <p:par>
-                    <p:cTn id="11" fill="hold">
-                      <p:stCondLst>
-                        <p:cond delay="indefinite"/>
-                      </p:stCondLst>
-                      <p:childTnLst>
-                        <p:par>
-                          <p:cTn id="12" fill="hold">
-                            <p:stCondLst>
-                              <p:cond delay="0"/>
-                            </p:stCondLst>
-                            <p:childTnLst>
-                              <p:par>
-                                <p:cTn id="13" presetID="1" presetClass="entr" presetSubtype="0" fill="hold" grpId="0" nodeType="clickEffect">
-                                  <p:stCondLst>
-                                    <p:cond delay="0"/>
-                                  </p:stCondLst>
-                                  <p:childTnLst>
-                                    <p:set>
-                                      <p:cBhvr>
-                                        <p:cTn id="14" dur="1" fill="hold">
-                                          <p:stCondLst>
-                                            <p:cond delay="0"/>
-                                          </p:stCondLst>
-                                        </p:cTn>
-                                        <p:tgtEl>
-                                          <p:spTgt spid="8"/>
-                                        </p:tgtEl>
-                                        <p:attrNameLst>
-                                          <p:attrName>style.visibility</p:attrName>
-                                        </p:attrNameLst>
-                                      </p:cBhvr>
-                                      <p:to>
-                                        <p:strVal val="visible"/>
-                                      </p:to>
-                                    </p:set>
-                                  </p:childTnLst>
-                                </p:cTn>
-                              </p:par>
-                            </p:childTnLst>
-                          </p:cTn>
-                        </p:par>
-                      </p:childTnLst>
-                    </p:cTn>
-                  </p:par>
-                  <p:par>
-                    <p:cTn id="15" fill="hold">
-                      <p:stCondLst>
-                        <p:cond delay="indefinite"/>
-                      </p:stCondLst>
-                      <p:childTnLst>
-                        <p:par>
-                          <p:cTn id="16" fill="hold">
-                            <p:stCondLst>
-                              <p:cond delay="0"/>
-                            </p:stCondLst>
-                            <p:childTnLst>
-                              <p:par>
-                                <p:cTn id="17" presetID="1" presetClass="entr" presetSubtype="0" fill="hold" grpId="0" nodeType="clickEffect">
-                                  <p:stCondLst>
-                                    <p:cond delay="0"/>
-                                  </p:stCondLst>
-                                  <p:childTnLst>
-                                    <p:set>
-                                      <p:cBhvr>
-                                        <p:cTn id="18" dur="1" fill="hold">
-                                          <p:stCondLst>
-                                            <p:cond delay="0"/>
-                                          </p:stCondLst>
-                                        </p:cTn>
-                                        <p:tgtEl>
-                                          <p:spTgt spid="3"/>
-                                        </p:tgtEl>
-                                        <p:attrNameLst>
-                                          <p:attrName>style.visibility</p:attrName>
-                                        </p:attrNameLst>
-                                      </p:cBhvr>
-                                      <p:to>
-                                        <p:strVal val="visible"/>
-                                      </p:to>
-                                    </p:set>
-                                  </p:childTnLst>
-                                </p:cTn>
-                              </p:par>
-                            </p:childTnLst>
-                          </p:cTn>
-                        </p:par>
-                      </p:childTnLst>
-                    </p:cTn>
-                  </p:par>
-                  <p:par>
-                    <p:cTn id="19" fill="hold">
-                      <p:stCondLst>
-                        <p:cond delay="indefinite"/>
-                      </p:stCondLst>
-                      <p:childTnLst>
-                        <p:par>
-                          <p:cTn id="20" fill="hold">
-                            <p:stCondLst>
-                              <p:cond delay="0"/>
-                            </p:stCondLst>
-                            <p:childTnLst>
-                              <p:par>
-                                <p:cTn id="21" presetID="1" presetClass="entr" presetSubtype="0" fill="hold" grpId="0" nodeType="clickEffect">
-                                  <p:stCondLst>
-                                    <p:cond delay="0"/>
-                                  </p:stCondLst>
-                                  <p:childTnLst>
-                                    <p:set>
-                                      <p:cBhvr>
-                                        <p:cTn id="22" dur="1" fill="hold">
-                                          <p:stCondLst>
-                                            <p:cond delay="0"/>
-                                          </p:stCondLst>
-                                        </p:cTn>
-                                        <p:tgtEl>
-                                          <p:spTgt spid="10"/>
-                                        </p:tgtEl>
-                                        <p:attrNameLst>
-                                          <p:attrName>style.visibility</p:attrName>
-                                        </p:attrNameLst>
-                                      </p:cBhvr>
-                                      <p:to>
-                                        <p:strVal val="visible"/>
-                                      </p:to>
-                                    </p:set>
-                                  </p:childTnLst>
-                                </p:cTn>
-                              </p:par>
-                            </p:childTnLst>
-                          </p:cTn>
-                        </p:par>
-                      </p:childTnLst>
-                    </p:cTn>
-                  </p:par>
-                  <p:par>
-                    <p:cTn id="23" fill="hold">
-                      <p:stCondLst>
-                        <p:cond delay="indefinite"/>
-                      </p:stCondLst>
-                      <p:childTnLst>
-                        <p:par>
-                          <p:cTn id="24" fill="hold">
-                            <p:stCondLst>
-                              <p:cond delay="0"/>
-                            </p:stCondLst>
-                            <p:childTnLst>
-                              <p:par>
-                                <p:cTn id="25" presetID="1" presetClass="entr" presetSubtype="0" fill="hold" grpId="0" nodeType="clickEffect">
-                                  <p:stCondLst>
-                                    <p:cond delay="0"/>
-                                  </p:stCondLst>
-                                  <p:childTnLst>
-                                    <p:set>
-                                      <p:cBhvr>
-                                        <p:cTn id="26" dur="1" fill="hold">
-                                          <p:stCondLst>
-                                            <p:cond delay="0"/>
-                                          </p:stCondLst>
-                                        </p:cTn>
-                                        <p:tgtEl>
-                                          <p:spTgt spid="5"/>
-                                        </p:tgtEl>
-                                        <p:attrNameLst>
-                                          <p:attrName>style.visibility</p:attrName>
-                                        </p:attrNameLst>
-                                      </p:cBhvr>
-                                      <p:to>
-                                        <p:strVal val="visible"/>
-                                      </p:to>
-                                    </p:set>
-                                  </p:childTnLst>
-                                </p:cTn>
-                              </p:par>
-                              <p:par>
-                                <p:cTn id="27" presetID="1" presetClass="entr" presetSubtype="0" fill="hold" grpId="0" nodeType="withEffect">
-                                  <p:stCondLst>
-                                    <p:cond delay="0"/>
-                                  </p:stCondLst>
-                                  <p:childTnLst>
-                                    <p:set>
-                                      <p:cBhvr>
-                                        <p:cTn id="28" dur="1" fill="hold">
-                                          <p:stCondLst>
-                                            <p:cond delay="0"/>
-                                          </p:stCondLst>
-                                        </p:cTn>
-                                        <p:tgtEl>
-                                          <p:spTgt spid="6"/>
-                                        </p:tgtEl>
-                                        <p:attrNameLst>
-                                          <p:attrName>style.visibility</p:attrName>
-                                        </p:attrNameLst>
-                                      </p:cBhvr>
-                                      <p:to>
-                                        <p:strVal val="visible"/>
-                                      </p:to>
-                                    </p:set>
-                                  </p:childTnLst>
-                                </p:cTn>
-                              </p:par>
-                            </p:childTnLst>
-                          </p:cTn>
-                        </p:par>
-                      </p:childTnLst>
-                    </p:cTn>
-                  </p:par>
-                </p:childTnLst>
-              </p:cTn>
-              <p:prevCondLst>
-                <p:cond evt="onPrev" delay="0">
-                  <p:tgtEl>
-                    <p:sldTgt/>
-                  </p:tgtEl>
-                </p:cond>
-              </p:prevCondLst>
-              <p:nextCondLst>
-                <p:cond evt="onNext" delay="0">
-                  <p:tgtEl>
-                    <p:sldTgt/>
-                  </p:tgtEl>
-                </p:cond>
-              </p:nextCondLst>
-            </p:seq>
-          </p:childTnLst>
-        </p:cTn>
-      </p:par>
-    </p:tnLst>
-    <p:bldLst>
-      <p:bldP spid="7" grpId="0"/>
-      <p:bldP spid="8" grpId="0"/>
-      <p:bldP spid="3" grpId="0"/>
-      <p:bldP spid="10" grpId="0"/>
-      <p:bldP spid="5" grpId="0" animBg="1"/>
-      <p:bldP spid="6" grpId="0" animBg="1"/>
-    </p:bldLst>
-  </p:timing>
-</p:sld>
-</file>
-
-<file path=ppt/slides/slide20.xml><?xml version="1.0" encoding="utf-8"?>
+<file path=ppt/slides/slide22.xml><?xml version="1.0" encoding="utf-8"?>
 <p:sld xmlns:a="http://schemas.openxmlformats.org/drawingml/2006/main" xmlns:r="http://schemas.openxmlformats.org/officeDocument/2006/relationships" xmlns:p="http://schemas.openxmlformats.org/presentationml/2006/main">
   <p:cSld>
     <p:spTree>
@@ -7744,7 +10485,7 @@
 </p:sld>
 </file>
 
-<file path=ppt/slides/slide21.xml><?xml version="1.0" encoding="utf-8"?>
+<file path=ppt/slides/slide23.xml><?xml version="1.0" encoding="utf-8"?>
 <p:sld xmlns:a="http://schemas.openxmlformats.org/drawingml/2006/main" xmlns:r="http://schemas.openxmlformats.org/officeDocument/2006/relationships" xmlns:p="http://schemas.openxmlformats.org/presentationml/2006/main">
   <p:cSld>
     <p:spTree>
@@ -8785,7 +11526,7 @@
 </p:sld>
 </file>
 
-<file path=ppt/slides/slide22.xml><?xml version="1.0" encoding="utf-8"?>
+<file path=ppt/slides/slide24.xml><?xml version="1.0" encoding="utf-8"?>
 <p:sld xmlns:a="http://schemas.openxmlformats.org/drawingml/2006/main" xmlns:r="http://schemas.openxmlformats.org/officeDocument/2006/relationships" xmlns:p="http://schemas.openxmlformats.org/presentationml/2006/main">
   <p:cSld>
     <p:spTree>
@@ -13391,155 +16132,7 @@
 </p:sld>
 </file>
 
-<file path=ppt/slides/slide23.xml><?xml version="1.0" encoding="utf-8"?>
-<p:sld xmlns:a="http://schemas.openxmlformats.org/drawingml/2006/main" xmlns:r="http://schemas.openxmlformats.org/officeDocument/2006/relationships" xmlns:p="http://schemas.openxmlformats.org/presentationml/2006/main">
-  <p:cSld>
-    <p:spTree>
-      <p:nvGrpSpPr>
-        <p:cNvPr id="1" name=""/>
-        <p:cNvGrpSpPr/>
-        <p:nvPr/>
-      </p:nvGrpSpPr>
-      <p:grpSpPr/>
-      <p:sp>
-        <p:nvSpPr>
-          <p:cNvPr id="9" name="文本框 8"/>
-          <p:cNvSpPr txBox="1"/>
-          <p:nvPr/>
-        </p:nvSpPr>
-        <p:spPr>
-          <a:xfrm>
-            <a:off x="931073" y="327719"/>
-            <a:ext cx="5908345" cy="460375"/>
-          </a:xfrm>
-          <a:prstGeom prst="rect">
-            <a:avLst/>
-          </a:prstGeom>
-          <a:noFill/>
-        </p:spPr>
-        <p:txBody>
-          <a:bodyPr wrap="square" rtlCol="0">
-            <a:spAutoFit/>
-          </a:bodyPr>
-          <a:p>
-            <a:pPr defTabSz="862965">
-              <a:lnSpc>
-                <a:spcPct val="100000"/>
-              </a:lnSpc>
-              <a:spcBef>
-                <a:spcPts val="2265"/>
-              </a:spcBef>
-              <a:defRPr sz="1800">
-                <a:solidFill>
-                  <a:srgbClr val="000000"/>
-                </a:solidFill>
-              </a:defRPr>
-            </a:pPr>
-            <a:r>
-              <a:rPr lang="zh-CN" altLang="en-US" sz="2400" b="1" dirty="0">
-                <a:solidFill>
-                  <a:srgbClr val="3D5F6B"/>
-                </a:solidFill>
-                <a:ea typeface="微软雅黑" panose="020B0503020204020204" pitchFamily="34" charset="-122"/>
-                <a:cs typeface="Arial" panose="020B0604020202020204" pitchFamily="34" charset="0"/>
-                <a:sym typeface="Calibri" panose="020F0502020204030204" charset="0"/>
-              </a:rPr>
-              <a:t>数字福建区块链平台：跨市部署</a:t>
-            </a:r>
-            <a:r>
-              <a:rPr lang="en-US" altLang="zh-CN" sz="2400" b="1" dirty="0">
-                <a:solidFill>
-                  <a:srgbClr val="3D5F6B"/>
-                </a:solidFill>
-                <a:ea typeface="微软雅黑" panose="020B0503020204020204" pitchFamily="34" charset="-122"/>
-                <a:cs typeface="Arial" panose="020B0604020202020204" pitchFamily="34" charset="0"/>
-                <a:sym typeface="Calibri" panose="020F0502020204030204" charset="0"/>
-              </a:rPr>
-              <a:t>+IPFS</a:t>
-            </a:r>
-            <a:endParaRPr lang="en-US" altLang="zh-CN" sz="2400" b="1" dirty="0">
-              <a:solidFill>
-                <a:srgbClr val="3D5F6B"/>
-              </a:solidFill>
-              <a:ea typeface="微软雅黑" panose="020B0503020204020204" pitchFamily="34" charset="-122"/>
-              <a:cs typeface="Arial" panose="020B0604020202020204" pitchFamily="34" charset="0"/>
-              <a:sym typeface="Calibri" panose="020F0502020204030204" charset="0"/>
-            </a:endParaRPr>
-          </a:p>
-        </p:txBody>
-      </p:sp>
-      <p:pic>
-        <p:nvPicPr>
-          <p:cNvPr id="3" name="图片 2"/>
-          <p:cNvPicPr>
-            <a:picLocks noChangeAspect="1"/>
-          </p:cNvPicPr>
-          <p:nvPr/>
-        </p:nvPicPr>
-        <p:blipFill>
-          <a:blip r:embed="rId1"/>
-          <a:stretch>
-            <a:fillRect/>
-          </a:stretch>
-        </p:blipFill>
-        <p:spPr>
-          <a:xfrm>
-            <a:off x="302260" y="176530"/>
-            <a:ext cx="628650" cy="762000"/>
-          </a:xfrm>
-          <a:prstGeom prst="rect">
-            <a:avLst/>
-          </a:prstGeom>
-        </p:spPr>
-      </p:pic>
-      <p:pic>
-        <p:nvPicPr>
-          <p:cNvPr id="56" name="图片 55" descr="方案一（1）"/>
-          <p:cNvPicPr>
-            <a:picLocks noChangeAspect="1"/>
-          </p:cNvPicPr>
-          <p:nvPr/>
-        </p:nvPicPr>
-        <p:blipFill>
-          <a:blip r:embed="rId2"/>
-          <a:stretch>
-            <a:fillRect/>
-          </a:stretch>
-        </p:blipFill>
-        <p:spPr>
-          <a:xfrm>
-            <a:off x="1317625" y="1476375"/>
-            <a:ext cx="9556750" cy="3905250"/>
-          </a:xfrm>
-          <a:prstGeom prst="rect">
-            <a:avLst/>
-          </a:prstGeom>
-        </p:spPr>
-      </p:pic>
-    </p:spTree>
-  </p:cSld>
-  <p:clrMapOvr>
-    <a:masterClrMapping/>
-  </p:clrMapOvr>
-  <mc:AlternateContent xmlns:mc="http://schemas.openxmlformats.org/markup-compatibility/2006">
-    <mc:Choice xmlns:p14="http://schemas.microsoft.com/office/powerpoint/2010/main" Requires="p14">
-      <p:transition spd="slow" p14:dur="1500" advTm="0"/>
-    </mc:Choice>
-    <mc:Fallback>
-      <p:transition spd="slow" advTm="0"/>
-    </mc:Fallback>
-  </mc:AlternateContent>
-  <p:timing>
-    <p:tnLst>
-      <p:par>
-        <p:cTn id="1" dur="indefinite" restart="never" nodeType="tmRoot"/>
-      </p:par>
-    </p:tnLst>
-  </p:timing>
-</p:sld>
-</file>
-
-<file path=ppt/slides/slide24.xml><?xml version="1.0" encoding="utf-8"?>
+<file path=ppt/slides/slide25.xml><?xml version="1.0" encoding="utf-8"?>
 <p:sld xmlns:a="http://schemas.openxmlformats.org/drawingml/2006/main" xmlns:r="http://schemas.openxmlformats.org/officeDocument/2006/relationships" xmlns:p="http://schemas.openxmlformats.org/presentationml/2006/main">
   <p:cSld>
     <p:spTree>
@@ -14223,7 +16816,7 @@
 </p:sld>
 </file>
 
-<file path=ppt/slides/slide25.xml><?xml version="1.0" encoding="utf-8"?>
+<file path=ppt/slides/slide26.xml><?xml version="1.0" encoding="utf-8"?>
 <p:sld xmlns:a="http://schemas.openxmlformats.org/drawingml/2006/main" xmlns:r="http://schemas.openxmlformats.org/officeDocument/2006/relationships" xmlns:p="http://schemas.openxmlformats.org/presentationml/2006/main">
   <p:cSld>
     <p:spTree>
@@ -14371,7 +16964,7 @@
 </p:sld>
 </file>
 
-<file path=ppt/slides/slide26.xml><?xml version="1.0" encoding="utf-8"?>
+<file path=ppt/slides/slide27.xml><?xml version="1.0" encoding="utf-8"?>
 <p:sld xmlns:a="http://schemas.openxmlformats.org/drawingml/2006/main" xmlns:r="http://schemas.openxmlformats.org/officeDocument/2006/relationships" xmlns:p="http://schemas.openxmlformats.org/presentationml/2006/main">
   <p:cSld>
     <p:spTree>
@@ -14962,7 +17555,7 @@
 </p:sld>
 </file>
 
-<file path=ppt/slides/slide27.xml><?xml version="1.0" encoding="utf-8"?>
+<file path=ppt/slides/slide28.xml><?xml version="1.0" encoding="utf-8"?>
 <p:sld xmlns:a="http://schemas.openxmlformats.org/drawingml/2006/main" xmlns:r="http://schemas.openxmlformats.org/officeDocument/2006/relationships" xmlns:p="http://schemas.openxmlformats.org/presentationml/2006/main">
   <p:cSld>
     <p:spTree>
@@ -15110,7 +17703,7 @@
 </p:sld>
 </file>
 
-<file path=ppt/slides/slide28.xml><?xml version="1.0" encoding="utf-8"?>
+<file path=ppt/slides/slide29.xml><?xml version="1.0" encoding="utf-8"?>
 <p:sld xmlns:a="http://schemas.openxmlformats.org/drawingml/2006/main" xmlns:r="http://schemas.openxmlformats.org/officeDocument/2006/relationships" xmlns:p="http://schemas.openxmlformats.org/presentationml/2006/main">
   <p:cSld>
     <p:spTree>
@@ -15601,118 +18194,6 @@
             </p:seq>
           </p:childTnLst>
         </p:cTn>
-      </p:par>
-    </p:tnLst>
-  </p:timing>
-</p:sld>
-</file>
-
-<file path=ppt/slides/slide29.xml><?xml version="1.0" encoding="utf-8"?>
-<p:sld xmlns:a="http://schemas.openxmlformats.org/drawingml/2006/main" xmlns:r="http://schemas.openxmlformats.org/officeDocument/2006/relationships" xmlns:p="http://schemas.openxmlformats.org/presentationml/2006/main">
-  <p:cSld>
-    <p:spTree>
-      <p:nvGrpSpPr>
-        <p:cNvPr id="1" name=""/>
-        <p:cNvGrpSpPr/>
-        <p:nvPr/>
-      </p:nvGrpSpPr>
-      <p:grpSpPr/>
-      <p:pic>
-        <p:nvPicPr>
-          <p:cNvPr id="3" name="图片 2"/>
-          <p:cNvPicPr>
-            <a:picLocks noChangeAspect="1"/>
-          </p:cNvPicPr>
-          <p:nvPr/>
-        </p:nvPicPr>
-        <p:blipFill>
-          <a:blip r:embed="rId1"/>
-          <a:stretch>
-            <a:fillRect/>
-          </a:stretch>
-        </p:blipFill>
-        <p:spPr>
-          <a:xfrm>
-            <a:off x="302260" y="176530"/>
-            <a:ext cx="628650" cy="762000"/>
-          </a:xfrm>
-          <a:prstGeom prst="rect">
-            <a:avLst/>
-          </a:prstGeom>
-        </p:spPr>
-      </p:pic>
-      <p:sp>
-        <p:nvSpPr>
-          <p:cNvPr id="2" name="矩形 1"/>
-          <p:cNvSpPr/>
-          <p:nvPr/>
-        </p:nvSpPr>
-        <p:spPr>
-          <a:xfrm>
-            <a:off x="4632960" y="2829560"/>
-            <a:ext cx="2926080" cy="1198880"/>
-          </a:xfrm>
-          <a:prstGeom prst="rect">
-            <a:avLst/>
-          </a:prstGeom>
-          <a:noFill/>
-          <a:ln>
-            <a:noFill/>
-          </a:ln>
-        </p:spPr>
-        <p:txBody>
-          <a:bodyPr wrap="none" rtlCol="0" anchor="t">
-            <a:spAutoFit/>
-          </a:bodyPr>
-          <a:p>
-            <a:pPr algn="ctr"/>
-            <a:r>
-              <a:rPr lang="zh-CN" altLang="en-US" sz="7200" b="1">
-                <a:solidFill>
-                  <a:schemeClr val="tx1"/>
-                </a:solidFill>
-                <a:effectLst>
-                  <a:outerShdw blurRad="38100" dist="19050" dir="2700000" algn="tl" rotWithShape="0">
-                    <a:schemeClr val="dk1">
-                      <a:alpha val="40000"/>
-                    </a:schemeClr>
-                  </a:outerShdw>
-                </a:effectLst>
-              </a:rPr>
-              <a:t>谢谢！</a:t>
-            </a:r>
-            <a:endParaRPr lang="zh-CN" altLang="en-US" sz="7200" b="1">
-              <a:solidFill>
-                <a:schemeClr val="tx1"/>
-              </a:solidFill>
-              <a:effectLst>
-                <a:outerShdw blurRad="38100" dist="19050" dir="2700000" algn="tl" rotWithShape="0">
-                  <a:schemeClr val="dk1">
-                    <a:alpha val="40000"/>
-                  </a:schemeClr>
-                </a:outerShdw>
-              </a:effectLst>
-            </a:endParaRPr>
-          </a:p>
-        </p:txBody>
-      </p:sp>
-    </p:spTree>
-  </p:cSld>
-  <p:clrMapOvr>
-    <a:masterClrMapping/>
-  </p:clrMapOvr>
-  <mc:AlternateContent xmlns:mc="http://schemas.openxmlformats.org/markup-compatibility/2006">
-    <mc:Choice xmlns:p14="http://schemas.microsoft.com/office/powerpoint/2010/main" Requires="p14">
-      <p:transition spd="slow" p14:dur="1500" advTm="0"/>
-    </mc:Choice>
-    <mc:Fallback>
-      <p:transition spd="slow" advTm="0"/>
-    </mc:Fallback>
-  </mc:AlternateContent>
-  <p:timing>
-    <p:tnLst>
-      <p:par>
-        <p:cTn id="1" dur="indefinite" restart="never" nodeType="tmRoot"/>
       </p:par>
     </p:tnLst>
   </p:timing>
@@ -16232,6 +18713,118 @@
     <p:bldLst>
       <p:bldP spid="3" grpId="0"/>
     </p:bldLst>
+  </p:timing>
+</p:sld>
+</file>
+
+<file path=ppt/slides/slide30.xml><?xml version="1.0" encoding="utf-8"?>
+<p:sld xmlns:a="http://schemas.openxmlformats.org/drawingml/2006/main" xmlns:r="http://schemas.openxmlformats.org/officeDocument/2006/relationships" xmlns:p="http://schemas.openxmlformats.org/presentationml/2006/main">
+  <p:cSld>
+    <p:spTree>
+      <p:nvGrpSpPr>
+        <p:cNvPr id="1" name=""/>
+        <p:cNvGrpSpPr/>
+        <p:nvPr/>
+      </p:nvGrpSpPr>
+      <p:grpSpPr/>
+      <p:pic>
+        <p:nvPicPr>
+          <p:cNvPr id="3" name="图片 2"/>
+          <p:cNvPicPr>
+            <a:picLocks noChangeAspect="1"/>
+          </p:cNvPicPr>
+          <p:nvPr/>
+        </p:nvPicPr>
+        <p:blipFill>
+          <a:blip r:embed="rId1"/>
+          <a:stretch>
+            <a:fillRect/>
+          </a:stretch>
+        </p:blipFill>
+        <p:spPr>
+          <a:xfrm>
+            <a:off x="302260" y="176530"/>
+            <a:ext cx="628650" cy="762000"/>
+          </a:xfrm>
+          <a:prstGeom prst="rect">
+            <a:avLst/>
+          </a:prstGeom>
+        </p:spPr>
+      </p:pic>
+      <p:sp>
+        <p:nvSpPr>
+          <p:cNvPr id="2" name="矩形 1"/>
+          <p:cNvSpPr/>
+          <p:nvPr/>
+        </p:nvSpPr>
+        <p:spPr>
+          <a:xfrm>
+            <a:off x="4632960" y="2829560"/>
+            <a:ext cx="2926080" cy="1198880"/>
+          </a:xfrm>
+          <a:prstGeom prst="rect">
+            <a:avLst/>
+          </a:prstGeom>
+          <a:noFill/>
+          <a:ln>
+            <a:noFill/>
+          </a:ln>
+        </p:spPr>
+        <p:txBody>
+          <a:bodyPr wrap="none" rtlCol="0" anchor="t">
+            <a:spAutoFit/>
+          </a:bodyPr>
+          <a:p>
+            <a:pPr algn="ctr"/>
+            <a:r>
+              <a:rPr lang="zh-CN" altLang="en-US" sz="7200" b="1">
+                <a:solidFill>
+                  <a:schemeClr val="tx1"/>
+                </a:solidFill>
+                <a:effectLst>
+                  <a:outerShdw blurRad="38100" dist="19050" dir="2700000" algn="tl" rotWithShape="0">
+                    <a:schemeClr val="dk1">
+                      <a:alpha val="40000"/>
+                    </a:schemeClr>
+                  </a:outerShdw>
+                </a:effectLst>
+              </a:rPr>
+              <a:t>谢谢！</a:t>
+            </a:r>
+            <a:endParaRPr lang="zh-CN" altLang="en-US" sz="7200" b="1">
+              <a:solidFill>
+                <a:schemeClr val="tx1"/>
+              </a:solidFill>
+              <a:effectLst>
+                <a:outerShdw blurRad="38100" dist="19050" dir="2700000" algn="tl" rotWithShape="0">
+                  <a:schemeClr val="dk1">
+                    <a:alpha val="40000"/>
+                  </a:schemeClr>
+                </a:outerShdw>
+              </a:effectLst>
+            </a:endParaRPr>
+          </a:p>
+        </p:txBody>
+      </p:sp>
+    </p:spTree>
+  </p:cSld>
+  <p:clrMapOvr>
+    <a:masterClrMapping/>
+  </p:clrMapOvr>
+  <mc:AlternateContent xmlns:mc="http://schemas.openxmlformats.org/markup-compatibility/2006">
+    <mc:Choice xmlns:p14="http://schemas.microsoft.com/office/powerpoint/2010/main" Requires="p14">
+      <p:transition spd="slow" p14:dur="1500" advTm="0"/>
+    </mc:Choice>
+    <mc:Fallback>
+      <p:transition spd="slow" advTm="0"/>
+    </mc:Fallback>
+  </mc:AlternateContent>
+  <p:timing>
+    <p:tnLst>
+      <p:par>
+        <p:cTn id="1" dur="indefinite" restart="never" nodeType="tmRoot"/>
+      </p:par>
+    </p:tnLst>
   </p:timing>
 </p:sld>
 </file>
